--- a/slide/ppt/Mapping-Ideas.pptx
+++ b/slide/ppt/Mapping-Ideas.pptx
@@ -18,14 +18,18 @@
     <p:sldId id="273" r:id="rId12"/>
     <p:sldId id="274" r:id="rId13"/>
     <p:sldId id="267" r:id="rId14"/>
-    <p:sldId id="278" r:id="rId15"/>
-    <p:sldId id="262" r:id="rId16"/>
-    <p:sldId id="259" r:id="rId17"/>
-    <p:sldId id="258" r:id="rId18"/>
+    <p:sldId id="262" r:id="rId15"/>
+    <p:sldId id="259" r:id="rId16"/>
+    <p:sldId id="258" r:id="rId17"/>
+    <p:sldId id="278" r:id="rId18"/>
     <p:sldId id="260" r:id="rId19"/>
-    <p:sldId id="264" r:id="rId20"/>
-    <p:sldId id="265" r:id="rId21"/>
-    <p:sldId id="266" r:id="rId22"/>
+    <p:sldId id="279" r:id="rId20"/>
+    <p:sldId id="264" r:id="rId21"/>
+    <p:sldId id="265" r:id="rId22"/>
+    <p:sldId id="281" r:id="rId23"/>
+    <p:sldId id="282" r:id="rId24"/>
+    <p:sldId id="280" r:id="rId25"/>
+    <p:sldId id="266" r:id="rId26"/>
   </p:sldIdLst>
   <p:sldSz cx="9144000" cy="6858000" type="screen4x3"/>
   <p:notesSz cx="6858000" cy="9144000"/>
@@ -333,7 +337,7 @@
             <a:fld id="{53074F12-AA26-4AC8-9962-C36BB8F32554}" type="datetimeFigureOut">
               <a:rPr lang="en-US" smtClean="0"/>
               <a:pPr/>
-              <a:t>29-Jun-16</a:t>
+              <a:t>6/29/2016</a:t>
             </a:fld>
             <a:endParaRPr lang="en-US"/>
           </a:p>
@@ -385,7 +389,7 @@
     </p:spTree>
     <p:extLst>
       <p:ext uri="{BB962C8B-B14F-4D97-AF65-F5344CB8AC3E}">
-        <p14:creationId xmlns:p14="http://schemas.microsoft.com/office/powerpoint/2010/main" xmlns="" val="3253875174"/>
+        <p14:creationId xmlns:p14="http://schemas.microsoft.com/office/powerpoint/2010/main" val="3253875174"/>
       </p:ext>
     </p:extLst>
   </p:cSld>
@@ -588,7 +592,7 @@
             <a:fld id="{53074F12-AA26-4AC8-9962-C36BB8F32554}" type="datetimeFigureOut">
               <a:rPr lang="en-US" smtClean="0"/>
               <a:pPr/>
-              <a:t>29-Jun-16</a:t>
+              <a:t>6/29/2016</a:t>
             </a:fld>
             <a:endParaRPr lang="en-US"/>
           </a:p>
@@ -640,7 +644,7 @@
     </p:spTree>
     <p:extLst>
       <p:ext uri="{BB962C8B-B14F-4D97-AF65-F5344CB8AC3E}">
-        <p14:creationId xmlns:p14="http://schemas.microsoft.com/office/powerpoint/2010/main" xmlns="" val="477607843"/>
+        <p14:creationId xmlns:p14="http://schemas.microsoft.com/office/powerpoint/2010/main" val="477607843"/>
       </p:ext>
     </p:extLst>
   </p:cSld>
@@ -760,7 +764,7 @@
             <a:fld id="{53074F12-AA26-4AC8-9962-C36BB8F32554}" type="datetimeFigureOut">
               <a:rPr lang="en-US" smtClean="0"/>
               <a:pPr/>
-              <a:t>29-Jun-16</a:t>
+              <a:t>6/29/2016</a:t>
             </a:fld>
             <a:endParaRPr lang="en-US"/>
           </a:p>
@@ -812,7 +816,7 @@
     </p:spTree>
     <p:extLst>
       <p:ext uri="{BB962C8B-B14F-4D97-AF65-F5344CB8AC3E}">
-        <p14:creationId xmlns:p14="http://schemas.microsoft.com/office/powerpoint/2010/main" xmlns="" val="3428665726"/>
+        <p14:creationId xmlns:p14="http://schemas.microsoft.com/office/powerpoint/2010/main" val="3428665726"/>
       </p:ext>
     </p:extLst>
   </p:cSld>
@@ -942,7 +946,7 @@
             <a:fld id="{53074F12-AA26-4AC8-9962-C36BB8F32554}" type="datetimeFigureOut">
               <a:rPr lang="en-US" smtClean="0"/>
               <a:pPr/>
-              <a:t>29-Jun-16</a:t>
+              <a:t>6/29/2016</a:t>
             </a:fld>
             <a:endParaRPr lang="en-US"/>
           </a:p>
@@ -994,7 +998,7 @@
     </p:spTree>
     <p:extLst>
       <p:ext uri="{BB962C8B-B14F-4D97-AF65-F5344CB8AC3E}">
-        <p14:creationId xmlns:p14="http://schemas.microsoft.com/office/powerpoint/2010/main" xmlns="" val="893609949"/>
+        <p14:creationId xmlns:p14="http://schemas.microsoft.com/office/powerpoint/2010/main" val="893609949"/>
       </p:ext>
     </p:extLst>
   </p:cSld>
@@ -1170,7 +1174,7 @@
             <a:fld id="{53074F12-AA26-4AC8-9962-C36BB8F32554}" type="datetimeFigureOut">
               <a:rPr lang="en-US" smtClean="0"/>
               <a:pPr/>
-              <a:t>29-Jun-16</a:t>
+              <a:t>6/29/2016</a:t>
             </a:fld>
             <a:endParaRPr lang="en-US"/>
           </a:p>
@@ -1222,7 +1226,7 @@
     </p:spTree>
     <p:extLst>
       <p:ext uri="{BB962C8B-B14F-4D97-AF65-F5344CB8AC3E}">
-        <p14:creationId xmlns:p14="http://schemas.microsoft.com/office/powerpoint/2010/main" xmlns="" val="1664471362"/>
+        <p14:creationId xmlns:p14="http://schemas.microsoft.com/office/powerpoint/2010/main" val="1664471362"/>
       </p:ext>
     </p:extLst>
   </p:cSld>
@@ -1398,7 +1402,7 @@
             <a:fld id="{53074F12-AA26-4AC8-9962-C36BB8F32554}" type="datetimeFigureOut">
               <a:rPr lang="en-US" smtClean="0"/>
               <a:pPr/>
-              <a:t>29-Jun-16</a:t>
+              <a:t>6/29/2016</a:t>
             </a:fld>
             <a:endParaRPr lang="en-US"/>
           </a:p>
@@ -1450,7 +1454,7 @@
     </p:spTree>
     <p:extLst>
       <p:ext uri="{BB962C8B-B14F-4D97-AF65-F5344CB8AC3E}">
-        <p14:creationId xmlns:p14="http://schemas.microsoft.com/office/powerpoint/2010/main" xmlns="" val="1629391393"/>
+        <p14:creationId xmlns:p14="http://schemas.microsoft.com/office/powerpoint/2010/main" val="1629391393"/>
       </p:ext>
     </p:extLst>
   </p:cSld>
@@ -1646,7 +1650,7 @@
             <a:fld id="{53074F12-AA26-4AC8-9962-C36BB8F32554}" type="datetimeFigureOut">
               <a:rPr lang="en-US" smtClean="0"/>
               <a:pPr/>
-              <a:t>29-Jun-16</a:t>
+              <a:t>6/29/2016</a:t>
             </a:fld>
             <a:endParaRPr lang="en-US"/>
           </a:p>
@@ -1698,7 +1702,7 @@
     </p:spTree>
     <p:extLst>
       <p:ext uri="{BB962C8B-B14F-4D97-AF65-F5344CB8AC3E}">
-        <p14:creationId xmlns:p14="http://schemas.microsoft.com/office/powerpoint/2010/main" xmlns="" val="3863441575"/>
+        <p14:creationId xmlns:p14="http://schemas.microsoft.com/office/powerpoint/2010/main" val="3863441575"/>
       </p:ext>
     </p:extLst>
   </p:cSld>
@@ -1936,7 +1940,7 @@
             <a:fld id="{53074F12-AA26-4AC8-9962-C36BB8F32554}" type="datetimeFigureOut">
               <a:rPr lang="en-US" smtClean="0"/>
               <a:pPr/>
-              <a:t>29-Jun-16</a:t>
+              <a:t>6/29/2016</a:t>
             </a:fld>
             <a:endParaRPr lang="en-US"/>
           </a:p>
@@ -1988,7 +1992,7 @@
     </p:spTree>
     <p:extLst>
       <p:ext uri="{BB962C8B-B14F-4D97-AF65-F5344CB8AC3E}">
-        <p14:creationId xmlns:p14="http://schemas.microsoft.com/office/powerpoint/2010/main" xmlns="" val="3556791830"/>
+        <p14:creationId xmlns:p14="http://schemas.microsoft.com/office/powerpoint/2010/main" val="3556791830"/>
       </p:ext>
     </p:extLst>
   </p:cSld>
@@ -2419,7 +2423,7 @@
             <a:fld id="{53074F12-AA26-4AC8-9962-C36BB8F32554}" type="datetimeFigureOut">
               <a:rPr lang="en-US" smtClean="0"/>
               <a:pPr/>
-              <a:t>29-Jun-16</a:t>
+              <a:t>6/29/2016</a:t>
             </a:fld>
             <a:endParaRPr lang="en-US"/>
           </a:p>
@@ -2471,7 +2475,7 @@
     </p:spTree>
     <p:extLst>
       <p:ext uri="{BB962C8B-B14F-4D97-AF65-F5344CB8AC3E}">
-        <p14:creationId xmlns:p14="http://schemas.microsoft.com/office/powerpoint/2010/main" xmlns="" val="4122911988"/>
+        <p14:creationId xmlns:p14="http://schemas.microsoft.com/office/powerpoint/2010/main" val="4122911988"/>
       </p:ext>
     </p:extLst>
   </p:cSld>
@@ -2539,7 +2543,7 @@
             <a:fld id="{53074F12-AA26-4AC8-9962-C36BB8F32554}" type="datetimeFigureOut">
               <a:rPr lang="en-US" smtClean="0"/>
               <a:pPr/>
-              <a:t>29-Jun-16</a:t>
+              <a:t>6/29/2016</a:t>
             </a:fld>
             <a:endParaRPr lang="en-US"/>
           </a:p>
@@ -2591,7 +2595,7 @@
     </p:spTree>
     <p:extLst>
       <p:ext uri="{BB962C8B-B14F-4D97-AF65-F5344CB8AC3E}">
-        <p14:creationId xmlns:p14="http://schemas.microsoft.com/office/powerpoint/2010/main" xmlns="" val="3029773110"/>
+        <p14:creationId xmlns:p14="http://schemas.microsoft.com/office/powerpoint/2010/main" val="3029773110"/>
       </p:ext>
     </p:extLst>
   </p:cSld>
@@ -2636,7 +2640,7 @@
             <a:fld id="{53074F12-AA26-4AC8-9962-C36BB8F32554}" type="datetimeFigureOut">
               <a:rPr lang="en-US" smtClean="0"/>
               <a:pPr/>
-              <a:t>29-Jun-16</a:t>
+              <a:t>6/29/2016</a:t>
             </a:fld>
             <a:endParaRPr lang="en-US"/>
           </a:p>
@@ -2688,7 +2692,7 @@
     </p:spTree>
     <p:extLst>
       <p:ext uri="{BB962C8B-B14F-4D97-AF65-F5344CB8AC3E}">
-        <p14:creationId xmlns:p14="http://schemas.microsoft.com/office/powerpoint/2010/main" xmlns="" val="4251864075"/>
+        <p14:creationId xmlns:p14="http://schemas.microsoft.com/office/powerpoint/2010/main" val="4251864075"/>
       </p:ext>
     </p:extLst>
   </p:cSld>
@@ -2915,7 +2919,7 @@
             <a:fld id="{53074F12-AA26-4AC8-9962-C36BB8F32554}" type="datetimeFigureOut">
               <a:rPr lang="en-US" smtClean="0"/>
               <a:pPr/>
-              <a:t>29-Jun-16</a:t>
+              <a:t>6/29/2016</a:t>
             </a:fld>
             <a:endParaRPr lang="en-US"/>
           </a:p>
@@ -2967,7 +2971,7 @@
     </p:spTree>
     <p:extLst>
       <p:ext uri="{BB962C8B-B14F-4D97-AF65-F5344CB8AC3E}">
-        <p14:creationId xmlns:p14="http://schemas.microsoft.com/office/powerpoint/2010/main" xmlns="" val="3174452648"/>
+        <p14:creationId xmlns:p14="http://schemas.microsoft.com/office/powerpoint/2010/main" val="3174452648"/>
       </p:ext>
     </p:extLst>
   </p:cSld>
@@ -3139,7 +3143,7 @@
             <a:fld id="{53074F12-AA26-4AC8-9962-C36BB8F32554}" type="datetimeFigureOut">
               <a:rPr lang="en-US" smtClean="0"/>
               <a:pPr/>
-              <a:t>29-Jun-16</a:t>
+              <a:t>6/29/2016</a:t>
             </a:fld>
             <a:endParaRPr lang="en-US"/>
           </a:p>
@@ -3227,7 +3231,7 @@
     </p:spTree>
     <p:extLst>
       <p:ext uri="{BB962C8B-B14F-4D97-AF65-F5344CB8AC3E}">
-        <p14:creationId xmlns:p14="http://schemas.microsoft.com/office/powerpoint/2010/main" xmlns="" val="1944039382"/>
+        <p14:creationId xmlns:p14="http://schemas.microsoft.com/office/powerpoint/2010/main" val="1944039382"/>
       </p:ext>
     </p:extLst>
   </p:cSld>
@@ -3540,7 +3544,12 @@
             <p:ph type="ctrTitle"/>
           </p:nvPr>
         </p:nvSpPr>
-        <p:spPr/>
+        <p:spPr>
+          <a:xfrm>
+            <a:off x="1059784" y="2970885"/>
+            <a:ext cx="7931815" cy="1374345"/>
+          </a:xfrm>
+        </p:spPr>
         <p:txBody>
           <a:bodyPr>
             <a:normAutofit/>
@@ -3549,14 +3558,18 @@
           <a:p>
             <a:r>
               <a:rPr lang="en-US" dirty="0" smtClean="0"/>
-              <a:t>Click to edit </a:t>
+              <a:t>Mapping Ideas</a:t>
+            </a:r>
+            <a:r>
+              <a:rPr lang="en-US" dirty="0" smtClean="0"/>
+              <a:t/>
             </a:r>
             <a:br>
               <a:rPr lang="en-US" dirty="0" smtClean="0"/>
             </a:br>
             <a:r>
               <a:rPr lang="en-US" dirty="0" smtClean="0"/>
-              <a:t>Master title style</a:t>
+              <a:t>The HYIP Project</a:t>
             </a:r>
             <a:endParaRPr lang="en-US" dirty="0"/>
           </a:p>
@@ -3572,7 +3585,12 @@
             <p:ph type="subTitle" idx="1"/>
           </p:nvPr>
         </p:nvSpPr>
-        <p:spPr/>
+        <p:spPr>
+          <a:xfrm>
+            <a:off x="2434130" y="4345230"/>
+            <a:ext cx="6557470" cy="610820"/>
+          </a:xfrm>
+        </p:spPr>
         <p:txBody>
           <a:bodyPr>
             <a:normAutofit/>
@@ -3581,7 +3599,7 @@
           <a:p>
             <a:r>
               <a:rPr lang="en-US" dirty="0" smtClean="0"/>
-              <a:t>Click to edit Master subtitle style</a:t>
+              <a:t>The basic concept of our mapping </a:t>
             </a:r>
             <a:endParaRPr lang="en-US" dirty="0"/>
           </a:p>
@@ -3590,7 +3608,7 @@
     </p:spTree>
     <p:extLst>
       <p:ext uri="{BB962C8B-B14F-4D97-AF65-F5344CB8AC3E}">
-        <p14:creationId xmlns:p14="http://schemas.microsoft.com/office/powerpoint/2010/main" xmlns="" val="363920370"/>
+        <p14:creationId xmlns:p14="http://schemas.microsoft.com/office/powerpoint/2010/main" val="363920370"/>
       </p:ext>
     </p:extLst>
   </p:cSld>
@@ -3676,7 +3694,7 @@
     </p:spTree>
     <p:extLst>
       <p:ext uri="{BB962C8B-B14F-4D97-AF65-F5344CB8AC3E}">
-        <p14:creationId xmlns:p14="http://schemas.microsoft.com/office/powerpoint/2010/main" xmlns="" val="4103309497"/>
+        <p14:creationId xmlns:p14="http://schemas.microsoft.com/office/powerpoint/2010/main" val="4103309497"/>
       </p:ext>
     </p:extLst>
   </p:cSld>
@@ -3762,7 +3780,7 @@
     </p:spTree>
     <p:extLst>
       <p:ext uri="{BB962C8B-B14F-4D97-AF65-F5344CB8AC3E}">
-        <p14:creationId xmlns:p14="http://schemas.microsoft.com/office/powerpoint/2010/main" xmlns="" val="4103309497"/>
+        <p14:creationId xmlns:p14="http://schemas.microsoft.com/office/powerpoint/2010/main" val="4103309497"/>
       </p:ext>
     </p:extLst>
   </p:cSld>
@@ -3874,7 +3892,7 @@
     </p:spTree>
     <p:extLst>
       <p:ext uri="{BB962C8B-B14F-4D97-AF65-F5344CB8AC3E}">
-        <p14:creationId xmlns:p14="http://schemas.microsoft.com/office/powerpoint/2010/main" xmlns="" val="4103309497"/>
+        <p14:creationId xmlns:p14="http://schemas.microsoft.com/office/powerpoint/2010/main" val="4103309497"/>
       </p:ext>
     </p:extLst>
   </p:cSld>
@@ -3960,7 +3978,7 @@
     </p:spTree>
     <p:extLst>
       <p:ext uri="{BB962C8B-B14F-4D97-AF65-F5344CB8AC3E}">
-        <p14:creationId xmlns:p14="http://schemas.microsoft.com/office/powerpoint/2010/main" xmlns="" val="4103309497"/>
+        <p14:creationId xmlns:p14="http://schemas.microsoft.com/office/powerpoint/2010/main" val="4103309497"/>
       </p:ext>
     </p:extLst>
   </p:cSld>
@@ -3989,107 +4007,6 @@
       </p:grpSpPr>
       <p:sp>
         <p:nvSpPr>
-          <p:cNvPr id="2" name="Title 1"/>
-          <p:cNvSpPr>
-            <a:spLocks noGrp="1"/>
-          </p:cNvSpPr>
-          <p:nvPr>
-            <p:ph type="title"/>
-          </p:nvPr>
-        </p:nvSpPr>
-        <p:spPr/>
-        <p:txBody>
-          <a:bodyPr>
-            <a:normAutofit/>
-          </a:bodyPr>
-          <a:lstStyle/>
-          <a:p>
-            <a:r>
-              <a:rPr lang="en-US" dirty="0" smtClean="0"/>
-              <a:t>Slide Title</a:t>
-            </a:r>
-            <a:endParaRPr lang="en-US" dirty="0"/>
-          </a:p>
-        </p:txBody>
-      </p:sp>
-      <p:pic>
-        <p:nvPicPr>
-          <p:cNvPr id="6" name="Picture Placeholder 5" descr="definition.jpg"/>
-          <p:cNvPicPr>
-            <a:picLocks noGrp="1" noChangeAspect="1"/>
-          </p:cNvPicPr>
-          <p:nvPr>
-            <p:ph type="pic" idx="1"/>
-          </p:nvPr>
-        </p:nvPicPr>
-        <p:blipFill>
-          <a:blip r:embed="rId2"/>
-          <a:srcRect t="8820" b="8820"/>
-          <a:stretch>
-            <a:fillRect/>
-          </a:stretch>
-        </p:blipFill>
-        <p:spPr>
-          <a:xfrm>
-            <a:off x="1828800" y="1371600"/>
-            <a:ext cx="6705600" cy="4343400"/>
-          </a:xfrm>
-        </p:spPr>
-      </p:pic>
-      <p:sp>
-        <p:nvSpPr>
-          <p:cNvPr id="3" name="Content Placeholder 2"/>
-          <p:cNvSpPr>
-            <a:spLocks noGrp="1"/>
-          </p:cNvSpPr>
-          <p:nvPr>
-            <p:ph type="body" sz="half" idx="2"/>
-          </p:nvPr>
-        </p:nvSpPr>
-        <p:spPr/>
-        <p:txBody>
-          <a:bodyPr/>
-          <a:lstStyle/>
-          <a:p>
-            <a:endParaRPr lang="en-US" dirty="0" smtClean="0"/>
-          </a:p>
-          <a:p>
-            <a:endParaRPr lang="en-US" dirty="0"/>
-          </a:p>
-        </p:txBody>
-      </p:sp>
-    </p:spTree>
-    <p:extLst>
-      <p:ext uri="{BB962C8B-B14F-4D97-AF65-F5344CB8AC3E}">
-        <p14:creationId xmlns:p14="http://schemas.microsoft.com/office/powerpoint/2010/main" xmlns="" val="4103309497"/>
-      </p:ext>
-    </p:extLst>
-  </p:cSld>
-  <p:clrMapOvr>
-    <a:masterClrMapping/>
-  </p:clrMapOvr>
-</p:sld>
-</file>
-
-<file path=ppt/slides/slide15.xml><?xml version="1.0" encoding="utf-8"?>
-<p:sld xmlns:a="http://schemas.openxmlformats.org/drawingml/2006/main" xmlns:r="http://schemas.openxmlformats.org/officeDocument/2006/relationships" xmlns:p="http://schemas.openxmlformats.org/presentationml/2006/main">
-  <p:cSld>
-    <p:spTree>
-      <p:nvGrpSpPr>
-        <p:cNvPr id="1" name=""/>
-        <p:cNvGrpSpPr/>
-        <p:nvPr/>
-      </p:nvGrpSpPr>
-      <p:grpSpPr>
-        <a:xfrm>
-          <a:off x="0" y="0"/>
-          <a:ext cx="0" cy="0"/>
-          <a:chOff x="0" y="0"/>
-          <a:chExt cx="0" cy="0"/>
-        </a:xfrm>
-      </p:grpSpPr>
-      <p:sp>
-        <p:nvSpPr>
           <p:cNvPr id="4" name="Title 3"/>
           <p:cNvSpPr>
             <a:spLocks noGrp="1"/>
@@ -4140,7 +4057,7 @@
 </p:sld>
 </file>
 
-<file path=ppt/slides/slide16.xml><?xml version="1.0" encoding="utf-8"?>
+<file path=ppt/slides/slide15.xml><?xml version="1.0" encoding="utf-8"?>
 <p:sld xmlns:a="http://schemas.openxmlformats.org/drawingml/2006/main" xmlns:r="http://schemas.openxmlformats.org/officeDocument/2006/relationships" xmlns:p="http://schemas.openxmlformats.org/presentationml/2006/main">
   <p:cSld>
     <p:bg>
@@ -4244,7 +4161,165 @@
     </p:spTree>
     <p:extLst>
       <p:ext uri="{BB962C8B-B14F-4D97-AF65-F5344CB8AC3E}">
-        <p14:creationId xmlns:p14="http://schemas.microsoft.com/office/powerpoint/2010/main" xmlns="" val="1101633878"/>
+        <p14:creationId xmlns:p14="http://schemas.microsoft.com/office/powerpoint/2010/main" val="1101633878"/>
+      </p:ext>
+    </p:extLst>
+  </p:cSld>
+  <p:clrMapOvr>
+    <a:masterClrMapping/>
+  </p:clrMapOvr>
+</p:sld>
+</file>
+
+<file path=ppt/slides/slide16.xml><?xml version="1.0" encoding="utf-8"?>
+<p:sld xmlns:a="http://schemas.openxmlformats.org/drawingml/2006/main" xmlns:r="http://schemas.openxmlformats.org/officeDocument/2006/relationships" xmlns:p="http://schemas.openxmlformats.org/presentationml/2006/main">
+  <p:cSld>
+    <p:spTree>
+      <p:nvGrpSpPr>
+        <p:cNvPr id="1" name=""/>
+        <p:cNvGrpSpPr/>
+        <p:nvPr/>
+      </p:nvGrpSpPr>
+      <p:grpSpPr>
+        <a:xfrm>
+          <a:off x="0" y="0"/>
+          <a:ext cx="0" cy="0"/>
+          <a:chOff x="0" y="0"/>
+          <a:chExt cx="0" cy="0"/>
+        </a:xfrm>
+      </p:grpSpPr>
+      <p:sp>
+        <p:nvSpPr>
+          <p:cNvPr id="4" name="Title 3"/>
+          <p:cNvSpPr>
+            <a:spLocks noGrp="1"/>
+          </p:cNvSpPr>
+          <p:nvPr>
+            <p:ph type="title"/>
+          </p:nvPr>
+        </p:nvSpPr>
+        <p:spPr>
+          <a:xfrm>
+            <a:off x="1823310" y="374900"/>
+            <a:ext cx="7177135" cy="532180"/>
+          </a:xfrm>
+        </p:spPr>
+        <p:txBody>
+          <a:bodyPr>
+            <a:normAutofit fontScale="90000"/>
+          </a:bodyPr>
+          <a:lstStyle/>
+          <a:p>
+            <a:r>
+              <a:rPr lang="en-US" dirty="0" smtClean="0"/>
+              <a:t>Slide Title</a:t>
+            </a:r>
+            <a:endParaRPr lang="en-US" dirty="0"/>
+          </a:p>
+        </p:txBody>
+      </p:sp>
+      <p:sp>
+        <p:nvSpPr>
+          <p:cNvPr id="5" name="Text Placeholder 4"/>
+          <p:cNvSpPr>
+            <a:spLocks noGrp="1"/>
+          </p:cNvSpPr>
+          <p:nvPr>
+            <p:ph type="body" idx="1"/>
+          </p:nvPr>
+        </p:nvSpPr>
+        <p:spPr/>
+        <p:txBody>
+          <a:bodyPr/>
+          <a:lstStyle/>
+          <a:p>
+            <a:r>
+              <a:rPr lang="en-US" smtClean="0"/>
+              <a:t>Product A</a:t>
+            </a:r>
+            <a:endParaRPr lang="en-US"/>
+          </a:p>
+        </p:txBody>
+      </p:sp>
+      <p:pic>
+        <p:nvPicPr>
+          <p:cNvPr id="2" name="Content Placeholder 1"/>
+          <p:cNvPicPr>
+            <a:picLocks noGrp="1"/>
+          </p:cNvPicPr>
+          <p:nvPr>
+            <p:ph sz="half" idx="2"/>
+          </p:nvPr>
+        </p:nvPicPr>
+        <p:blipFill>
+          <a:blip r:embed="rId2" cstate="print">
+            <a:extLst>
+              <a:ext uri="{28A0092B-C50C-407E-A947-70E740481C1C}">
+                <a14:useLocalDpi xmlns:a14="http://schemas.microsoft.com/office/drawing/2010/main" val="0"/>
+              </a:ext>
+            </a:extLst>
+          </a:blip>
+          <a:stretch>
+            <a:fillRect/>
+          </a:stretch>
+        </p:blipFill>
+        <p:spPr>
+          <a:xfrm>
+            <a:off x="539496" y="2532888"/>
+            <a:ext cx="4041648" cy="3035808"/>
+          </a:xfrm>
+        </p:spPr>
+      </p:pic>
+      <p:sp>
+        <p:nvSpPr>
+          <p:cNvPr id="7" name="Text Placeholder 6"/>
+          <p:cNvSpPr>
+            <a:spLocks noGrp="1"/>
+          </p:cNvSpPr>
+          <p:nvPr>
+            <p:ph type="body" sz="quarter" idx="3"/>
+          </p:nvPr>
+        </p:nvSpPr>
+        <p:spPr/>
+        <p:txBody>
+          <a:bodyPr/>
+          <a:lstStyle/>
+          <a:p>
+            <a:r>
+              <a:rPr lang="en-US" smtClean="0"/>
+              <a:t>Product B</a:t>
+            </a:r>
+            <a:endParaRPr lang="en-US"/>
+          </a:p>
+        </p:txBody>
+      </p:sp>
+      <p:pic>
+        <p:nvPicPr>
+          <p:cNvPr id="9" name="Content Placeholder 8" descr="bases.png"/>
+          <p:cNvPicPr>
+            <a:picLocks noGrp="1"/>
+          </p:cNvPicPr>
+          <p:nvPr>
+            <p:ph sz="quarter" idx="4"/>
+          </p:nvPr>
+        </p:nvPicPr>
+        <p:blipFill>
+          <a:blip r:embed="rId3"/>
+          <a:stretch>
+            <a:fillRect/>
+          </a:stretch>
+        </p:blipFill>
+        <p:spPr>
+          <a:xfrm>
+            <a:off x="4727448" y="2532888"/>
+            <a:ext cx="4041648" cy="3035808"/>
+          </a:xfrm>
+        </p:spPr>
+      </p:pic>
+    </p:spTree>
+    <p:extLst>
+      <p:ext uri="{BB962C8B-B14F-4D97-AF65-F5344CB8AC3E}">
+        <p14:creationId xmlns:p14="http://schemas.microsoft.com/office/powerpoint/2010/main" val="4170783713"/>
       </p:ext>
     </p:extLst>
   </p:cSld>
@@ -4273,7 +4348,7 @@
       </p:grpSpPr>
       <p:sp>
         <p:nvSpPr>
-          <p:cNvPr id="4" name="Title 3"/>
+          <p:cNvPr id="2" name="Title 1"/>
           <p:cNvSpPr>
             <a:spLocks noGrp="1"/>
           </p:cNvSpPr>
@@ -4281,15 +4356,10 @@
             <p:ph type="title"/>
           </p:nvPr>
         </p:nvSpPr>
-        <p:spPr>
-          <a:xfrm>
-            <a:off x="1823310" y="374900"/>
-            <a:ext cx="7177135" cy="532180"/>
-          </a:xfrm>
-        </p:spPr>
+        <p:spPr/>
         <p:txBody>
           <a:bodyPr>
-            <a:normAutofit fontScale="90000"/>
+            <a:normAutofit/>
           </a:bodyPr>
           <a:lstStyle/>
           <a:p>
@@ -4298,69 +4368,41 @@
               <a:t>Slide Title</a:t>
             </a:r>
             <a:endParaRPr lang="en-US" dirty="0"/>
-          </a:p>
-        </p:txBody>
-      </p:sp>
-      <p:sp>
-        <p:nvSpPr>
-          <p:cNvPr id="5" name="Text Placeholder 4"/>
-          <p:cNvSpPr>
-            <a:spLocks noGrp="1"/>
-          </p:cNvSpPr>
-          <p:nvPr>
-            <p:ph type="body" idx="1"/>
-          </p:nvPr>
-        </p:nvSpPr>
-        <p:spPr/>
-        <p:txBody>
-          <a:bodyPr/>
-          <a:lstStyle/>
-          <a:p>
-            <a:r>
-              <a:rPr lang="en-US" smtClean="0"/>
-              <a:t>Product A</a:t>
-            </a:r>
-            <a:endParaRPr lang="en-US"/>
           </a:p>
         </p:txBody>
       </p:sp>
       <p:pic>
         <p:nvPicPr>
-          <p:cNvPr id="2" name="Content Placeholder 1"/>
+          <p:cNvPr id="6" name="Picture Placeholder 5" descr="definition.jpg"/>
           <p:cNvPicPr>
-            <a:picLocks noGrp="1"/>
+            <a:picLocks noGrp="1" noChangeAspect="1"/>
           </p:cNvPicPr>
           <p:nvPr>
-            <p:ph sz="half" idx="2"/>
+            <p:ph type="pic" idx="1"/>
           </p:nvPr>
         </p:nvPicPr>
         <p:blipFill>
-          <a:blip r:embed="rId2" cstate="print">
-            <a:extLst>
-              <a:ext uri="{28A0092B-C50C-407E-A947-70E740481C1C}">
-                <a14:useLocalDpi xmlns:a14="http://schemas.microsoft.com/office/drawing/2010/main" xmlns="" val="0"/>
-              </a:ext>
-            </a:extLst>
-          </a:blip>
+          <a:blip r:embed="rId2"/>
+          <a:srcRect t="8820" b="8820"/>
           <a:stretch>
             <a:fillRect/>
           </a:stretch>
         </p:blipFill>
         <p:spPr>
           <a:xfrm>
-            <a:off x="539496" y="2532888"/>
-            <a:ext cx="4041648" cy="3035808"/>
+            <a:off x="1828800" y="1371600"/>
+            <a:ext cx="6705600" cy="4343400"/>
           </a:xfrm>
         </p:spPr>
       </p:pic>
       <p:sp>
         <p:nvSpPr>
-          <p:cNvPr id="7" name="Text Placeholder 6"/>
-          <p:cNvSpPr>
-            <a:spLocks noGrp="1"/>
-          </p:cNvSpPr>
-          <p:nvPr>
-            <p:ph type="body" sz="quarter" idx="3"/>
+          <p:cNvPr id="3" name="Content Placeholder 2"/>
+          <p:cNvSpPr>
+            <a:spLocks noGrp="1"/>
+          </p:cNvSpPr>
+          <p:nvPr>
+            <p:ph type="body" sz="half" idx="2"/>
           </p:nvPr>
         </p:nvSpPr>
         <p:spPr/>
@@ -4368,41 +4410,17 @@
           <a:bodyPr/>
           <a:lstStyle/>
           <a:p>
-            <a:r>
-              <a:rPr lang="en-US" smtClean="0"/>
-              <a:t>Product B</a:t>
-            </a:r>
-            <a:endParaRPr lang="en-US"/>
-          </a:p>
-        </p:txBody>
-      </p:sp>
-      <p:pic>
-        <p:nvPicPr>
-          <p:cNvPr id="9" name="Content Placeholder 8" descr="bases.png"/>
-          <p:cNvPicPr>
-            <a:picLocks noGrp="1"/>
-          </p:cNvPicPr>
-          <p:nvPr>
-            <p:ph sz="quarter" idx="4"/>
-          </p:nvPr>
-        </p:nvPicPr>
-        <p:blipFill>
-          <a:blip r:embed="rId3"/>
-          <a:stretch>
-            <a:fillRect/>
-          </a:stretch>
-        </p:blipFill>
-        <p:spPr>
-          <a:xfrm>
-            <a:off x="4727448" y="2532888"/>
-            <a:ext cx="4041648" cy="3035808"/>
-          </a:xfrm>
-        </p:spPr>
-      </p:pic>
+            <a:endParaRPr lang="en-US" dirty="0" smtClean="0"/>
+          </a:p>
+          <a:p>
+            <a:endParaRPr lang="en-US" dirty="0"/>
+          </a:p>
+        </p:txBody>
+      </p:sp>
     </p:spTree>
     <p:extLst>
       <p:ext uri="{BB962C8B-B14F-4D97-AF65-F5344CB8AC3E}">
-        <p14:creationId xmlns:p14="http://schemas.microsoft.com/office/powerpoint/2010/main" xmlns="" val="4170783713"/>
+        <p14:creationId xmlns:p14="http://schemas.microsoft.com/office/powerpoint/2010/main" val="4103309497"/>
       </p:ext>
     </p:extLst>
   </p:cSld>
@@ -4496,7 +4514,7 @@
           <a:blip r:embed="rId2">
             <a:extLst>
               <a:ext uri="{28A0092B-C50C-407E-A947-70E740481C1C}">
-                <a14:useLocalDpi xmlns:a14="http://schemas.microsoft.com/office/drawing/2010/main" xmlns="" val="0"/>
+                <a14:useLocalDpi xmlns:a14="http://schemas.microsoft.com/office/drawing/2010/main" val="0"/>
               </a:ext>
             </a:extLst>
           </a:blip>
@@ -4548,7 +4566,7 @@
           <a:blip r:embed="rId3" cstate="print">
             <a:extLst>
               <a:ext uri="{28A0092B-C50C-407E-A947-70E740481C1C}">
-                <a14:useLocalDpi xmlns:a14="http://schemas.microsoft.com/office/drawing/2010/main" xmlns="" val="0"/>
+                <a14:useLocalDpi xmlns:a14="http://schemas.microsoft.com/office/drawing/2010/main" val="0"/>
               </a:ext>
             </a:extLst>
           </a:blip>
@@ -4566,7 +4584,7 @@
     </p:spTree>
     <p:extLst>
       <p:ext uri="{BB962C8B-B14F-4D97-AF65-F5344CB8AC3E}">
-        <p14:creationId xmlns:p14="http://schemas.microsoft.com/office/powerpoint/2010/main" xmlns="" val="4170783713"/>
+        <p14:creationId xmlns:p14="http://schemas.microsoft.com/office/powerpoint/2010/main" val="4170783713"/>
       </p:ext>
     </p:extLst>
   </p:cSld>
@@ -4639,16 +4657,16 @@
           <a:lstStyle/>
           <a:p>
             <a:r>
-              <a:rPr lang="en-US" dirty="0" smtClean="0"/>
+              <a:rPr lang="en-US" smtClean="0"/>
               <a:t>Product A</a:t>
             </a:r>
-            <a:endParaRPr lang="en-US" dirty="0"/>
+            <a:endParaRPr lang="en-US"/>
           </a:p>
         </p:txBody>
       </p:sp>
       <p:pic>
         <p:nvPicPr>
-          <p:cNvPr id="2" name="Content Placeholder 1"/>
+          <p:cNvPr id="9" name="Content Placeholder 8"/>
           <p:cNvPicPr>
             <a:picLocks noGrp="1"/>
           </p:cNvPicPr>
@@ -4660,7 +4678,7 @@
           <a:blip r:embed="rId2">
             <a:extLst>
               <a:ext uri="{28A0092B-C50C-407E-A947-70E740481C1C}">
-                <a14:useLocalDpi xmlns:a14="http://schemas.microsoft.com/office/drawing/2010/main" xmlns="" val="0"/>
+                <a14:useLocalDpi xmlns:a14="http://schemas.microsoft.com/office/drawing/2010/main" val="0"/>
               </a:ext>
             </a:extLst>
           </a:blip>
@@ -4670,8 +4688,8 @@
         </p:blipFill>
         <p:spPr>
           <a:xfrm>
-            <a:off x="539496" y="2532888"/>
-            <a:ext cx="4041648" cy="3035808"/>
+            <a:off x="536575" y="2532888"/>
+            <a:ext cx="4040188" cy="3035808"/>
           </a:xfrm>
         </p:spPr>
       </p:pic>
@@ -4698,39 +4716,29 @@
           </a:p>
         </p:txBody>
       </p:sp>
-      <p:pic>
-        <p:nvPicPr>
-          <p:cNvPr id="3" name="Content Placeholder 2"/>
-          <p:cNvPicPr>
-            <a:picLocks noGrp="1"/>
-          </p:cNvPicPr>
+      <p:sp>
+        <p:nvSpPr>
+          <p:cNvPr id="2" name="Content Placeholder 1"/>
+          <p:cNvSpPr>
+            <a:spLocks noGrp="1"/>
+          </p:cNvSpPr>
           <p:nvPr>
             <p:ph sz="quarter" idx="4"/>
           </p:nvPr>
-        </p:nvPicPr>
-        <p:blipFill>
-          <a:blip r:embed="rId3" cstate="print">
-            <a:extLst>
-              <a:ext uri="{28A0092B-C50C-407E-A947-70E740481C1C}">
-                <a14:useLocalDpi xmlns:a14="http://schemas.microsoft.com/office/drawing/2010/main" xmlns="" val="0"/>
-              </a:ext>
-            </a:extLst>
-          </a:blip>
-          <a:stretch>
-            <a:fillRect/>
-          </a:stretch>
-        </p:blipFill>
-        <p:spPr>
-          <a:xfrm>
-            <a:off x="4724400" y="2532888"/>
-            <a:ext cx="4041775" cy="3035808"/>
-          </a:xfrm>
-        </p:spPr>
-      </p:pic>
+        </p:nvSpPr>
+        <p:spPr/>
+        <p:txBody>
+          <a:bodyPr/>
+          <a:lstStyle/>
+          <a:p>
+            <a:endParaRPr lang="en-US"/>
+          </a:p>
+        </p:txBody>
+      </p:sp>
     </p:spTree>
     <p:extLst>
       <p:ext uri="{BB962C8B-B14F-4D97-AF65-F5344CB8AC3E}">
-        <p14:creationId xmlns:p14="http://schemas.microsoft.com/office/powerpoint/2010/main" xmlns="" val="3716113921"/>
+        <p14:creationId xmlns:p14="http://schemas.microsoft.com/office/powerpoint/2010/main" val="2517763434"/>
       </p:ext>
     </p:extLst>
   </p:cSld>
@@ -4770,7 +4778,7 @@
         <p:spPr>
           <a:xfrm>
             <a:off x="1823310" y="374900"/>
-            <a:ext cx="7924190" cy="532180"/>
+            <a:ext cx="7092090" cy="532180"/>
           </a:xfrm>
         </p:spPr>
         <p:txBody>
@@ -4781,7 +4789,7 @@
           <a:p>
             <a:r>
               <a:rPr lang="en-US" dirty="0" smtClean="0"/>
-              <a:t>Slide Title</a:t>
+              <a:t>Definition on Wikipedia</a:t>
             </a:r>
             <a:endParaRPr lang="en-US" dirty="0"/>
           </a:p>
@@ -4804,25 +4812,60 @@
           <a:p>
             <a:r>
               <a:rPr lang="en-US" dirty="0" smtClean="0"/>
-              <a:t>Make Effective Presentations</a:t>
-            </a:r>
-          </a:p>
-          <a:p>
-            <a:r>
-              <a:rPr lang="en-US" dirty="0" smtClean="0"/>
-              <a:t>Using Awesome Backgrounds</a:t>
-            </a:r>
-          </a:p>
-          <a:p>
-            <a:r>
-              <a:rPr lang="en-US" dirty="0" smtClean="0"/>
-              <a:t>Engage your Audience</a:t>
-            </a:r>
-          </a:p>
-          <a:p>
-            <a:r>
-              <a:rPr lang="en-US" dirty="0" smtClean="0"/>
-              <a:t>Capture Audience Attention</a:t>
+              <a:t>A </a:t>
+            </a:r>
+            <a:r>
+              <a:rPr lang="en-US" dirty="0"/>
+              <a:t>concept map or conceptual diagram is a diagram that depicts suggested relationships between </a:t>
+            </a:r>
+            <a:r>
+              <a:rPr lang="en-US" dirty="0" smtClean="0"/>
+              <a:t>concepts. It is a graphical tool that instructional designers, engineers, technical writers, and others use </a:t>
+            </a:r>
+            <a:r>
+              <a:rPr lang="en-US" dirty="0"/>
+              <a:t>“</a:t>
+            </a:r>
+            <a:r>
+              <a:rPr lang="en-US" dirty="0" smtClean="0"/>
+              <a:t>to organize and structure knowledge”.</a:t>
+            </a:r>
+            <a:endParaRPr lang="en-US" dirty="0" smtClean="0"/>
+          </a:p>
+          <a:p>
+            <a:r>
+              <a:rPr lang="en-US" dirty="0"/>
+              <a:t>Mind mapping is one of the best ways to capture your thoughts and bring them to life in visual </a:t>
+            </a:r>
+            <a:r>
+              <a:rPr lang="en-US" dirty="0" smtClean="0"/>
+              <a:t>form</a:t>
+            </a:r>
+            <a:r>
+              <a:rPr lang="en-US" dirty="0"/>
+              <a:t> </a:t>
+            </a:r>
+            <a:r>
+              <a:rPr lang="en-US" dirty="0" smtClean="0"/>
+              <a:t>(“maps out”).</a:t>
+            </a:r>
+          </a:p>
+          <a:p>
+            <a:r>
+              <a:rPr lang="en-US" dirty="0" smtClean="0"/>
+              <a:t>Definition </a:t>
+            </a:r>
+            <a:r>
+              <a:rPr lang="en-US" dirty="0"/>
+              <a:t>of our Mapping </a:t>
+            </a:r>
+            <a:r>
+              <a:rPr lang="en-US" dirty="0" smtClean="0"/>
+              <a:t>Ideas </a:t>
+            </a:r>
+            <a:r>
+              <a:rPr lang="en-US" dirty="0"/>
+              <a:t>is closer to Concept Map rather than Mind Mapping</a:t>
             </a:r>
           </a:p>
           <a:p>
@@ -4836,13 +4879,20 @@
     </p:spTree>
     <p:extLst>
       <p:ext uri="{BB962C8B-B14F-4D97-AF65-F5344CB8AC3E}">
-        <p14:creationId xmlns:p14="http://schemas.microsoft.com/office/powerpoint/2010/main" xmlns="" val="4103309497"/>
+        <p14:creationId xmlns:p14="http://schemas.microsoft.com/office/powerpoint/2010/main" val="4103309497"/>
       </p:ext>
     </p:extLst>
   </p:cSld>
   <p:clrMapOvr>
     <a:masterClrMapping/>
   </p:clrMapOvr>
+  <p:timing>
+    <p:tnLst>
+      <p:par>
+        <p:cTn id="1" dur="indefinite" restart="never" nodeType="tmRoot"/>
+      </p:par>
+    </p:tnLst>
+  </p:timing>
 </p:sld>
 </file>
 
@@ -4873,7 +4923,12 @@
             <p:ph type="title"/>
           </p:nvPr>
         </p:nvSpPr>
-        <p:spPr/>
+        <p:spPr>
+          <a:xfrm>
+            <a:off x="1823310" y="374900"/>
+            <a:ext cx="7177135" cy="532180"/>
+          </a:xfrm>
+        </p:spPr>
         <p:txBody>
           <a:bodyPr>
             <a:normAutofit fontScale="90000"/>
@@ -4888,21 +4943,44 @@
           </a:p>
         </p:txBody>
       </p:sp>
+      <p:sp>
+        <p:nvSpPr>
+          <p:cNvPr id="5" name="Text Placeholder 4"/>
+          <p:cNvSpPr>
+            <a:spLocks noGrp="1"/>
+          </p:cNvSpPr>
+          <p:nvPr>
+            <p:ph type="body" idx="1"/>
+          </p:nvPr>
+        </p:nvSpPr>
+        <p:spPr/>
+        <p:txBody>
+          <a:bodyPr/>
+          <a:lstStyle/>
+          <a:p>
+            <a:r>
+              <a:rPr lang="en-US" dirty="0" smtClean="0"/>
+              <a:t>Product A</a:t>
+            </a:r>
+            <a:endParaRPr lang="en-US" dirty="0"/>
+          </a:p>
+        </p:txBody>
+      </p:sp>
       <p:pic>
         <p:nvPicPr>
-          <p:cNvPr id="12" name="Content Placeholder 11"/>
+          <p:cNvPr id="2" name="Content Placeholder 1"/>
           <p:cNvPicPr>
-            <a:picLocks noGrp="1" noChangeAspect="1"/>
+            <a:picLocks noGrp="1"/>
           </p:cNvPicPr>
           <p:nvPr>
-            <p:ph idx="1"/>
+            <p:ph sz="half" idx="2"/>
           </p:nvPr>
         </p:nvPicPr>
         <p:blipFill>
           <a:blip r:embed="rId2">
             <a:extLst>
               <a:ext uri="{28A0092B-C50C-407E-A947-70E740481C1C}">
-                <a14:useLocalDpi xmlns:a14="http://schemas.microsoft.com/office/drawing/2010/main" xmlns="" val="0"/>
+                <a14:useLocalDpi xmlns:a14="http://schemas.microsoft.com/office/drawing/2010/main" val="0"/>
               </a:ext>
             </a:extLst>
           </a:blip>
@@ -4912,15 +4990,67 @@
         </p:blipFill>
         <p:spPr>
           <a:xfrm>
-            <a:off x="1981200" y="2206624"/>
-            <a:ext cx="6781800" cy="4041775"/>
+            <a:off x="539496" y="2532888"/>
+            <a:ext cx="4041648" cy="3035808"/>
+          </a:xfrm>
+        </p:spPr>
+      </p:pic>
+      <p:sp>
+        <p:nvSpPr>
+          <p:cNvPr id="7" name="Text Placeholder 6"/>
+          <p:cNvSpPr>
+            <a:spLocks noGrp="1"/>
+          </p:cNvSpPr>
+          <p:nvPr>
+            <p:ph type="body" sz="quarter" idx="3"/>
+          </p:nvPr>
+        </p:nvSpPr>
+        <p:spPr/>
+        <p:txBody>
+          <a:bodyPr/>
+          <a:lstStyle/>
+          <a:p>
+            <a:r>
+              <a:rPr lang="en-US" smtClean="0"/>
+              <a:t>Product B</a:t>
+            </a:r>
+            <a:endParaRPr lang="en-US"/>
+          </a:p>
+        </p:txBody>
+      </p:sp>
+      <p:pic>
+        <p:nvPicPr>
+          <p:cNvPr id="9" name="Content Placeholder 8"/>
+          <p:cNvPicPr>
+            <a:picLocks noGrp="1" noChangeAspect="1"/>
+          </p:cNvPicPr>
+          <p:nvPr>
+            <p:ph sz="quarter" idx="4"/>
+          </p:nvPr>
+        </p:nvPicPr>
+        <p:blipFill>
+          <a:blip r:embed="rId3">
+            <a:extLst>
+              <a:ext uri="{28A0092B-C50C-407E-A947-70E740481C1C}">
+                <a14:useLocalDpi xmlns:a14="http://schemas.microsoft.com/office/drawing/2010/main" val="0"/>
+              </a:ext>
+            </a:extLst>
+          </a:blip>
+          <a:stretch>
+            <a:fillRect/>
+          </a:stretch>
+        </p:blipFill>
+        <p:spPr>
+          <a:xfrm>
+            <a:off x="4800600" y="2971800"/>
+            <a:ext cx="1860000" cy="2000000"/>
           </a:xfrm>
         </p:spPr>
       </p:pic>
     </p:spTree>
     <p:extLst>
       <p:ext uri="{BB962C8B-B14F-4D97-AF65-F5344CB8AC3E}">
-        <p14:creationId xmlns:p14="http://schemas.microsoft.com/office/powerpoint/2010/main" xmlns="" val="3606199004"/>
+        <p14:creationId xmlns:p14="http://schemas.microsoft.com/office/powerpoint/2010/main" val="3716113921"/>
       </p:ext>
     </p:extLst>
   </p:cSld>
@@ -4947,6 +5077,328 @@
           <a:chExt cx="0" cy="0"/>
         </a:xfrm>
       </p:grpSpPr>
+      <p:pic>
+        <p:nvPicPr>
+          <p:cNvPr id="1026" name="Picture 2" descr="http://images.slideplayer.com/25/8068889/slides/slide_2.jpg"/>
+          <p:cNvPicPr>
+            <a:picLocks noChangeAspect="1" noChangeArrowheads="1"/>
+          </p:cNvPicPr>
+          <p:nvPr/>
+        </p:nvPicPr>
+        <p:blipFill>
+          <a:blip r:embed="rId2">
+            <a:extLst>
+              <a:ext uri="{28A0092B-C50C-407E-A947-70E740481C1C}">
+                <a14:useLocalDpi xmlns:a14="http://schemas.microsoft.com/office/drawing/2010/main" val="0"/>
+              </a:ext>
+            </a:extLst>
+          </a:blip>
+          <a:srcRect/>
+          <a:stretch>
+            <a:fillRect/>
+          </a:stretch>
+        </p:blipFill>
+        <p:spPr bwMode="auto">
+          <a:xfrm>
+            <a:off x="1828800" y="914400"/>
+            <a:ext cx="7239000" cy="5638801"/>
+          </a:xfrm>
+          <a:prstGeom prst="rect">
+            <a:avLst/>
+          </a:prstGeom>
+          <a:noFill/>
+          <a:extLst>
+            <a:ext uri="{909E8E84-426E-40DD-AFC4-6F175D3DCCD1}">
+              <a14:hiddenFill xmlns:a14="http://schemas.microsoft.com/office/drawing/2010/main">
+                <a:solidFill>
+                  <a:srgbClr val="FFFFFF"/>
+                </a:solidFill>
+              </a14:hiddenFill>
+            </a:ext>
+          </a:extLst>
+        </p:spPr>
+      </p:pic>
+    </p:spTree>
+    <p:extLst>
+      <p:ext uri="{BB962C8B-B14F-4D97-AF65-F5344CB8AC3E}">
+        <p14:creationId xmlns:p14="http://schemas.microsoft.com/office/powerpoint/2010/main" val="3606199004"/>
+      </p:ext>
+    </p:extLst>
+  </p:cSld>
+  <p:clrMapOvr>
+    <a:masterClrMapping/>
+  </p:clrMapOvr>
+</p:sld>
+</file>
+
+<file path=ppt/slides/slide22.xml><?xml version="1.0" encoding="utf-8"?>
+<p:sld xmlns:a="http://schemas.openxmlformats.org/drawingml/2006/main" xmlns:r="http://schemas.openxmlformats.org/officeDocument/2006/relationships" xmlns:p="http://schemas.openxmlformats.org/presentationml/2006/main">
+  <p:cSld>
+    <p:spTree>
+      <p:nvGrpSpPr>
+        <p:cNvPr id="1" name=""/>
+        <p:cNvGrpSpPr/>
+        <p:nvPr/>
+      </p:nvGrpSpPr>
+      <p:grpSpPr>
+        <a:xfrm>
+          <a:off x="0" y="0"/>
+          <a:ext cx="0" cy="0"/>
+          <a:chOff x="0" y="0"/>
+          <a:chExt cx="0" cy="0"/>
+        </a:xfrm>
+      </p:grpSpPr>
+      <p:sp>
+        <p:nvSpPr>
+          <p:cNvPr id="2" name="Title 1"/>
+          <p:cNvSpPr>
+            <a:spLocks noGrp="1"/>
+          </p:cNvSpPr>
+          <p:nvPr>
+            <p:ph type="title"/>
+          </p:nvPr>
+        </p:nvSpPr>
+        <p:spPr>
+          <a:xfrm>
+            <a:off x="2209800" y="5791200"/>
+            <a:ext cx="6400800" cy="566738"/>
+          </a:xfrm>
+        </p:spPr>
+        <p:txBody>
+          <a:bodyPr>
+            <a:normAutofit/>
+          </a:bodyPr>
+          <a:lstStyle/>
+          <a:p>
+            <a:r>
+              <a:rPr lang="en-US" dirty="0" smtClean="0"/>
+              <a:t> </a:t>
+            </a:r>
+            <a:r>
+              <a:rPr lang="en-US" dirty="0" smtClean="0"/>
+              <a:t>The 4 bases are in between 3’ to 5’ and 5’ to 3’ by 2 in pair</a:t>
+            </a:r>
+            <a:endParaRPr lang="en-US" dirty="0"/>
+          </a:p>
+        </p:txBody>
+      </p:sp>
+      <p:pic>
+        <p:nvPicPr>
+          <p:cNvPr id="31746" name="Picture 2" descr="Image result for mapping ideas"/>
+          <p:cNvPicPr>
+            <a:picLocks noChangeAspect="1" noChangeArrowheads="1"/>
+          </p:cNvPicPr>
+          <p:nvPr/>
+        </p:nvPicPr>
+        <p:blipFill>
+          <a:blip r:embed="rId2"/>
+          <a:srcRect/>
+          <a:stretch>
+            <a:fillRect/>
+          </a:stretch>
+        </p:blipFill>
+        <p:spPr bwMode="auto">
+          <a:xfrm>
+            <a:off x="155575" y="-876300"/>
+            <a:ext cx="2505075" cy="1828800"/>
+          </a:xfrm>
+          <a:prstGeom prst="rect">
+            <a:avLst/>
+          </a:prstGeom>
+          <a:noFill/>
+        </p:spPr>
+      </p:pic>
+      <p:pic>
+        <p:nvPicPr>
+          <p:cNvPr id="3" name="Picture 2"/>
+          <p:cNvPicPr>
+            <a:picLocks noChangeAspect="1"/>
+          </p:cNvPicPr>
+          <p:nvPr/>
+        </p:nvPicPr>
+        <p:blipFill>
+          <a:blip r:embed="rId3">
+            <a:extLst>
+              <a:ext uri="{28A0092B-C50C-407E-A947-70E740481C1C}">
+                <a14:useLocalDpi xmlns:a14="http://schemas.microsoft.com/office/drawing/2010/main" val="0"/>
+              </a:ext>
+            </a:extLst>
+          </a:blip>
+          <a:stretch>
+            <a:fillRect/>
+          </a:stretch>
+        </p:blipFill>
+        <p:spPr>
+          <a:xfrm>
+            <a:off x="2057400" y="1600200"/>
+            <a:ext cx="6705600" cy="3909060"/>
+          </a:xfrm>
+          <a:prstGeom prst="rect">
+            <a:avLst/>
+          </a:prstGeom>
+        </p:spPr>
+      </p:pic>
+    </p:spTree>
+    <p:extLst>
+      <p:ext uri="{BB962C8B-B14F-4D97-AF65-F5344CB8AC3E}">
+        <p14:creationId xmlns:p14="http://schemas.microsoft.com/office/powerpoint/2010/main" val="92091338"/>
+      </p:ext>
+    </p:extLst>
+  </p:cSld>
+  <p:clrMapOvr>
+    <a:masterClrMapping/>
+  </p:clrMapOvr>
+</p:sld>
+</file>
+
+<file path=ppt/slides/slide23.xml><?xml version="1.0" encoding="utf-8"?>
+<p:sld xmlns:a="http://schemas.openxmlformats.org/drawingml/2006/main" xmlns:r="http://schemas.openxmlformats.org/officeDocument/2006/relationships" xmlns:p="http://schemas.openxmlformats.org/presentationml/2006/main">
+  <p:cSld>
+    <p:spTree>
+      <p:nvGrpSpPr>
+        <p:cNvPr id="1" name=""/>
+        <p:cNvGrpSpPr/>
+        <p:nvPr/>
+      </p:nvGrpSpPr>
+      <p:grpSpPr>
+        <a:xfrm>
+          <a:off x="0" y="0"/>
+          <a:ext cx="0" cy="0"/>
+          <a:chOff x="0" y="0"/>
+          <a:chExt cx="0" cy="0"/>
+        </a:xfrm>
+      </p:grpSpPr>
+      <p:sp>
+        <p:nvSpPr>
+          <p:cNvPr id="2" name="Title 1"/>
+          <p:cNvSpPr>
+            <a:spLocks noGrp="1"/>
+          </p:cNvSpPr>
+          <p:nvPr>
+            <p:ph type="title"/>
+          </p:nvPr>
+        </p:nvSpPr>
+        <p:spPr>
+          <a:xfrm>
+            <a:off x="2895600" y="5867400"/>
+            <a:ext cx="4210050" cy="566738"/>
+          </a:xfrm>
+        </p:spPr>
+        <p:txBody>
+          <a:bodyPr>
+            <a:normAutofit/>
+          </a:bodyPr>
+          <a:lstStyle/>
+          <a:p>
+            <a:r>
+              <a:rPr lang="en-US" dirty="0" smtClean="0"/>
+              <a:t> </a:t>
+            </a:r>
+            <a:r>
+              <a:rPr lang="en-US" dirty="0" smtClean="0"/>
+              <a:t>The 4 bases are identical by 2 in pair</a:t>
+            </a:r>
+            <a:endParaRPr lang="en-US" dirty="0"/>
+          </a:p>
+        </p:txBody>
+      </p:sp>
+      <p:pic>
+        <p:nvPicPr>
+          <p:cNvPr id="31746" name="Picture 2" descr="Image result for mapping ideas"/>
+          <p:cNvPicPr>
+            <a:picLocks noChangeAspect="1" noChangeArrowheads="1"/>
+          </p:cNvPicPr>
+          <p:nvPr/>
+        </p:nvPicPr>
+        <p:blipFill>
+          <a:blip r:embed="rId2"/>
+          <a:srcRect/>
+          <a:stretch>
+            <a:fillRect/>
+          </a:stretch>
+        </p:blipFill>
+        <p:spPr bwMode="auto">
+          <a:xfrm>
+            <a:off x="155575" y="-876300"/>
+            <a:ext cx="2505075" cy="1828800"/>
+          </a:xfrm>
+          <a:prstGeom prst="rect">
+            <a:avLst/>
+          </a:prstGeom>
+          <a:noFill/>
+        </p:spPr>
+      </p:pic>
+      <p:pic>
+        <p:nvPicPr>
+          <p:cNvPr id="2050" name="Picture 2" descr="http://www.councilforresponsiblegenetics.org/geneticprivacy/images/c16x6base-pairs.png"/>
+          <p:cNvPicPr>
+            <a:picLocks noChangeAspect="1" noChangeArrowheads="1"/>
+          </p:cNvPicPr>
+          <p:nvPr/>
+        </p:nvPicPr>
+        <p:blipFill>
+          <a:blip r:embed="rId3">
+            <a:extLst>
+              <a:ext uri="{28A0092B-C50C-407E-A947-70E740481C1C}">
+                <a14:useLocalDpi xmlns:a14="http://schemas.microsoft.com/office/drawing/2010/main" val="0"/>
+              </a:ext>
+            </a:extLst>
+          </a:blip>
+          <a:srcRect/>
+          <a:stretch>
+            <a:fillRect/>
+          </a:stretch>
+        </p:blipFill>
+        <p:spPr bwMode="auto">
+          <a:xfrm>
+            <a:off x="3581400" y="1524000"/>
+            <a:ext cx="2838450" cy="3933826"/>
+          </a:xfrm>
+          <a:prstGeom prst="rect">
+            <a:avLst/>
+          </a:prstGeom>
+          <a:noFill/>
+          <a:extLst>
+            <a:ext uri="{909E8E84-426E-40DD-AFC4-6F175D3DCCD1}">
+              <a14:hiddenFill xmlns:a14="http://schemas.microsoft.com/office/drawing/2010/main">
+                <a:solidFill>
+                  <a:srgbClr val="FFFFFF"/>
+                </a:solidFill>
+              </a14:hiddenFill>
+            </a:ext>
+          </a:extLst>
+        </p:spPr>
+      </p:pic>
+    </p:spTree>
+    <p:extLst>
+      <p:ext uri="{BB962C8B-B14F-4D97-AF65-F5344CB8AC3E}">
+        <p14:creationId xmlns:p14="http://schemas.microsoft.com/office/powerpoint/2010/main" val="4078963133"/>
+      </p:ext>
+    </p:extLst>
+  </p:cSld>
+  <p:clrMapOvr>
+    <a:masterClrMapping/>
+  </p:clrMapOvr>
+</p:sld>
+</file>
+
+<file path=ppt/slides/slide24.xml><?xml version="1.0" encoding="utf-8"?>
+<p:sld xmlns:a="http://schemas.openxmlformats.org/drawingml/2006/main" xmlns:r="http://schemas.openxmlformats.org/officeDocument/2006/relationships" xmlns:p="http://schemas.openxmlformats.org/presentationml/2006/main">
+  <p:cSld>
+    <p:spTree>
+      <p:nvGrpSpPr>
+        <p:cNvPr id="1" name=""/>
+        <p:cNvGrpSpPr/>
+        <p:nvPr/>
+      </p:nvGrpSpPr>
+      <p:grpSpPr>
+        <a:xfrm>
+          <a:off x="0" y="0"/>
+          <a:ext cx="0" cy="0"/>
+          <a:chOff x="0" y="0"/>
+          <a:chExt cx="0" cy="0"/>
+        </a:xfrm>
+      </p:grpSpPr>
       <p:sp>
         <p:nvSpPr>
           <p:cNvPr id="4" name="Title 3"/>
@@ -4993,110 +5445,274 @@
           <a:lstStyle/>
           <a:p>
             <a:r>
-              <a:rPr lang="en-US" smtClean="0"/>
+              <a:rPr lang="en-US" dirty="0" smtClean="0"/>
               <a:t>Product A</a:t>
             </a:r>
+            <a:endParaRPr lang="en-US" dirty="0"/>
+          </a:p>
+        </p:txBody>
+      </p:sp>
+      <p:pic>
+        <p:nvPicPr>
+          <p:cNvPr id="2" name="Content Placeholder 1"/>
+          <p:cNvPicPr>
+            <a:picLocks noGrp="1"/>
+          </p:cNvPicPr>
+          <p:nvPr>
+            <p:ph sz="half" idx="2"/>
+          </p:nvPr>
+        </p:nvPicPr>
+        <p:blipFill>
+          <a:blip r:embed="rId2">
+            <a:extLst>
+              <a:ext uri="{28A0092B-C50C-407E-A947-70E740481C1C}">
+                <a14:useLocalDpi xmlns:a14="http://schemas.microsoft.com/office/drawing/2010/main" val="0"/>
+              </a:ext>
+            </a:extLst>
+          </a:blip>
+          <a:stretch>
+            <a:fillRect/>
+          </a:stretch>
+        </p:blipFill>
+        <p:spPr>
+          <a:xfrm>
+            <a:off x="539496" y="2532888"/>
+            <a:ext cx="4041648" cy="3035808"/>
+          </a:xfrm>
+        </p:spPr>
+      </p:pic>
+      <p:sp>
+        <p:nvSpPr>
+          <p:cNvPr id="7" name="Text Placeholder 6"/>
+          <p:cNvSpPr>
+            <a:spLocks noGrp="1"/>
+          </p:cNvSpPr>
+          <p:nvPr>
+            <p:ph type="body" sz="quarter" idx="3"/>
+          </p:nvPr>
+        </p:nvSpPr>
+        <p:spPr/>
+        <p:txBody>
+          <a:bodyPr/>
+          <a:lstStyle/>
+          <a:p>
+            <a:r>
+              <a:rPr lang="en-US" smtClean="0"/>
+              <a:t>Product B</a:t>
+            </a:r>
             <a:endParaRPr lang="en-US"/>
           </a:p>
         </p:txBody>
       </p:sp>
-      <p:sp>
-        <p:nvSpPr>
-          <p:cNvPr id="6" name="Content Placeholder 5"/>
-          <p:cNvSpPr>
-            <a:spLocks noGrp="1"/>
-          </p:cNvSpPr>
-          <p:nvPr>
-            <p:ph sz="half" idx="2"/>
-          </p:nvPr>
-        </p:nvSpPr>
-        <p:spPr/>
-        <p:txBody>
-          <a:bodyPr/>
-          <a:lstStyle/>
-          <a:p>
-            <a:r>
-              <a:rPr lang="en-US" dirty="0" smtClean="0"/>
-              <a:t>Feature 1</a:t>
-            </a:r>
-          </a:p>
-          <a:p>
-            <a:r>
-              <a:rPr lang="en-US" dirty="0" smtClean="0"/>
-              <a:t>Feature 2</a:t>
-            </a:r>
-          </a:p>
-          <a:p>
-            <a:r>
-              <a:rPr lang="en-US" dirty="0" smtClean="0"/>
-              <a:t>Feature 3</a:t>
-            </a:r>
-            <a:endParaRPr lang="en-US" dirty="0"/>
-          </a:p>
-        </p:txBody>
-      </p:sp>
-      <p:sp>
-        <p:nvSpPr>
-          <p:cNvPr id="7" name="Text Placeholder 6"/>
-          <p:cNvSpPr>
-            <a:spLocks noGrp="1"/>
-          </p:cNvSpPr>
-          <p:nvPr>
-            <p:ph type="body" sz="quarter" idx="3"/>
-          </p:nvPr>
-        </p:nvSpPr>
-        <p:spPr/>
-        <p:txBody>
-          <a:bodyPr/>
-          <a:lstStyle/>
-          <a:p>
-            <a:r>
-              <a:rPr lang="en-US" smtClean="0"/>
-              <a:t>Product B</a:t>
-            </a:r>
-            <a:endParaRPr lang="en-US"/>
-          </a:p>
-        </p:txBody>
-      </p:sp>
-      <p:sp>
-        <p:nvSpPr>
-          <p:cNvPr id="8" name="Content Placeholder 7"/>
-          <p:cNvSpPr>
-            <a:spLocks noGrp="1"/>
-          </p:cNvSpPr>
+      <p:pic>
+        <p:nvPicPr>
+          <p:cNvPr id="3" name="Content Placeholder 2"/>
+          <p:cNvPicPr>
+            <a:picLocks noGrp="1"/>
+          </p:cNvPicPr>
           <p:nvPr>
             <p:ph sz="quarter" idx="4"/>
           </p:nvPr>
-        </p:nvSpPr>
-        <p:spPr/>
-        <p:txBody>
-          <a:bodyPr/>
-          <a:lstStyle/>
-          <a:p>
-            <a:r>
-              <a:rPr lang="en-US" dirty="0" smtClean="0"/>
-              <a:t>Feature 1</a:t>
-            </a:r>
-          </a:p>
-          <a:p>
-            <a:r>
-              <a:rPr lang="en-US" dirty="0" smtClean="0"/>
-              <a:t>Feature 2</a:t>
-            </a:r>
-          </a:p>
-          <a:p>
-            <a:r>
-              <a:rPr lang="en-US" dirty="0" smtClean="0"/>
-              <a:t>Feature 3</a:t>
-            </a:r>
-            <a:endParaRPr lang="en-US" dirty="0"/>
-          </a:p>
-        </p:txBody>
-      </p:sp>
+        </p:nvPicPr>
+        <p:blipFill>
+          <a:blip r:embed="rId3" cstate="print">
+            <a:extLst>
+              <a:ext uri="{28A0092B-C50C-407E-A947-70E740481C1C}">
+                <a14:useLocalDpi xmlns:a14="http://schemas.microsoft.com/office/drawing/2010/main" val="0"/>
+              </a:ext>
+            </a:extLst>
+          </a:blip>
+          <a:stretch>
+            <a:fillRect/>
+          </a:stretch>
+        </p:blipFill>
+        <p:spPr>
+          <a:xfrm>
+            <a:off x="4724400" y="2532888"/>
+            <a:ext cx="4041775" cy="3035808"/>
+          </a:xfrm>
+        </p:spPr>
+      </p:pic>
     </p:spTree>
     <p:extLst>
       <p:ext uri="{BB962C8B-B14F-4D97-AF65-F5344CB8AC3E}">
-        <p14:creationId xmlns:p14="http://schemas.microsoft.com/office/powerpoint/2010/main" xmlns="" val="1791936940"/>
+        <p14:creationId xmlns:p14="http://schemas.microsoft.com/office/powerpoint/2010/main" val="1679414494"/>
+      </p:ext>
+    </p:extLst>
+  </p:cSld>
+  <p:clrMapOvr>
+    <a:masterClrMapping/>
+  </p:clrMapOvr>
+</p:sld>
+</file>
+
+<file path=ppt/slides/slide25.xml><?xml version="1.0" encoding="utf-8"?>
+<p:sld xmlns:a="http://schemas.openxmlformats.org/drawingml/2006/main" xmlns:r="http://schemas.openxmlformats.org/officeDocument/2006/relationships" xmlns:p="http://schemas.openxmlformats.org/presentationml/2006/main">
+  <p:cSld>
+    <p:spTree>
+      <p:nvGrpSpPr>
+        <p:cNvPr id="1" name=""/>
+        <p:cNvGrpSpPr/>
+        <p:nvPr/>
+      </p:nvGrpSpPr>
+      <p:grpSpPr>
+        <a:xfrm>
+          <a:off x="0" y="0"/>
+          <a:ext cx="0" cy="0"/>
+          <a:chOff x="0" y="0"/>
+          <a:chExt cx="0" cy="0"/>
+        </a:xfrm>
+      </p:grpSpPr>
+      <p:sp>
+        <p:nvSpPr>
+          <p:cNvPr id="4" name="Title 3"/>
+          <p:cNvSpPr>
+            <a:spLocks noGrp="1"/>
+          </p:cNvSpPr>
+          <p:nvPr>
+            <p:ph type="title"/>
+          </p:nvPr>
+        </p:nvSpPr>
+        <p:spPr>
+          <a:xfrm>
+            <a:off x="1823310" y="374900"/>
+            <a:ext cx="7177135" cy="532180"/>
+          </a:xfrm>
+        </p:spPr>
+        <p:txBody>
+          <a:bodyPr>
+            <a:normAutofit fontScale="90000"/>
+          </a:bodyPr>
+          <a:lstStyle/>
+          <a:p>
+            <a:r>
+              <a:rPr lang="en-US" dirty="0" smtClean="0"/>
+              <a:t>Slide Title</a:t>
+            </a:r>
+            <a:endParaRPr lang="en-US" dirty="0"/>
+          </a:p>
+        </p:txBody>
+      </p:sp>
+      <p:sp>
+        <p:nvSpPr>
+          <p:cNvPr id="5" name="Text Placeholder 4"/>
+          <p:cNvSpPr>
+            <a:spLocks noGrp="1"/>
+          </p:cNvSpPr>
+          <p:nvPr>
+            <p:ph type="body" idx="1"/>
+          </p:nvPr>
+        </p:nvSpPr>
+        <p:spPr/>
+        <p:txBody>
+          <a:bodyPr/>
+          <a:lstStyle/>
+          <a:p>
+            <a:r>
+              <a:rPr lang="en-US" smtClean="0"/>
+              <a:t>Product A</a:t>
+            </a:r>
+            <a:endParaRPr lang="en-US"/>
+          </a:p>
+        </p:txBody>
+      </p:sp>
+      <p:sp>
+        <p:nvSpPr>
+          <p:cNvPr id="6" name="Content Placeholder 5"/>
+          <p:cNvSpPr>
+            <a:spLocks noGrp="1"/>
+          </p:cNvSpPr>
+          <p:nvPr>
+            <p:ph sz="half" idx="2"/>
+          </p:nvPr>
+        </p:nvSpPr>
+        <p:spPr/>
+        <p:txBody>
+          <a:bodyPr/>
+          <a:lstStyle/>
+          <a:p>
+            <a:r>
+              <a:rPr lang="en-US" dirty="0" smtClean="0"/>
+              <a:t>Feature 1</a:t>
+            </a:r>
+          </a:p>
+          <a:p>
+            <a:r>
+              <a:rPr lang="en-US" dirty="0" smtClean="0"/>
+              <a:t>Feature 2</a:t>
+            </a:r>
+          </a:p>
+          <a:p>
+            <a:r>
+              <a:rPr lang="en-US" dirty="0" smtClean="0"/>
+              <a:t>Feature 3</a:t>
+            </a:r>
+            <a:endParaRPr lang="en-US" dirty="0"/>
+          </a:p>
+        </p:txBody>
+      </p:sp>
+      <p:sp>
+        <p:nvSpPr>
+          <p:cNvPr id="7" name="Text Placeholder 6"/>
+          <p:cNvSpPr>
+            <a:spLocks noGrp="1"/>
+          </p:cNvSpPr>
+          <p:nvPr>
+            <p:ph type="body" sz="quarter" idx="3"/>
+          </p:nvPr>
+        </p:nvSpPr>
+        <p:spPr/>
+        <p:txBody>
+          <a:bodyPr/>
+          <a:lstStyle/>
+          <a:p>
+            <a:r>
+              <a:rPr lang="en-US" smtClean="0"/>
+              <a:t>Product B</a:t>
+            </a:r>
+            <a:endParaRPr lang="en-US"/>
+          </a:p>
+        </p:txBody>
+      </p:sp>
+      <p:sp>
+        <p:nvSpPr>
+          <p:cNvPr id="8" name="Content Placeholder 7"/>
+          <p:cNvSpPr>
+            <a:spLocks noGrp="1"/>
+          </p:cNvSpPr>
+          <p:nvPr>
+            <p:ph sz="quarter" idx="4"/>
+          </p:nvPr>
+        </p:nvSpPr>
+        <p:spPr/>
+        <p:txBody>
+          <a:bodyPr/>
+          <a:lstStyle/>
+          <a:p>
+            <a:r>
+              <a:rPr lang="en-US" dirty="0" smtClean="0"/>
+              <a:t>Feature 1</a:t>
+            </a:r>
+          </a:p>
+          <a:p>
+            <a:r>
+              <a:rPr lang="en-US" dirty="0" smtClean="0"/>
+              <a:t>Feature 2</a:t>
+            </a:r>
+          </a:p>
+          <a:p>
+            <a:r>
+              <a:rPr lang="en-US" dirty="0" smtClean="0"/>
+              <a:t>Feature 3</a:t>
+            </a:r>
+            <a:endParaRPr lang="en-US" dirty="0"/>
+          </a:p>
+        </p:txBody>
+      </p:sp>
+    </p:spTree>
+    <p:extLst>
+      <p:ext uri="{BB962C8B-B14F-4D97-AF65-F5344CB8AC3E}">
+        <p14:creationId xmlns:p14="http://schemas.microsoft.com/office/powerpoint/2010/main" val="1791936940"/>
       </p:ext>
     </p:extLst>
   </p:cSld>
@@ -5135,8 +5751,8 @@
         </p:nvSpPr>
         <p:spPr>
           <a:xfrm>
-            <a:off x="4267200" y="5943600"/>
-            <a:ext cx="2209800" cy="533400"/>
+            <a:off x="3505200" y="5943600"/>
+            <a:ext cx="3733800" cy="533400"/>
           </a:xfrm>
         </p:spPr>
         <p:txBody>
@@ -5146,32 +5762,42 @@
           <a:lstStyle/>
           <a:p>
             <a:r>
-              <a:rPr lang="en-US" dirty="0" smtClean="0"/>
-              <a:t>Definition of ideas</a:t>
-            </a:r>
-            <a:endParaRPr lang="en-US" dirty="0"/>
-          </a:p>
-        </p:txBody>
-      </p:sp>
-      <p:sp>
-        <p:nvSpPr>
-          <p:cNvPr id="3" name="Content Placeholder 2"/>
-          <p:cNvSpPr>
-            <a:spLocks noGrp="1"/>
-          </p:cNvSpPr>
-          <p:nvPr>
-            <p:ph type="body" sz="half" idx="2"/>
-          </p:nvPr>
-        </p:nvSpPr>
-        <p:spPr/>
-        <p:txBody>
-          <a:bodyPr/>
-          <a:lstStyle/>
-          <a:p>
-            <a:endParaRPr lang="en-US" dirty="0" smtClean="0"/>
-          </a:p>
-          <a:p>
-            <a:endParaRPr lang="en-US" dirty="0"/>
+              <a:rPr lang="en-US" sz="2400" dirty="0" smtClean="0">
+                <a:solidFill>
+                  <a:srgbClr val="D68B1C"/>
+                </a:solidFill>
+                <a:latin typeface="Roboto Light" panose="02000000000000000000" pitchFamily="2" charset="0"/>
+                <a:ea typeface="Roboto Light" panose="02000000000000000000" pitchFamily="2" charset="0"/>
+              </a:rPr>
+              <a:t>Definition </a:t>
+            </a:r>
+            <a:r>
+              <a:rPr lang="en-US" sz="2400" dirty="0" smtClean="0">
+                <a:solidFill>
+                  <a:srgbClr val="D68B1C"/>
+                </a:solidFill>
+                <a:latin typeface="Roboto Light" panose="02000000000000000000" pitchFamily="2" charset="0"/>
+                <a:ea typeface="Roboto Light" panose="02000000000000000000" pitchFamily="2" charset="0"/>
+              </a:rPr>
+              <a:t>range of </a:t>
+            </a:r>
+            <a:r>
+              <a:rPr lang="en-US" sz="2400" dirty="0" smtClean="0">
+                <a:solidFill>
+                  <a:srgbClr val="D68B1C"/>
+                </a:solidFill>
+                <a:latin typeface="Roboto Light" panose="02000000000000000000" pitchFamily="2" charset="0"/>
+                <a:ea typeface="Roboto Light" panose="02000000000000000000" pitchFamily="2" charset="0"/>
+              </a:rPr>
+              <a:t>ideas</a:t>
+            </a:r>
+            <a:endParaRPr lang="en-US" sz="2400" dirty="0">
+              <a:solidFill>
+                <a:srgbClr val="D68B1C"/>
+              </a:solidFill>
+              <a:latin typeface="Roboto Light" panose="02000000000000000000" pitchFamily="2" charset="0"/>
+              <a:ea typeface="Roboto Light" panose="02000000000000000000" pitchFamily="2" charset="0"/>
+            </a:endParaRPr>
           </a:p>
         </p:txBody>
       </p:sp>
@@ -5199,16 +5825,73 @@
           </a:xfrm>
         </p:spPr>
       </p:pic>
+      <p:sp>
+        <p:nvSpPr>
+          <p:cNvPr id="12" name="Title 1"/>
+          <p:cNvSpPr>
+            <a:spLocks noGrp="1"/>
+          </p:cNvSpPr>
+          <p:nvPr/>
+        </p:nvSpPr>
+        <p:spPr>
+          <a:xfrm>
+            <a:off x="1828800" y="304800"/>
+            <a:ext cx="7092090" cy="532180"/>
+          </a:xfrm>
+          <a:prstGeom prst="rect">
+            <a:avLst/>
+          </a:prstGeom>
+        </p:spPr>
+        <p:txBody>
+          <a:bodyPr vert="horz" lIns="91440" tIns="45720" rIns="91440" bIns="45720" rtlCol="0" anchor="ctr">
+            <a:normAutofit fontScale="90000" lnSpcReduction="10000"/>
+          </a:bodyPr>
+          <a:lstStyle>
+            <a:lvl1pPr algn="l" defTabSz="914400" rtl="0" eaLnBrk="1" latinLnBrk="0" hangingPunct="1">
+              <a:spcBef>
+                <a:spcPct val="0"/>
+              </a:spcBef>
+              <a:buNone/>
+              <a:defRPr sz="3600" kern="1200">
+                <a:solidFill>
+                  <a:srgbClr val="FFFF00"/>
+                </a:solidFill>
+                <a:latin typeface="+mj-lt"/>
+                <a:ea typeface="+mj-ea"/>
+                <a:cs typeface="+mj-cs"/>
+              </a:defRPr>
+            </a:lvl1pPr>
+          </a:lstStyle>
+          <a:p>
+            <a:r>
+              <a:rPr lang="en-US" dirty="0" smtClean="0"/>
+              <a:t>Definition </a:t>
+            </a:r>
+            <a:r>
+              <a:rPr lang="en-US" dirty="0" smtClean="0"/>
+              <a:t>in General</a:t>
+            </a:r>
+            <a:endParaRPr lang="en-US" dirty="0"/>
+          </a:p>
+        </p:txBody>
+      </p:sp>
     </p:spTree>
     <p:extLst>
       <p:ext uri="{BB962C8B-B14F-4D97-AF65-F5344CB8AC3E}">
-        <p14:creationId xmlns:p14="http://schemas.microsoft.com/office/powerpoint/2010/main" xmlns="" val="4103309497"/>
+        <p14:creationId xmlns:p14="http://schemas.microsoft.com/office/powerpoint/2010/main" val="4103309497"/>
       </p:ext>
     </p:extLst>
   </p:cSld>
   <p:clrMapOvr>
     <a:masterClrMapping/>
   </p:clrMapOvr>
+  <p:timing>
+    <p:tnLst>
+      <p:par>
+        <p:cTn id="1" dur="indefinite" restart="never" nodeType="tmRoot"/>
+      </p:par>
+    </p:tnLst>
+  </p:timing>
 </p:sld>
 </file>
 
@@ -5309,16 +5992,69 @@
           <a:noFill/>
         </p:spPr>
       </p:pic>
+      <p:sp>
+        <p:nvSpPr>
+          <p:cNvPr id="6" name="Title 1"/>
+          <p:cNvSpPr>
+            <a:spLocks noGrp="1"/>
+          </p:cNvSpPr>
+          <p:nvPr/>
+        </p:nvSpPr>
+        <p:spPr>
+          <a:xfrm>
+            <a:off x="1828800" y="304800"/>
+            <a:ext cx="7092090" cy="532180"/>
+          </a:xfrm>
+          <a:prstGeom prst="rect">
+            <a:avLst/>
+          </a:prstGeom>
+        </p:spPr>
+        <p:txBody>
+          <a:bodyPr vert="horz" lIns="91440" tIns="45720" rIns="91440" bIns="45720" rtlCol="0" anchor="ctr">
+            <a:normAutofit fontScale="90000" lnSpcReduction="10000"/>
+          </a:bodyPr>
+          <a:lstStyle>
+            <a:lvl1pPr algn="l" defTabSz="914400" rtl="0" eaLnBrk="1" latinLnBrk="0" hangingPunct="1">
+              <a:spcBef>
+                <a:spcPct val="0"/>
+              </a:spcBef>
+              <a:buNone/>
+              <a:defRPr sz="3600" kern="1200">
+                <a:solidFill>
+                  <a:srgbClr val="FFFF00"/>
+                </a:solidFill>
+                <a:latin typeface="+mj-lt"/>
+                <a:ea typeface="+mj-ea"/>
+                <a:cs typeface="+mj-cs"/>
+              </a:defRPr>
+            </a:lvl1pPr>
+          </a:lstStyle>
+          <a:p>
+            <a:r>
+              <a:rPr lang="en-US" dirty="0" smtClean="0"/>
+              <a:t>General Case</a:t>
+            </a:r>
+            <a:endParaRPr lang="en-US" dirty="0"/>
+          </a:p>
+        </p:txBody>
+      </p:sp>
     </p:spTree>
     <p:extLst>
       <p:ext uri="{BB962C8B-B14F-4D97-AF65-F5344CB8AC3E}">
-        <p14:creationId xmlns:p14="http://schemas.microsoft.com/office/powerpoint/2010/main" xmlns="" val="4103309497"/>
+        <p14:creationId xmlns:p14="http://schemas.microsoft.com/office/powerpoint/2010/main" val="4103309497"/>
       </p:ext>
     </p:extLst>
   </p:cSld>
   <p:clrMapOvr>
     <a:masterClrMapping/>
   </p:clrMapOvr>
+  <p:timing>
+    <p:tnLst>
+      <p:par>
+        <p:cTn id="1" dur="indefinite" restart="never" nodeType="tmRoot"/>
+      </p:par>
+    </p:tnLst>
+  </p:timing>
 </p:sld>
 </file>
 
@@ -5363,7 +6099,11 @@
           <a:p>
             <a:r>
               <a:rPr lang="en-US" sz="2400" dirty="0" smtClean="0"/>
-              <a:t>Different people has their own idea</a:t>
+              <a:t>Different people has their own </a:t>
+            </a:r>
+            <a:r>
+              <a:rPr lang="en-US" sz="2400" dirty="0" smtClean="0"/>
+              <a:t>idea. Which one correct?</a:t>
             </a:r>
             <a:endParaRPr lang="en-US" sz="2400" dirty="0"/>
           </a:p>
@@ -5448,13 +6188,20 @@
     </p:spTree>
     <p:extLst>
       <p:ext uri="{BB962C8B-B14F-4D97-AF65-F5344CB8AC3E}">
-        <p14:creationId xmlns:p14="http://schemas.microsoft.com/office/powerpoint/2010/main" xmlns="" val="4103309497"/>
+        <p14:creationId xmlns:p14="http://schemas.microsoft.com/office/powerpoint/2010/main" val="4103309497"/>
       </p:ext>
     </p:extLst>
   </p:cSld>
   <p:clrMapOvr>
     <a:masterClrMapping/>
   </p:clrMapOvr>
+  <p:timing>
+    <p:tnLst>
+      <p:par>
+        <p:cTn id="1" dur="indefinite" restart="never" nodeType="tmRoot"/>
+      </p:par>
+    </p:tnLst>
+  </p:timing>
 </p:sld>
 </file>
 
@@ -5558,13 +6305,20 @@
     </p:spTree>
     <p:extLst>
       <p:ext uri="{BB962C8B-B14F-4D97-AF65-F5344CB8AC3E}">
-        <p14:creationId xmlns:p14="http://schemas.microsoft.com/office/powerpoint/2010/main" xmlns="" val="4103309497"/>
+        <p14:creationId xmlns:p14="http://schemas.microsoft.com/office/powerpoint/2010/main" val="4103309497"/>
       </p:ext>
     </p:extLst>
   </p:cSld>
   <p:clrMapOvr>
     <a:masterClrMapping/>
   </p:clrMapOvr>
+  <p:timing>
+    <p:tnLst>
+      <p:par>
+        <p:cTn id="1" dur="indefinite" restart="never" nodeType="tmRoot"/>
+      </p:par>
+    </p:tnLst>
+  </p:timing>
 </p:sld>
 </file>
 
@@ -5668,7 +6422,7 @@
     </p:spTree>
     <p:extLst>
       <p:ext uri="{BB962C8B-B14F-4D97-AF65-F5344CB8AC3E}">
-        <p14:creationId xmlns:p14="http://schemas.microsoft.com/office/powerpoint/2010/main" xmlns="" val="4103309497"/>
+        <p14:creationId xmlns:p14="http://schemas.microsoft.com/office/powerpoint/2010/main" val="4103309497"/>
       </p:ext>
     </p:extLst>
   </p:cSld>
@@ -5752,7 +6506,7 @@
     </p:spTree>
     <p:extLst>
       <p:ext uri="{BB962C8B-B14F-4D97-AF65-F5344CB8AC3E}">
-        <p14:creationId xmlns:p14="http://schemas.microsoft.com/office/powerpoint/2010/main" xmlns="" val="4103309497"/>
+        <p14:creationId xmlns:p14="http://schemas.microsoft.com/office/powerpoint/2010/main" val="4103309497"/>
       </p:ext>
     </p:extLst>
   </p:cSld>
@@ -5840,7 +6594,7 @@
     </p:spTree>
     <p:extLst>
       <p:ext uri="{BB962C8B-B14F-4D97-AF65-F5344CB8AC3E}">
-        <p14:creationId xmlns:p14="http://schemas.microsoft.com/office/powerpoint/2010/main" xmlns="" val="4103309497"/>
+        <p14:creationId xmlns:p14="http://schemas.microsoft.com/office/powerpoint/2010/main" val="4103309497"/>
       </p:ext>
     </p:extLst>
   </p:cSld>

--- a/slide/ppt/Mapping-Ideas.pptx
+++ b/slide/ppt/Mapping-Ideas.pptx
@@ -4,32 +4,33 @@
   <p:sldMasterIdLst>
     <p:sldMasterId id="2147483648" r:id="rId1"/>
   </p:sldMasterIdLst>
+  <p:notesMasterIdLst>
+    <p:notesMasterId r:id="rId25"/>
+  </p:notesMasterIdLst>
   <p:sldIdLst>
     <p:sldId id="256" r:id="rId2"/>
-    <p:sldId id="261" r:id="rId3"/>
-    <p:sldId id="263" r:id="rId4"/>
-    <p:sldId id="275" r:id="rId5"/>
-    <p:sldId id="276" r:id="rId6"/>
-    <p:sldId id="272" r:id="rId7"/>
-    <p:sldId id="271" r:id="rId8"/>
-    <p:sldId id="268" r:id="rId9"/>
-    <p:sldId id="269" r:id="rId10"/>
-    <p:sldId id="277" r:id="rId11"/>
-    <p:sldId id="273" r:id="rId12"/>
-    <p:sldId id="274" r:id="rId13"/>
-    <p:sldId id="267" r:id="rId14"/>
-    <p:sldId id="262" r:id="rId15"/>
-    <p:sldId id="259" r:id="rId16"/>
+    <p:sldId id="263" r:id="rId3"/>
+    <p:sldId id="261" r:id="rId4"/>
+    <p:sldId id="277" r:id="rId5"/>
+    <p:sldId id="268" r:id="rId6"/>
+    <p:sldId id="267" r:id="rId7"/>
+    <p:sldId id="276" r:id="rId8"/>
+    <p:sldId id="275" r:id="rId9"/>
+    <p:sldId id="271" r:id="rId10"/>
+    <p:sldId id="272" r:id="rId11"/>
+    <p:sldId id="269" r:id="rId12"/>
+    <p:sldId id="273" r:id="rId13"/>
+    <p:sldId id="274" r:id="rId14"/>
+    <p:sldId id="278" r:id="rId15"/>
+    <p:sldId id="262" r:id="rId16"/>
     <p:sldId id="258" r:id="rId17"/>
-    <p:sldId id="278" r:id="rId18"/>
-    <p:sldId id="260" r:id="rId19"/>
-    <p:sldId id="279" r:id="rId20"/>
-    <p:sldId id="264" r:id="rId21"/>
-    <p:sldId id="265" r:id="rId22"/>
-    <p:sldId id="281" r:id="rId23"/>
-    <p:sldId id="282" r:id="rId24"/>
-    <p:sldId id="280" r:id="rId25"/>
-    <p:sldId id="266" r:id="rId26"/>
+    <p:sldId id="283" r:id="rId18"/>
+    <p:sldId id="265" r:id="rId19"/>
+    <p:sldId id="282" r:id="rId20"/>
+    <p:sldId id="281" r:id="rId21"/>
+    <p:sldId id="266" r:id="rId22"/>
+    <p:sldId id="259" r:id="rId23"/>
+    <p:sldId id="264" r:id="rId24"/>
   </p:sldIdLst>
   <p:sldSz cx="9144000" cy="6858000" type="screen4x3"/>
   <p:notesSz cx="6858000" cy="9144000"/>
@@ -131,6 +132,434 @@
 </p:presentation>
 </file>
 
+<file path=ppt/notesMasters/notesMaster1.xml><?xml version="1.0" encoding="utf-8"?>
+<p:notesMaster xmlns:a="http://schemas.openxmlformats.org/drawingml/2006/main" xmlns:r="http://schemas.openxmlformats.org/officeDocument/2006/relationships" xmlns:p="http://schemas.openxmlformats.org/presentationml/2006/main">
+  <p:cSld>
+    <p:bg>
+      <p:bgRef idx="1001">
+        <a:schemeClr val="bg1"/>
+      </p:bgRef>
+    </p:bg>
+    <p:spTree>
+      <p:nvGrpSpPr>
+        <p:cNvPr id="1" name=""/>
+        <p:cNvGrpSpPr/>
+        <p:nvPr/>
+      </p:nvGrpSpPr>
+      <p:grpSpPr>
+        <a:xfrm>
+          <a:off x="0" y="0"/>
+          <a:ext cx="0" cy="0"/>
+          <a:chOff x="0" y="0"/>
+          <a:chExt cx="0" cy="0"/>
+        </a:xfrm>
+      </p:grpSpPr>
+      <p:sp>
+        <p:nvSpPr>
+          <p:cNvPr id="2" name="Header Placeholder 1"/>
+          <p:cNvSpPr>
+            <a:spLocks noGrp="1"/>
+          </p:cNvSpPr>
+          <p:nvPr>
+            <p:ph type="hdr" sz="quarter"/>
+          </p:nvPr>
+        </p:nvSpPr>
+        <p:spPr>
+          <a:xfrm>
+            <a:off x="0" y="0"/>
+            <a:ext cx="2971800" cy="457200"/>
+          </a:xfrm>
+          <a:prstGeom prst="rect">
+            <a:avLst/>
+          </a:prstGeom>
+        </p:spPr>
+        <p:txBody>
+          <a:bodyPr vert="horz" lIns="91440" tIns="45720" rIns="91440" bIns="45720" rtlCol="0"/>
+          <a:lstStyle>
+            <a:lvl1pPr algn="l">
+              <a:defRPr sz="1200"/>
+            </a:lvl1pPr>
+          </a:lstStyle>
+          <a:p>
+            <a:endParaRPr lang="en-US"/>
+          </a:p>
+        </p:txBody>
+      </p:sp>
+      <p:sp>
+        <p:nvSpPr>
+          <p:cNvPr id="3" name="Date Placeholder 2"/>
+          <p:cNvSpPr>
+            <a:spLocks noGrp="1"/>
+          </p:cNvSpPr>
+          <p:nvPr>
+            <p:ph type="dt" idx="1"/>
+          </p:nvPr>
+        </p:nvSpPr>
+        <p:spPr>
+          <a:xfrm>
+            <a:off x="3884613" y="0"/>
+            <a:ext cx="2971800" cy="457200"/>
+          </a:xfrm>
+          <a:prstGeom prst="rect">
+            <a:avLst/>
+          </a:prstGeom>
+        </p:spPr>
+        <p:txBody>
+          <a:bodyPr vert="horz" lIns="91440" tIns="45720" rIns="91440" bIns="45720" rtlCol="0"/>
+          <a:lstStyle>
+            <a:lvl1pPr algn="r">
+              <a:defRPr sz="1200"/>
+            </a:lvl1pPr>
+          </a:lstStyle>
+          <a:p>
+            <a:fld id="{2C5437CD-97C8-482B-9B43-643F5686701E}" type="datetimeFigureOut">
+              <a:rPr lang="en-US" smtClean="0"/>
+              <a:t>30-Jun-16</a:t>
+            </a:fld>
+            <a:endParaRPr lang="en-US"/>
+          </a:p>
+        </p:txBody>
+      </p:sp>
+      <p:sp>
+        <p:nvSpPr>
+          <p:cNvPr id="4" name="Slide Image Placeholder 3"/>
+          <p:cNvSpPr>
+            <a:spLocks noGrp="1" noRot="1" noChangeAspect="1"/>
+          </p:cNvSpPr>
+          <p:nvPr>
+            <p:ph type="sldImg" idx="2"/>
+          </p:nvPr>
+        </p:nvSpPr>
+        <p:spPr>
+          <a:xfrm>
+            <a:off x="1143000" y="685800"/>
+            <a:ext cx="4572000" cy="3429000"/>
+          </a:xfrm>
+          <a:prstGeom prst="rect">
+            <a:avLst/>
+          </a:prstGeom>
+          <a:noFill/>
+          <a:ln w="12700">
+            <a:solidFill>
+              <a:prstClr val="black"/>
+            </a:solidFill>
+          </a:ln>
+        </p:spPr>
+        <p:txBody>
+          <a:bodyPr vert="horz" lIns="91440" tIns="45720" rIns="91440" bIns="45720" rtlCol="0" anchor="ctr"/>
+          <a:lstStyle/>
+          <a:p>
+            <a:endParaRPr lang="en-US"/>
+          </a:p>
+        </p:txBody>
+      </p:sp>
+      <p:sp>
+        <p:nvSpPr>
+          <p:cNvPr id="5" name="Notes Placeholder 4"/>
+          <p:cNvSpPr>
+            <a:spLocks noGrp="1"/>
+          </p:cNvSpPr>
+          <p:nvPr>
+            <p:ph type="body" sz="quarter" idx="3"/>
+          </p:nvPr>
+        </p:nvSpPr>
+        <p:spPr>
+          <a:xfrm>
+            <a:off x="685800" y="4343400"/>
+            <a:ext cx="5486400" cy="4114800"/>
+          </a:xfrm>
+          <a:prstGeom prst="rect">
+            <a:avLst/>
+          </a:prstGeom>
+        </p:spPr>
+        <p:txBody>
+          <a:bodyPr vert="horz" lIns="91440" tIns="45720" rIns="91440" bIns="45720" rtlCol="0">
+            <a:normAutofit/>
+          </a:bodyPr>
+          <a:lstStyle/>
+          <a:p>
+            <a:pPr lvl="0"/>
+            <a:r>
+              <a:rPr lang="en-US" smtClean="0"/>
+              <a:t>Click to edit Master text styles</a:t>
+            </a:r>
+          </a:p>
+          <a:p>
+            <a:pPr lvl="1"/>
+            <a:r>
+              <a:rPr lang="en-US" smtClean="0"/>
+              <a:t>Second level</a:t>
+            </a:r>
+          </a:p>
+          <a:p>
+            <a:pPr lvl="2"/>
+            <a:r>
+              <a:rPr lang="en-US" smtClean="0"/>
+              <a:t>Third level</a:t>
+            </a:r>
+          </a:p>
+          <a:p>
+            <a:pPr lvl="3"/>
+            <a:r>
+              <a:rPr lang="en-US" smtClean="0"/>
+              <a:t>Fourth level</a:t>
+            </a:r>
+          </a:p>
+          <a:p>
+            <a:pPr lvl="4"/>
+            <a:r>
+              <a:rPr lang="en-US" smtClean="0"/>
+              <a:t>Fifth level</a:t>
+            </a:r>
+            <a:endParaRPr lang="en-US"/>
+          </a:p>
+        </p:txBody>
+      </p:sp>
+      <p:sp>
+        <p:nvSpPr>
+          <p:cNvPr id="6" name="Footer Placeholder 5"/>
+          <p:cNvSpPr>
+            <a:spLocks noGrp="1"/>
+          </p:cNvSpPr>
+          <p:nvPr>
+            <p:ph type="ftr" sz="quarter" idx="4"/>
+          </p:nvPr>
+        </p:nvSpPr>
+        <p:spPr>
+          <a:xfrm>
+            <a:off x="0" y="8685213"/>
+            <a:ext cx="2971800" cy="457200"/>
+          </a:xfrm>
+          <a:prstGeom prst="rect">
+            <a:avLst/>
+          </a:prstGeom>
+        </p:spPr>
+        <p:txBody>
+          <a:bodyPr vert="horz" lIns="91440" tIns="45720" rIns="91440" bIns="45720" rtlCol="0" anchor="b"/>
+          <a:lstStyle>
+            <a:lvl1pPr algn="l">
+              <a:defRPr sz="1200"/>
+            </a:lvl1pPr>
+          </a:lstStyle>
+          <a:p>
+            <a:endParaRPr lang="en-US"/>
+          </a:p>
+        </p:txBody>
+      </p:sp>
+      <p:sp>
+        <p:nvSpPr>
+          <p:cNvPr id="7" name="Slide Number Placeholder 6"/>
+          <p:cNvSpPr>
+            <a:spLocks noGrp="1"/>
+          </p:cNvSpPr>
+          <p:nvPr>
+            <p:ph type="sldNum" sz="quarter" idx="5"/>
+          </p:nvPr>
+        </p:nvSpPr>
+        <p:spPr>
+          <a:xfrm>
+            <a:off x="3884613" y="8685213"/>
+            <a:ext cx="2971800" cy="457200"/>
+          </a:xfrm>
+          <a:prstGeom prst="rect">
+            <a:avLst/>
+          </a:prstGeom>
+        </p:spPr>
+        <p:txBody>
+          <a:bodyPr vert="horz" lIns="91440" tIns="45720" rIns="91440" bIns="45720" rtlCol="0" anchor="b"/>
+          <a:lstStyle>
+            <a:lvl1pPr algn="r">
+              <a:defRPr sz="1200"/>
+            </a:lvl1pPr>
+          </a:lstStyle>
+          <a:p>
+            <a:fld id="{D815C63B-8035-4E1A-BA00-CBD47C618F65}" type="slidenum">
+              <a:rPr lang="en-US" smtClean="0"/>
+              <a:t>‹#›</a:t>
+            </a:fld>
+            <a:endParaRPr lang="en-US"/>
+          </a:p>
+        </p:txBody>
+      </p:sp>
+    </p:spTree>
+  </p:cSld>
+  <p:clrMap bg1="lt1" tx1="dk1" bg2="lt2" tx2="dk2" accent1="accent1" accent2="accent2" accent3="accent3" accent4="accent4" accent5="accent5" accent6="accent6" hlink="hlink" folHlink="folHlink"/>
+  <p:notesStyle>
+    <a:lvl1pPr marL="0" algn="l" defTabSz="914400" rtl="0" eaLnBrk="1" latinLnBrk="0" hangingPunct="1">
+      <a:defRPr sz="1200" kern="1200">
+        <a:solidFill>
+          <a:schemeClr val="tx1"/>
+        </a:solidFill>
+        <a:latin typeface="+mn-lt"/>
+        <a:ea typeface="+mn-ea"/>
+        <a:cs typeface="+mn-cs"/>
+      </a:defRPr>
+    </a:lvl1pPr>
+    <a:lvl2pPr marL="457200" algn="l" defTabSz="914400" rtl="0" eaLnBrk="1" latinLnBrk="0" hangingPunct="1">
+      <a:defRPr sz="1200" kern="1200">
+        <a:solidFill>
+          <a:schemeClr val="tx1"/>
+        </a:solidFill>
+        <a:latin typeface="+mn-lt"/>
+        <a:ea typeface="+mn-ea"/>
+        <a:cs typeface="+mn-cs"/>
+      </a:defRPr>
+    </a:lvl2pPr>
+    <a:lvl3pPr marL="914400" algn="l" defTabSz="914400" rtl="0" eaLnBrk="1" latinLnBrk="0" hangingPunct="1">
+      <a:defRPr sz="1200" kern="1200">
+        <a:solidFill>
+          <a:schemeClr val="tx1"/>
+        </a:solidFill>
+        <a:latin typeface="+mn-lt"/>
+        <a:ea typeface="+mn-ea"/>
+        <a:cs typeface="+mn-cs"/>
+      </a:defRPr>
+    </a:lvl3pPr>
+    <a:lvl4pPr marL="1371600" algn="l" defTabSz="914400" rtl="0" eaLnBrk="1" latinLnBrk="0" hangingPunct="1">
+      <a:defRPr sz="1200" kern="1200">
+        <a:solidFill>
+          <a:schemeClr val="tx1"/>
+        </a:solidFill>
+        <a:latin typeface="+mn-lt"/>
+        <a:ea typeface="+mn-ea"/>
+        <a:cs typeface="+mn-cs"/>
+      </a:defRPr>
+    </a:lvl4pPr>
+    <a:lvl5pPr marL="1828800" algn="l" defTabSz="914400" rtl="0" eaLnBrk="1" latinLnBrk="0" hangingPunct="1">
+      <a:defRPr sz="1200" kern="1200">
+        <a:solidFill>
+          <a:schemeClr val="tx1"/>
+        </a:solidFill>
+        <a:latin typeface="+mn-lt"/>
+        <a:ea typeface="+mn-ea"/>
+        <a:cs typeface="+mn-cs"/>
+      </a:defRPr>
+    </a:lvl5pPr>
+    <a:lvl6pPr marL="2286000" algn="l" defTabSz="914400" rtl="0" eaLnBrk="1" latinLnBrk="0" hangingPunct="1">
+      <a:defRPr sz="1200" kern="1200">
+        <a:solidFill>
+          <a:schemeClr val="tx1"/>
+        </a:solidFill>
+        <a:latin typeface="+mn-lt"/>
+        <a:ea typeface="+mn-ea"/>
+        <a:cs typeface="+mn-cs"/>
+      </a:defRPr>
+    </a:lvl6pPr>
+    <a:lvl7pPr marL="2743200" algn="l" defTabSz="914400" rtl="0" eaLnBrk="1" latinLnBrk="0" hangingPunct="1">
+      <a:defRPr sz="1200" kern="1200">
+        <a:solidFill>
+          <a:schemeClr val="tx1"/>
+        </a:solidFill>
+        <a:latin typeface="+mn-lt"/>
+        <a:ea typeface="+mn-ea"/>
+        <a:cs typeface="+mn-cs"/>
+      </a:defRPr>
+    </a:lvl7pPr>
+    <a:lvl8pPr marL="3200400" algn="l" defTabSz="914400" rtl="0" eaLnBrk="1" latinLnBrk="0" hangingPunct="1">
+      <a:defRPr sz="1200" kern="1200">
+        <a:solidFill>
+          <a:schemeClr val="tx1"/>
+        </a:solidFill>
+        <a:latin typeface="+mn-lt"/>
+        <a:ea typeface="+mn-ea"/>
+        <a:cs typeface="+mn-cs"/>
+      </a:defRPr>
+    </a:lvl8pPr>
+    <a:lvl9pPr marL="3657600" algn="l" defTabSz="914400" rtl="0" eaLnBrk="1" latinLnBrk="0" hangingPunct="1">
+      <a:defRPr sz="1200" kern="1200">
+        <a:solidFill>
+          <a:schemeClr val="tx1"/>
+        </a:solidFill>
+        <a:latin typeface="+mn-lt"/>
+        <a:ea typeface="+mn-ea"/>
+        <a:cs typeface="+mn-cs"/>
+      </a:defRPr>
+    </a:lvl9pPr>
+  </p:notesStyle>
+</p:notesMaster>
+</file>
+
+<file path=ppt/notesSlides/notesSlide1.xml><?xml version="1.0" encoding="utf-8"?>
+<p:notes xmlns:a="http://schemas.openxmlformats.org/drawingml/2006/main" xmlns:r="http://schemas.openxmlformats.org/officeDocument/2006/relationships" xmlns:p="http://schemas.openxmlformats.org/presentationml/2006/main">
+  <p:cSld>
+    <p:spTree>
+      <p:nvGrpSpPr>
+        <p:cNvPr id="1" name=""/>
+        <p:cNvGrpSpPr/>
+        <p:nvPr/>
+      </p:nvGrpSpPr>
+      <p:grpSpPr>
+        <a:xfrm>
+          <a:off x="0" y="0"/>
+          <a:ext cx="0" cy="0"/>
+          <a:chOff x="0" y="0"/>
+          <a:chExt cx="0" cy="0"/>
+        </a:xfrm>
+      </p:grpSpPr>
+      <p:sp>
+        <p:nvSpPr>
+          <p:cNvPr id="2" name="Slide Image Placeholder 1"/>
+          <p:cNvSpPr>
+            <a:spLocks noGrp="1" noRot="1" noChangeAspect="1"/>
+          </p:cNvSpPr>
+          <p:nvPr>
+            <p:ph type="sldImg"/>
+          </p:nvPr>
+        </p:nvSpPr>
+        <p:spPr/>
+      </p:sp>
+      <p:sp>
+        <p:nvSpPr>
+          <p:cNvPr id="3" name="Notes Placeholder 2"/>
+          <p:cNvSpPr>
+            <a:spLocks noGrp="1"/>
+          </p:cNvSpPr>
+          <p:nvPr>
+            <p:ph type="body" idx="1"/>
+          </p:nvPr>
+        </p:nvSpPr>
+        <p:spPr/>
+        <p:txBody>
+          <a:bodyPr>
+            <a:normAutofit/>
+          </a:bodyPr>
+          <a:lstStyle/>
+          <a:p>
+            <a:endParaRPr lang="en-US" dirty="0"/>
+          </a:p>
+        </p:txBody>
+      </p:sp>
+      <p:sp>
+        <p:nvSpPr>
+          <p:cNvPr id="4" name="Slide Number Placeholder 3"/>
+          <p:cNvSpPr>
+            <a:spLocks noGrp="1"/>
+          </p:cNvSpPr>
+          <p:nvPr>
+            <p:ph type="sldNum" sz="quarter" idx="10"/>
+          </p:nvPr>
+        </p:nvSpPr>
+        <p:spPr/>
+        <p:txBody>
+          <a:bodyPr/>
+          <a:lstStyle/>
+          <a:p>
+            <a:fld id="{D815C63B-8035-4E1A-BA00-CBD47C618F65}" type="slidenum">
+              <a:rPr lang="en-US" smtClean="0"/>
+              <a:t>10</a:t>
+            </a:fld>
+            <a:endParaRPr lang="en-US"/>
+          </a:p>
+        </p:txBody>
+      </p:sp>
+    </p:spTree>
+  </p:cSld>
+  <p:clrMapOvr>
+    <a:masterClrMapping/>
+  </p:clrMapOvr>
+</p:notes>
+</file>
+
 <file path=ppt/slideLayouts/slideLayout1.xml><?xml version="1.0" encoding="utf-8"?>
 <p:sldLayout xmlns:a="http://schemas.openxmlformats.org/drawingml/2006/main" xmlns:r="http://schemas.openxmlformats.org/officeDocument/2006/relationships" xmlns:p="http://schemas.openxmlformats.org/presentationml/2006/main" type="title" preserve="1">
   <p:cSld name="Title Slide">
@@ -337,7 +766,7 @@
             <a:fld id="{53074F12-AA26-4AC8-9962-C36BB8F32554}" type="datetimeFigureOut">
               <a:rPr lang="en-US" smtClean="0"/>
               <a:pPr/>
-              <a:t>6/29/2016</a:t>
+              <a:t>30-Jun-16</a:t>
             </a:fld>
             <a:endParaRPr lang="en-US"/>
           </a:p>
@@ -389,7 +818,7 @@
     </p:spTree>
     <p:extLst>
       <p:ext uri="{BB962C8B-B14F-4D97-AF65-F5344CB8AC3E}">
-        <p14:creationId xmlns:p14="http://schemas.microsoft.com/office/powerpoint/2010/main" val="3253875174"/>
+        <p14:creationId xmlns:p14="http://schemas.microsoft.com/office/powerpoint/2010/main" xmlns="" val="3253875174"/>
       </p:ext>
     </p:extLst>
   </p:cSld>
@@ -592,7 +1021,7 @@
             <a:fld id="{53074F12-AA26-4AC8-9962-C36BB8F32554}" type="datetimeFigureOut">
               <a:rPr lang="en-US" smtClean="0"/>
               <a:pPr/>
-              <a:t>6/29/2016</a:t>
+              <a:t>30-Jun-16</a:t>
             </a:fld>
             <a:endParaRPr lang="en-US"/>
           </a:p>
@@ -644,7 +1073,7 @@
     </p:spTree>
     <p:extLst>
       <p:ext uri="{BB962C8B-B14F-4D97-AF65-F5344CB8AC3E}">
-        <p14:creationId xmlns:p14="http://schemas.microsoft.com/office/powerpoint/2010/main" val="477607843"/>
+        <p14:creationId xmlns:p14="http://schemas.microsoft.com/office/powerpoint/2010/main" xmlns="" val="477607843"/>
       </p:ext>
     </p:extLst>
   </p:cSld>
@@ -764,7 +1193,7 @@
             <a:fld id="{53074F12-AA26-4AC8-9962-C36BB8F32554}" type="datetimeFigureOut">
               <a:rPr lang="en-US" smtClean="0"/>
               <a:pPr/>
-              <a:t>6/29/2016</a:t>
+              <a:t>30-Jun-16</a:t>
             </a:fld>
             <a:endParaRPr lang="en-US"/>
           </a:p>
@@ -816,7 +1245,7 @@
     </p:spTree>
     <p:extLst>
       <p:ext uri="{BB962C8B-B14F-4D97-AF65-F5344CB8AC3E}">
-        <p14:creationId xmlns:p14="http://schemas.microsoft.com/office/powerpoint/2010/main" val="3428665726"/>
+        <p14:creationId xmlns:p14="http://schemas.microsoft.com/office/powerpoint/2010/main" xmlns="" val="3428665726"/>
       </p:ext>
     </p:extLst>
   </p:cSld>
@@ -946,7 +1375,7 @@
             <a:fld id="{53074F12-AA26-4AC8-9962-C36BB8F32554}" type="datetimeFigureOut">
               <a:rPr lang="en-US" smtClean="0"/>
               <a:pPr/>
-              <a:t>6/29/2016</a:t>
+              <a:t>30-Jun-16</a:t>
             </a:fld>
             <a:endParaRPr lang="en-US"/>
           </a:p>
@@ -998,7 +1427,7 @@
     </p:spTree>
     <p:extLst>
       <p:ext uri="{BB962C8B-B14F-4D97-AF65-F5344CB8AC3E}">
-        <p14:creationId xmlns:p14="http://schemas.microsoft.com/office/powerpoint/2010/main" val="893609949"/>
+        <p14:creationId xmlns:p14="http://schemas.microsoft.com/office/powerpoint/2010/main" xmlns="" val="893609949"/>
       </p:ext>
     </p:extLst>
   </p:cSld>
@@ -1174,7 +1603,7 @@
             <a:fld id="{53074F12-AA26-4AC8-9962-C36BB8F32554}" type="datetimeFigureOut">
               <a:rPr lang="en-US" smtClean="0"/>
               <a:pPr/>
-              <a:t>6/29/2016</a:t>
+              <a:t>30-Jun-16</a:t>
             </a:fld>
             <a:endParaRPr lang="en-US"/>
           </a:p>
@@ -1226,7 +1655,7 @@
     </p:spTree>
     <p:extLst>
       <p:ext uri="{BB962C8B-B14F-4D97-AF65-F5344CB8AC3E}">
-        <p14:creationId xmlns:p14="http://schemas.microsoft.com/office/powerpoint/2010/main" val="1664471362"/>
+        <p14:creationId xmlns:p14="http://schemas.microsoft.com/office/powerpoint/2010/main" xmlns="" val="1664471362"/>
       </p:ext>
     </p:extLst>
   </p:cSld>
@@ -1402,7 +1831,7 @@
             <a:fld id="{53074F12-AA26-4AC8-9962-C36BB8F32554}" type="datetimeFigureOut">
               <a:rPr lang="en-US" smtClean="0"/>
               <a:pPr/>
-              <a:t>6/29/2016</a:t>
+              <a:t>30-Jun-16</a:t>
             </a:fld>
             <a:endParaRPr lang="en-US"/>
           </a:p>
@@ -1454,7 +1883,7 @@
     </p:spTree>
     <p:extLst>
       <p:ext uri="{BB962C8B-B14F-4D97-AF65-F5344CB8AC3E}">
-        <p14:creationId xmlns:p14="http://schemas.microsoft.com/office/powerpoint/2010/main" val="1629391393"/>
+        <p14:creationId xmlns:p14="http://schemas.microsoft.com/office/powerpoint/2010/main" xmlns="" val="1629391393"/>
       </p:ext>
     </p:extLst>
   </p:cSld>
@@ -1650,7 +2079,7 @@
             <a:fld id="{53074F12-AA26-4AC8-9962-C36BB8F32554}" type="datetimeFigureOut">
               <a:rPr lang="en-US" smtClean="0"/>
               <a:pPr/>
-              <a:t>6/29/2016</a:t>
+              <a:t>30-Jun-16</a:t>
             </a:fld>
             <a:endParaRPr lang="en-US"/>
           </a:p>
@@ -1702,7 +2131,7 @@
     </p:spTree>
     <p:extLst>
       <p:ext uri="{BB962C8B-B14F-4D97-AF65-F5344CB8AC3E}">
-        <p14:creationId xmlns:p14="http://schemas.microsoft.com/office/powerpoint/2010/main" val="3863441575"/>
+        <p14:creationId xmlns:p14="http://schemas.microsoft.com/office/powerpoint/2010/main" xmlns="" val="3863441575"/>
       </p:ext>
     </p:extLst>
   </p:cSld>
@@ -1940,7 +2369,7 @@
             <a:fld id="{53074F12-AA26-4AC8-9962-C36BB8F32554}" type="datetimeFigureOut">
               <a:rPr lang="en-US" smtClean="0"/>
               <a:pPr/>
-              <a:t>6/29/2016</a:t>
+              <a:t>30-Jun-16</a:t>
             </a:fld>
             <a:endParaRPr lang="en-US"/>
           </a:p>
@@ -1992,7 +2421,7 @@
     </p:spTree>
     <p:extLst>
       <p:ext uri="{BB962C8B-B14F-4D97-AF65-F5344CB8AC3E}">
-        <p14:creationId xmlns:p14="http://schemas.microsoft.com/office/powerpoint/2010/main" val="3556791830"/>
+        <p14:creationId xmlns:p14="http://schemas.microsoft.com/office/powerpoint/2010/main" xmlns="" val="3556791830"/>
       </p:ext>
     </p:extLst>
   </p:cSld>
@@ -2423,7 +2852,7 @@
             <a:fld id="{53074F12-AA26-4AC8-9962-C36BB8F32554}" type="datetimeFigureOut">
               <a:rPr lang="en-US" smtClean="0"/>
               <a:pPr/>
-              <a:t>6/29/2016</a:t>
+              <a:t>30-Jun-16</a:t>
             </a:fld>
             <a:endParaRPr lang="en-US"/>
           </a:p>
@@ -2475,7 +2904,7 @@
     </p:spTree>
     <p:extLst>
       <p:ext uri="{BB962C8B-B14F-4D97-AF65-F5344CB8AC3E}">
-        <p14:creationId xmlns:p14="http://schemas.microsoft.com/office/powerpoint/2010/main" val="4122911988"/>
+        <p14:creationId xmlns:p14="http://schemas.microsoft.com/office/powerpoint/2010/main" xmlns="" val="4122911988"/>
       </p:ext>
     </p:extLst>
   </p:cSld>
@@ -2543,7 +2972,7 @@
             <a:fld id="{53074F12-AA26-4AC8-9962-C36BB8F32554}" type="datetimeFigureOut">
               <a:rPr lang="en-US" smtClean="0"/>
               <a:pPr/>
-              <a:t>6/29/2016</a:t>
+              <a:t>30-Jun-16</a:t>
             </a:fld>
             <a:endParaRPr lang="en-US"/>
           </a:p>
@@ -2595,7 +3024,7 @@
     </p:spTree>
     <p:extLst>
       <p:ext uri="{BB962C8B-B14F-4D97-AF65-F5344CB8AC3E}">
-        <p14:creationId xmlns:p14="http://schemas.microsoft.com/office/powerpoint/2010/main" val="3029773110"/>
+        <p14:creationId xmlns:p14="http://schemas.microsoft.com/office/powerpoint/2010/main" xmlns="" val="3029773110"/>
       </p:ext>
     </p:extLst>
   </p:cSld>
@@ -2640,7 +3069,7 @@
             <a:fld id="{53074F12-AA26-4AC8-9962-C36BB8F32554}" type="datetimeFigureOut">
               <a:rPr lang="en-US" smtClean="0"/>
               <a:pPr/>
-              <a:t>6/29/2016</a:t>
+              <a:t>30-Jun-16</a:t>
             </a:fld>
             <a:endParaRPr lang="en-US"/>
           </a:p>
@@ -2692,7 +3121,7 @@
     </p:spTree>
     <p:extLst>
       <p:ext uri="{BB962C8B-B14F-4D97-AF65-F5344CB8AC3E}">
-        <p14:creationId xmlns:p14="http://schemas.microsoft.com/office/powerpoint/2010/main" val="4251864075"/>
+        <p14:creationId xmlns:p14="http://schemas.microsoft.com/office/powerpoint/2010/main" xmlns="" val="4251864075"/>
       </p:ext>
     </p:extLst>
   </p:cSld>
@@ -2919,7 +3348,7 @@
             <a:fld id="{53074F12-AA26-4AC8-9962-C36BB8F32554}" type="datetimeFigureOut">
               <a:rPr lang="en-US" smtClean="0"/>
               <a:pPr/>
-              <a:t>6/29/2016</a:t>
+              <a:t>30-Jun-16</a:t>
             </a:fld>
             <a:endParaRPr lang="en-US"/>
           </a:p>
@@ -2971,7 +3400,7 @@
     </p:spTree>
     <p:extLst>
       <p:ext uri="{BB962C8B-B14F-4D97-AF65-F5344CB8AC3E}">
-        <p14:creationId xmlns:p14="http://schemas.microsoft.com/office/powerpoint/2010/main" val="3174452648"/>
+        <p14:creationId xmlns:p14="http://schemas.microsoft.com/office/powerpoint/2010/main" xmlns="" val="3174452648"/>
       </p:ext>
     </p:extLst>
   </p:cSld>
@@ -3143,7 +3572,7 @@
             <a:fld id="{53074F12-AA26-4AC8-9962-C36BB8F32554}" type="datetimeFigureOut">
               <a:rPr lang="en-US" smtClean="0"/>
               <a:pPr/>
-              <a:t>6/29/2016</a:t>
+              <a:t>30-Jun-16</a:t>
             </a:fld>
             <a:endParaRPr lang="en-US"/>
           </a:p>
@@ -3231,7 +3660,7 @@
     </p:spTree>
     <p:extLst>
       <p:ext uri="{BB962C8B-B14F-4D97-AF65-F5344CB8AC3E}">
-        <p14:creationId xmlns:p14="http://schemas.microsoft.com/office/powerpoint/2010/main" val="1944039382"/>
+        <p14:creationId xmlns:p14="http://schemas.microsoft.com/office/powerpoint/2010/main" xmlns="" val="1944039382"/>
       </p:ext>
     </p:extLst>
   </p:cSld>
@@ -3560,10 +3989,6 @@
               <a:rPr lang="en-US" dirty="0" smtClean="0"/>
               <a:t>Mapping Ideas</a:t>
             </a:r>
-            <a:r>
-              <a:rPr lang="en-US" dirty="0" smtClean="0"/>
-              <a:t/>
-            </a:r>
             <a:br>
               <a:rPr lang="en-US" dirty="0" smtClean="0"/>
             </a:br>
@@ -3608,13 +4033,20 @@
     </p:spTree>
     <p:extLst>
       <p:ext uri="{BB962C8B-B14F-4D97-AF65-F5344CB8AC3E}">
-        <p14:creationId xmlns:p14="http://schemas.microsoft.com/office/powerpoint/2010/main" val="363920370"/>
+        <p14:creationId xmlns:p14="http://schemas.microsoft.com/office/powerpoint/2010/main" xmlns="" val="363920370"/>
       </p:ext>
     </p:extLst>
   </p:cSld>
   <p:clrMapOvr>
     <a:masterClrMapping/>
   </p:clrMapOvr>
+  <p:timing>
+    <p:tnLst>
+      <p:par>
+        <p:cTn id="1" dur="indefinite" restart="never" nodeType="tmRoot"/>
+      </p:par>
+    </p:tnLst>
+  </p:timing>
 </p:sld>
 </file>
 
@@ -3647,34 +4079,83 @@
         </p:nvSpPr>
         <p:spPr>
           <a:xfrm>
-            <a:off x="3352800" y="5791200"/>
-            <a:ext cx="4114800" cy="566738"/>
+            <a:off x="1676400" y="6019800"/>
+            <a:ext cx="7696200" cy="685800"/>
           </a:xfrm>
         </p:spPr>
         <p:txBody>
           <a:bodyPr>
-            <a:normAutofit/>
+            <a:noAutofit/>
           </a:bodyPr>
           <a:lstStyle/>
           <a:p>
             <a:r>
-              <a:rPr lang="en-US" dirty="0" smtClean="0"/>
-              <a:t>Let’s start what is the objective</a:t>
-            </a:r>
+              <a:rPr lang="en-US" sz="3200" dirty="0" smtClean="0">
+                <a:solidFill>
+                  <a:schemeClr val="tx1">
+                    <a:lumMod val="65000"/>
+                    <a:lumOff val="35000"/>
+                  </a:schemeClr>
+                </a:solidFill>
+              </a:rPr>
+              <a:t>You </a:t>
+            </a:r>
+            <a:r>
+              <a:rPr lang="en-US" sz="3200" dirty="0" smtClean="0">
+                <a:solidFill>
+                  <a:schemeClr val="tx1">
+                    <a:lumMod val="65000"/>
+                    <a:lumOff val="35000"/>
+                  </a:schemeClr>
+                </a:solidFill>
+              </a:rPr>
+              <a:t>may completely lost.. </a:t>
+            </a:r>
+            <a:endParaRPr lang="en-US" sz="3200" dirty="0">
+              <a:solidFill>
+                <a:schemeClr val="tx1">
+                  <a:lumMod val="65000"/>
+                  <a:lumOff val="35000"/>
+                </a:schemeClr>
+              </a:solidFill>
+            </a:endParaRPr>
+          </a:p>
+        </p:txBody>
+      </p:sp>
+      <p:sp>
+        <p:nvSpPr>
+          <p:cNvPr id="3" name="Content Placeholder 2"/>
+          <p:cNvSpPr>
+            <a:spLocks noGrp="1"/>
+          </p:cNvSpPr>
+          <p:nvPr>
+            <p:ph type="body" sz="half" idx="2"/>
+          </p:nvPr>
+        </p:nvSpPr>
+        <p:spPr/>
+        <p:txBody>
+          <a:bodyPr/>
+          <a:lstStyle/>
+          <a:p>
+            <a:endParaRPr lang="en-US" dirty="0" smtClean="0"/>
+          </a:p>
+          <a:p>
             <a:endParaRPr lang="en-US" dirty="0"/>
           </a:p>
         </p:txBody>
       </p:sp>
       <p:pic>
         <p:nvPicPr>
-          <p:cNvPr id="34818" name="Picture 2" descr="Image result for mapping ideas"/>
+          <p:cNvPr id="29698" name="Picture 2" descr="http://s3.amazonaws.com/digitaltrends-uploads-prod/2014/05/header.jpg"/>
           <p:cNvPicPr>
-            <a:picLocks noChangeAspect="1" noChangeArrowheads="1"/>
+            <a:picLocks noGrp="1" noChangeAspect="1" noChangeArrowheads="1"/>
           </p:cNvPicPr>
-          <p:nvPr/>
+          <p:nvPr>
+            <p:ph type="pic" idx="1"/>
+          </p:nvPr>
         </p:nvPicPr>
         <p:blipFill>
-          <a:blip r:embed="rId2"/>
+          <a:blip r:embed="rId3"/>
           <a:srcRect/>
           <a:stretch>
             <a:fillRect/>
@@ -3682,8 +4163,8 @@
         </p:blipFill>
         <p:spPr bwMode="auto">
           <a:xfrm>
-            <a:off x="3048000" y="1371600"/>
-            <a:ext cx="4495800" cy="4495800"/>
+            <a:off x="1758782" y="914400"/>
+            <a:ext cx="7385218" cy="5105399"/>
           </a:xfrm>
           <a:prstGeom prst="rect">
             <a:avLst/>
@@ -3691,16 +4172,69 @@
           <a:noFill/>
         </p:spPr>
       </p:pic>
+      <p:sp>
+        <p:nvSpPr>
+          <p:cNvPr id="5" name="Title 1"/>
+          <p:cNvSpPr>
+            <a:spLocks noGrp="1"/>
+          </p:cNvSpPr>
+          <p:nvPr/>
+        </p:nvSpPr>
+        <p:spPr>
+          <a:xfrm>
+            <a:off x="1828800" y="304800"/>
+            <a:ext cx="7092090" cy="532180"/>
+          </a:xfrm>
+          <a:prstGeom prst="rect">
+            <a:avLst/>
+          </a:prstGeom>
+        </p:spPr>
+        <p:txBody>
+          <a:bodyPr vert="horz" lIns="91440" tIns="45720" rIns="91440" bIns="45720" rtlCol="0" anchor="ctr">
+            <a:normAutofit fontScale="90000" lnSpcReduction="10000"/>
+          </a:bodyPr>
+          <a:lstStyle>
+            <a:lvl1pPr algn="l" defTabSz="914400" rtl="0" eaLnBrk="1" latinLnBrk="0" hangingPunct="1">
+              <a:spcBef>
+                <a:spcPct val="0"/>
+              </a:spcBef>
+              <a:buNone/>
+              <a:defRPr sz="3600" kern="1200">
+                <a:solidFill>
+                  <a:srgbClr val="FFFF00"/>
+                </a:solidFill>
+                <a:latin typeface="+mj-lt"/>
+                <a:ea typeface="+mj-ea"/>
+                <a:cs typeface="+mj-cs"/>
+              </a:defRPr>
+            </a:lvl1pPr>
+          </a:lstStyle>
+          <a:p>
+            <a:r>
+              <a:rPr lang="en-US" dirty="0" smtClean="0"/>
+              <a:t>Too many..</a:t>
+            </a:r>
+            <a:endParaRPr lang="en-US" dirty="0"/>
+          </a:p>
+        </p:txBody>
+      </p:sp>
     </p:spTree>
     <p:extLst>
       <p:ext uri="{BB962C8B-B14F-4D97-AF65-F5344CB8AC3E}">
-        <p14:creationId xmlns:p14="http://schemas.microsoft.com/office/powerpoint/2010/main" val="4103309497"/>
+        <p14:creationId xmlns:p14="http://schemas.microsoft.com/office/powerpoint/2010/main" xmlns="" val="4103309497"/>
       </p:ext>
     </p:extLst>
   </p:cSld>
   <p:clrMapOvr>
     <a:masterClrMapping/>
   </p:clrMapOvr>
+  <p:timing>
+    <p:tnLst>
+      <p:par>
+        <p:cTn id="1" dur="indefinite" restart="never" nodeType="tmRoot"/>
+      </p:par>
+    </p:tnLst>
+  </p:timing>
 </p:sld>
 </file>
 
@@ -3733,31 +4267,48 @@
         </p:nvSpPr>
         <p:spPr>
           <a:xfrm>
-            <a:off x="3581400" y="5791200"/>
-            <a:ext cx="4191000" cy="566738"/>
+            <a:off x="3276600" y="5943600"/>
+            <a:ext cx="4114800" cy="566738"/>
           </a:xfrm>
         </p:spPr>
         <p:txBody>
           <a:bodyPr>
-            <a:normAutofit fontScale="90000"/>
+            <a:noAutofit/>
           </a:bodyPr>
           <a:lstStyle/>
           <a:p>
-            <a:r>
-              <a:rPr lang="en-US" dirty="0" smtClean="0"/>
-              <a:t> Let’s start from how ideas is categorized</a:t>
-            </a:r>
-            <a:endParaRPr lang="en-US" dirty="0"/>
+            <a:pPr algn="ctr"/>
+            <a:r>
+              <a:rPr lang="en-US" sz="3200" dirty="0" smtClean="0">
+                <a:solidFill>
+                  <a:schemeClr val="tx1">
+                    <a:lumMod val="65000"/>
+                    <a:lumOff val="35000"/>
+                  </a:schemeClr>
+                </a:solidFill>
+              </a:rPr>
+              <a:t>How to map then?</a:t>
+            </a:r>
+            <a:endParaRPr lang="en-US" sz="3200" dirty="0">
+              <a:solidFill>
+                <a:schemeClr val="tx1">
+                  <a:lumMod val="65000"/>
+                  <a:lumOff val="35000"/>
+                </a:schemeClr>
+              </a:solidFill>
+            </a:endParaRPr>
           </a:p>
         </p:txBody>
       </p:sp>
       <p:pic>
         <p:nvPicPr>
-          <p:cNvPr id="30722" name="Picture 2" descr="http://ctle.utah.edu/resources/images/concept%20mapping.png"/>
+          <p:cNvPr id="1026" name="Picture 2" descr="http://www.artremote.com/wp-content/uploads/2011/03/Mind_Map_Template_Mulit_Rnd_small.jpg"/>
           <p:cNvPicPr>
-            <a:picLocks noChangeAspect="1" noChangeArrowheads="1"/>
+            <a:picLocks noGrp="1" noChangeArrowheads="1"/>
           </p:cNvPicPr>
-          <p:nvPr/>
+          <p:nvPr>
+            <p:ph type="pic" idx="1"/>
+          </p:nvPr>
         </p:nvPicPr>
         <p:blipFill>
           <a:blip r:embed="rId2"/>
@@ -3768,8 +4319,8 @@
         </p:blipFill>
         <p:spPr bwMode="auto">
           <a:xfrm>
-            <a:off x="2057400" y="1447800"/>
-            <a:ext cx="6400800" cy="4114800"/>
+            <a:off x="1752600" y="1066800"/>
+            <a:ext cx="7391400" cy="4800600"/>
           </a:xfrm>
           <a:prstGeom prst="rect">
             <a:avLst/>
@@ -3777,16 +4328,69 @@
           <a:noFill/>
         </p:spPr>
       </p:pic>
+      <p:sp>
+        <p:nvSpPr>
+          <p:cNvPr id="4" name="Title 1"/>
+          <p:cNvSpPr>
+            <a:spLocks noGrp="1"/>
+          </p:cNvSpPr>
+          <p:nvPr/>
+        </p:nvSpPr>
+        <p:spPr>
+          <a:xfrm>
+            <a:off x="1828800" y="304800"/>
+            <a:ext cx="7092090" cy="532180"/>
+          </a:xfrm>
+          <a:prstGeom prst="rect">
+            <a:avLst/>
+          </a:prstGeom>
+        </p:spPr>
+        <p:txBody>
+          <a:bodyPr vert="horz" lIns="91440" tIns="45720" rIns="91440" bIns="45720" rtlCol="0" anchor="ctr">
+            <a:normAutofit fontScale="90000" lnSpcReduction="10000"/>
+          </a:bodyPr>
+          <a:lstStyle>
+            <a:lvl1pPr algn="l" defTabSz="914400" rtl="0" eaLnBrk="1" latinLnBrk="0" hangingPunct="1">
+              <a:spcBef>
+                <a:spcPct val="0"/>
+              </a:spcBef>
+              <a:buNone/>
+              <a:defRPr sz="3600" kern="1200">
+                <a:solidFill>
+                  <a:srgbClr val="FFFF00"/>
+                </a:solidFill>
+                <a:latin typeface="+mj-lt"/>
+                <a:ea typeface="+mj-ea"/>
+                <a:cs typeface="+mj-cs"/>
+              </a:defRPr>
+            </a:lvl1pPr>
+          </a:lstStyle>
+          <a:p>
+            <a:r>
+              <a:rPr lang="en-US" dirty="0" smtClean="0"/>
+              <a:t>Why not mapping..</a:t>
+            </a:r>
+            <a:endParaRPr lang="en-US" dirty="0"/>
+          </a:p>
+        </p:txBody>
+      </p:sp>
     </p:spTree>
     <p:extLst>
       <p:ext uri="{BB962C8B-B14F-4D97-AF65-F5344CB8AC3E}">
-        <p14:creationId xmlns:p14="http://schemas.microsoft.com/office/powerpoint/2010/main" val="4103309497"/>
+        <p14:creationId xmlns:p14="http://schemas.microsoft.com/office/powerpoint/2010/main" xmlns="" val="4103309497"/>
       </p:ext>
     </p:extLst>
   </p:cSld>
   <p:clrMapOvr>
     <a:masterClrMapping/>
   </p:clrMapOvr>
+  <p:timing>
+    <p:tnLst>
+      <p:par>
+        <p:cTn id="1" dur="indefinite" restart="never" nodeType="tmRoot"/>
+      </p:par>
+    </p:tnLst>
+  </p:timing>
 </p:sld>
 </file>
 
@@ -3819,27 +4423,35 @@
         </p:nvSpPr>
         <p:spPr>
           <a:xfrm>
-            <a:off x="2209800" y="5791200"/>
-            <a:ext cx="6096000" cy="566738"/>
+            <a:off x="1828800" y="5791200"/>
+            <a:ext cx="7543800" cy="566738"/>
           </a:xfrm>
         </p:spPr>
         <p:txBody>
           <a:bodyPr>
-            <a:normAutofit/>
+            <a:normAutofit fontScale="90000"/>
           </a:bodyPr>
           <a:lstStyle/>
           <a:p>
             <a:r>
               <a:rPr lang="en-US" dirty="0" smtClean="0"/>
-              <a:t> Then find the best way and the easiest one to replicate</a:t>
-            </a:r>
-            <a:endParaRPr lang="en-US" dirty="0"/>
+              <a:t> </a:t>
+            </a:r>
+            <a:r>
+              <a:rPr lang="en-US" sz="3200" dirty="0" smtClean="0"/>
+              <a:t>Let’s start from </a:t>
+            </a:r>
+            <a:r>
+              <a:rPr lang="en-US" sz="3200" dirty="0" smtClean="0"/>
+              <a:t>how the ideas are categorized</a:t>
+            </a:r>
+            <a:endParaRPr lang="en-US" sz="3200" dirty="0"/>
           </a:p>
         </p:txBody>
       </p:sp>
       <p:pic>
         <p:nvPicPr>
-          <p:cNvPr id="31746" name="Picture 2" descr="Image result for mapping ideas"/>
+          <p:cNvPr id="30722" name="Picture 2" descr="http://ctle.utah.edu/resources/images/concept%20mapping.png"/>
           <p:cNvPicPr>
             <a:picLocks noChangeAspect="1" noChangeArrowheads="1"/>
           </p:cNvPicPr>
@@ -3854,8 +4466,8 @@
         </p:blipFill>
         <p:spPr bwMode="auto">
           <a:xfrm>
-            <a:off x="155575" y="-876300"/>
-            <a:ext cx="2505075" cy="1828800"/>
+            <a:off x="1752600" y="1143000"/>
+            <a:ext cx="7391400" cy="4724400"/>
           </a:xfrm>
           <a:prstGeom prst="rect">
             <a:avLst/>
@@ -3863,42 +4475,69 @@
           <a:noFill/>
         </p:spPr>
       </p:pic>
-      <p:pic>
-        <p:nvPicPr>
-          <p:cNvPr id="31748" name="Picture 4" descr="http://cdn2.drprem.com/life/wp-content/uploads/sites/5/2014/08/put-an-idea-in-the-center-of-a-circle-and-then-branch-it-out-through-spikes-that-represent-secondary-ideas.jpg"/>
-          <p:cNvPicPr>
-            <a:picLocks noChangeAspect="1" noChangeArrowheads="1"/>
-          </p:cNvPicPr>
+      <p:sp>
+        <p:nvSpPr>
+          <p:cNvPr id="4" name="Title 1"/>
+          <p:cNvSpPr>
+            <a:spLocks noGrp="1"/>
+          </p:cNvSpPr>
           <p:nvPr/>
-        </p:nvPicPr>
-        <p:blipFill>
-          <a:blip r:embed="rId3"/>
-          <a:srcRect/>
-          <a:stretch>
-            <a:fillRect/>
-          </a:stretch>
-        </p:blipFill>
-        <p:spPr bwMode="auto">
-          <a:xfrm>
-            <a:off x="2667000" y="1600200"/>
-            <a:ext cx="5715000" cy="4162426"/>
+        </p:nvSpPr>
+        <p:spPr>
+          <a:xfrm>
+            <a:off x="1828800" y="304800"/>
+            <a:ext cx="7092090" cy="532180"/>
           </a:xfrm>
           <a:prstGeom prst="rect">
             <a:avLst/>
           </a:prstGeom>
-          <a:noFill/>
-        </p:spPr>
-      </p:pic>
+        </p:spPr>
+        <p:txBody>
+          <a:bodyPr vert="horz" lIns="91440" tIns="45720" rIns="91440" bIns="45720" rtlCol="0" anchor="ctr">
+            <a:normAutofit fontScale="90000" lnSpcReduction="10000"/>
+          </a:bodyPr>
+          <a:lstStyle>
+            <a:lvl1pPr algn="l" defTabSz="914400" rtl="0" eaLnBrk="1" latinLnBrk="0" hangingPunct="1">
+              <a:spcBef>
+                <a:spcPct val="0"/>
+              </a:spcBef>
+              <a:buNone/>
+              <a:defRPr sz="3600" kern="1200">
+                <a:solidFill>
+                  <a:srgbClr val="FFFF00"/>
+                </a:solidFill>
+                <a:latin typeface="+mj-lt"/>
+                <a:ea typeface="+mj-ea"/>
+                <a:cs typeface="+mj-cs"/>
+              </a:defRPr>
+            </a:lvl1pPr>
+          </a:lstStyle>
+          <a:p>
+            <a:r>
+              <a:rPr lang="en-US" dirty="0" smtClean="0"/>
+              <a:t>Starting on Mapping Ideas</a:t>
+            </a:r>
+            <a:endParaRPr lang="en-US" dirty="0"/>
+          </a:p>
+        </p:txBody>
+      </p:sp>
     </p:spTree>
     <p:extLst>
       <p:ext uri="{BB962C8B-B14F-4D97-AF65-F5344CB8AC3E}">
-        <p14:creationId xmlns:p14="http://schemas.microsoft.com/office/powerpoint/2010/main" val="4103309497"/>
+        <p14:creationId xmlns:p14="http://schemas.microsoft.com/office/powerpoint/2010/main" xmlns="" val="4103309497"/>
       </p:ext>
     </p:extLst>
   </p:cSld>
   <p:clrMapOvr>
     <a:masterClrMapping/>
   </p:clrMapOvr>
+  <p:timing>
+    <p:tnLst>
+      <p:par>
+        <p:cTn id="1" dur="indefinite" restart="never" nodeType="tmRoot"/>
+      </p:par>
+    </p:tnLst>
+  </p:timing>
 </p:sld>
 </file>
 
@@ -3931,8 +4570,8 @@
         </p:nvSpPr>
         <p:spPr>
           <a:xfrm>
-            <a:off x="2362200" y="5791200"/>
-            <a:ext cx="5486400" cy="566738"/>
+            <a:off x="2209800" y="5791200"/>
+            <a:ext cx="6096000" cy="566738"/>
           </a:xfrm>
         </p:spPr>
         <p:txBody>
@@ -3943,15 +4582,33 @@
           <a:p>
             <a:r>
               <a:rPr lang="en-US" dirty="0" smtClean="0"/>
-              <a:t>An objective may create other ideas (replication)</a:t>
-            </a:r>
-            <a:endParaRPr lang="en-US" dirty="0"/>
+              <a:t> </a:t>
+            </a:r>
+            <a:r>
+              <a:rPr lang="en-US" dirty="0" smtClean="0">
+                <a:solidFill>
+                  <a:schemeClr val="tx1">
+                    <a:lumMod val="75000"/>
+                    <a:lumOff val="25000"/>
+                  </a:schemeClr>
+                </a:solidFill>
+              </a:rPr>
+              <a:t>Then find the best way and the easiest one to replicate</a:t>
+            </a:r>
+            <a:endParaRPr lang="en-US" dirty="0">
+              <a:solidFill>
+                <a:schemeClr val="tx1">
+                  <a:lumMod val="75000"/>
+                  <a:lumOff val="25000"/>
+                </a:schemeClr>
+              </a:solidFill>
+            </a:endParaRPr>
           </a:p>
         </p:txBody>
       </p:sp>
       <p:pic>
         <p:nvPicPr>
-          <p:cNvPr id="3074" name="Picture 2" descr="http://prcoach.co.uk/wp-content/uploads/2012/12/DSC_0228-mind-mapping.jpg"/>
+          <p:cNvPr id="31748" name="Picture 4" descr="http://cdn2.drprem.com/life/wp-content/uploads/sites/5/2014/08/put-an-idea-in-the-center-of-a-circle-and-then-branch-it-out-through-spikes-that-represent-secondary-ideas.jpg"/>
           <p:cNvPicPr>
             <a:picLocks noChangeAspect="1" noChangeArrowheads="1"/>
           </p:cNvPicPr>
@@ -3966,8 +4623,8 @@
         </p:blipFill>
         <p:spPr bwMode="auto">
           <a:xfrm>
-            <a:off x="2590800" y="1600200"/>
-            <a:ext cx="4953000" cy="3600451"/>
+            <a:off x="2667000" y="1600200"/>
+            <a:ext cx="5715000" cy="4162426"/>
           </a:xfrm>
           <a:prstGeom prst="rect">
             <a:avLst/>
@@ -3975,16 +4632,69 @@
           <a:noFill/>
         </p:spPr>
       </p:pic>
+      <p:sp>
+        <p:nvSpPr>
+          <p:cNvPr id="5" name="Title 1"/>
+          <p:cNvSpPr>
+            <a:spLocks noGrp="1"/>
+          </p:cNvSpPr>
+          <p:nvPr/>
+        </p:nvSpPr>
+        <p:spPr>
+          <a:xfrm>
+            <a:off x="1828800" y="304800"/>
+            <a:ext cx="7092090" cy="532180"/>
+          </a:xfrm>
+          <a:prstGeom prst="rect">
+            <a:avLst/>
+          </a:prstGeom>
+        </p:spPr>
+        <p:txBody>
+          <a:bodyPr vert="horz" lIns="91440" tIns="45720" rIns="91440" bIns="45720" rtlCol="0" anchor="ctr">
+            <a:normAutofit fontScale="90000" lnSpcReduction="10000"/>
+          </a:bodyPr>
+          <a:lstStyle>
+            <a:lvl1pPr algn="l" defTabSz="914400" rtl="0" eaLnBrk="1" latinLnBrk="0" hangingPunct="1">
+              <a:spcBef>
+                <a:spcPct val="0"/>
+              </a:spcBef>
+              <a:buNone/>
+              <a:defRPr sz="3600" kern="1200">
+                <a:solidFill>
+                  <a:srgbClr val="FFFF00"/>
+                </a:solidFill>
+                <a:latin typeface="+mj-lt"/>
+                <a:ea typeface="+mj-ea"/>
+                <a:cs typeface="+mj-cs"/>
+              </a:defRPr>
+            </a:lvl1pPr>
+          </a:lstStyle>
+          <a:p>
+            <a:r>
+              <a:rPr lang="en-US" dirty="0" smtClean="0"/>
+              <a:t>Step on Mapping Ideas</a:t>
+            </a:r>
+            <a:endParaRPr lang="en-US" dirty="0"/>
+          </a:p>
+        </p:txBody>
+      </p:sp>
     </p:spTree>
     <p:extLst>
       <p:ext uri="{BB962C8B-B14F-4D97-AF65-F5344CB8AC3E}">
-        <p14:creationId xmlns:p14="http://schemas.microsoft.com/office/powerpoint/2010/main" val="4103309497"/>
+        <p14:creationId xmlns:p14="http://schemas.microsoft.com/office/powerpoint/2010/main" xmlns="" val="4103309497"/>
       </p:ext>
     </p:extLst>
   </p:cSld>
   <p:clrMapOvr>
     <a:masterClrMapping/>
   </p:clrMapOvr>
+  <p:timing>
+    <p:tnLst>
+      <p:par>
+        <p:cTn id="1" dur="indefinite" restart="never" nodeType="tmRoot"/>
+      </p:par>
+    </p:tnLst>
+  </p:timing>
 </p:sld>
 </file>
 
@@ -4007,7 +4717,7 @@
       </p:grpSpPr>
       <p:sp>
         <p:nvSpPr>
-          <p:cNvPr id="4" name="Title 3"/>
+          <p:cNvPr id="2" name="Title 1"/>
           <p:cNvSpPr>
             <a:spLocks noGrp="1"/>
           </p:cNvSpPr>
@@ -4018,62 +4728,229 @@
         <p:spPr/>
         <p:txBody>
           <a:bodyPr>
-            <a:normAutofit fontScale="90000"/>
+            <a:normAutofit/>
           </a:bodyPr>
           <a:lstStyle/>
           <a:p>
-            <a:endParaRPr lang="en-US"/>
+            <a:r>
+              <a:rPr lang="en-US" dirty="0" smtClean="0"/>
+              <a:t>Slide Title</a:t>
+            </a:r>
+            <a:endParaRPr lang="en-US" dirty="0"/>
           </a:p>
         </p:txBody>
       </p:sp>
       <p:pic>
         <p:nvPicPr>
-          <p:cNvPr id="6" name="Content Placeholder 5" descr="organization.png"/>
+          <p:cNvPr id="6" name="Picture Placeholder 5" descr="definition.jpg"/>
           <p:cNvPicPr>
-            <a:picLocks noGrp="1"/>
+            <a:picLocks noGrp="1" noChangeAspect="1"/>
           </p:cNvPicPr>
           <p:nvPr>
-            <p:ph idx="1"/>
+            <p:ph type="pic" idx="1"/>
           </p:nvPr>
         </p:nvPicPr>
         <p:blipFill>
           <a:blip r:embed="rId2"/>
+          <a:srcRect t="8820" b="8820"/>
           <a:stretch>
             <a:fillRect/>
           </a:stretch>
         </p:blipFill>
         <p:spPr>
           <a:xfrm>
-            <a:off x="1819656" y="1289304"/>
-            <a:ext cx="6876288" cy="5193792"/>
+            <a:off x="1828800" y="1371600"/>
+            <a:ext cx="6705600" cy="4343400"/>
           </a:xfrm>
         </p:spPr>
       </p:pic>
+      <p:sp>
+        <p:nvSpPr>
+          <p:cNvPr id="3" name="Content Placeholder 2"/>
+          <p:cNvSpPr>
+            <a:spLocks noGrp="1"/>
+          </p:cNvSpPr>
+          <p:nvPr>
+            <p:ph type="body" sz="half" idx="2"/>
+          </p:nvPr>
+        </p:nvSpPr>
+        <p:spPr/>
+        <p:txBody>
+          <a:bodyPr/>
+          <a:lstStyle/>
+          <a:p>
+            <a:endParaRPr lang="en-US" dirty="0" smtClean="0"/>
+          </a:p>
+          <a:p>
+            <a:endParaRPr lang="en-US" dirty="0"/>
+          </a:p>
+        </p:txBody>
+      </p:sp>
+      <p:sp>
+        <p:nvSpPr>
+          <p:cNvPr id="5" name="Title 1"/>
+          <p:cNvSpPr>
+            <a:spLocks noGrp="1"/>
+          </p:cNvSpPr>
+          <p:nvPr/>
+        </p:nvSpPr>
+        <p:spPr>
+          <a:xfrm>
+            <a:off x="1828800" y="304800"/>
+            <a:ext cx="7092090" cy="532180"/>
+          </a:xfrm>
+          <a:prstGeom prst="rect">
+            <a:avLst/>
+          </a:prstGeom>
+        </p:spPr>
+        <p:txBody>
+          <a:bodyPr vert="horz" lIns="91440" tIns="45720" rIns="91440" bIns="45720" rtlCol="0" anchor="ctr">
+            <a:normAutofit fontScale="90000" lnSpcReduction="10000"/>
+          </a:bodyPr>
+          <a:lstStyle>
+            <a:lvl1pPr algn="l" defTabSz="914400" rtl="0" eaLnBrk="1" latinLnBrk="0" hangingPunct="1">
+              <a:spcBef>
+                <a:spcPct val="0"/>
+              </a:spcBef>
+              <a:buNone/>
+              <a:defRPr sz="3600" kern="1200">
+                <a:solidFill>
+                  <a:srgbClr val="FFFF00"/>
+                </a:solidFill>
+                <a:latin typeface="+mj-lt"/>
+                <a:ea typeface="+mj-ea"/>
+                <a:cs typeface="+mj-cs"/>
+              </a:defRPr>
+            </a:lvl1pPr>
+          </a:lstStyle>
+          <a:p>
+            <a:r>
+              <a:rPr lang="en-US" dirty="0" smtClean="0"/>
+              <a:t>What is replication of ideas ?</a:t>
+            </a:r>
+          </a:p>
+        </p:txBody>
+      </p:sp>
+      <p:sp>
+        <p:nvSpPr>
+          <p:cNvPr id="7" name="Title 1"/>
+          <p:cNvSpPr txBox="1">
+            <a:spLocks/>
+          </p:cNvSpPr>
+          <p:nvPr/>
+        </p:nvSpPr>
+        <p:spPr>
+          <a:xfrm>
+            <a:off x="2438400" y="5791200"/>
+            <a:ext cx="6096000" cy="566738"/>
+          </a:xfrm>
+          <a:prstGeom prst="rect">
+            <a:avLst/>
+          </a:prstGeom>
+        </p:spPr>
+        <p:txBody>
+          <a:bodyPr vert="horz" lIns="91440" tIns="45720" rIns="91440" bIns="45720" rtlCol="0" anchor="b">
+            <a:normAutofit lnSpcReduction="10000"/>
+          </a:bodyPr>
+          <a:lstStyle/>
+          <a:p>
+            <a:pPr marL="0" marR="0" lvl="0" indent="0" algn="l" defTabSz="914400" rtl="0" eaLnBrk="1" fontAlgn="auto" latinLnBrk="0" hangingPunct="1">
+              <a:lnSpc>
+                <a:spcPct val="100000"/>
+              </a:lnSpc>
+              <a:spcBef>
+                <a:spcPct val="0"/>
+              </a:spcBef>
+              <a:spcAft>
+                <a:spcPts val="0"/>
+              </a:spcAft>
+              <a:buClrTx/>
+              <a:buSzTx/>
+              <a:buFontTx/>
+              <a:buNone/>
+              <a:tabLst/>
+              <a:defRPr/>
+            </a:pPr>
+            <a:r>
+              <a:rPr kumimoji="0" lang="en-US" sz="2000" b="1" i="0" u="none" strike="noStrike" kern="1200" cap="none" spc="0" normalizeH="0" baseline="0" noProof="0" dirty="0" smtClean="0">
+                <a:ln>
+                  <a:noFill/>
+                </a:ln>
+                <a:solidFill>
+                  <a:schemeClr val="tx1"/>
+                </a:solidFill>
+                <a:effectLst/>
+                <a:uLnTx/>
+                <a:uFillTx/>
+                <a:latin typeface="+mj-lt"/>
+                <a:ea typeface="+mj-ea"/>
+                <a:cs typeface="+mj-cs"/>
+              </a:rPr>
+              <a:t> </a:t>
+            </a:r>
+            <a:r>
+              <a:rPr kumimoji="0" lang="en-US" sz="3200" b="1" i="0" u="none" strike="noStrike" kern="1200" cap="none" spc="0" normalizeH="0" baseline="0" noProof="0" dirty="0" smtClean="0">
+                <a:ln>
+                  <a:noFill/>
+                </a:ln>
+                <a:solidFill>
+                  <a:schemeClr val="tx1">
+                    <a:lumMod val="75000"/>
+                    <a:lumOff val="25000"/>
+                  </a:schemeClr>
+                </a:solidFill>
+                <a:effectLst/>
+                <a:uLnTx/>
+                <a:uFillTx/>
+                <a:latin typeface="+mj-lt"/>
+                <a:ea typeface="+mj-ea"/>
+                <a:cs typeface="+mj-cs"/>
+              </a:rPr>
+              <a:t>Definition range of replication</a:t>
+            </a:r>
+            <a:endParaRPr kumimoji="0" lang="en-US" sz="3200" b="1" i="0" u="none" strike="noStrike" kern="1200" cap="none" spc="0" normalizeH="0" baseline="0" noProof="0" dirty="0">
+              <a:ln>
+                <a:noFill/>
+              </a:ln>
+              <a:solidFill>
+                <a:schemeClr val="tx1">
+                  <a:lumMod val="75000"/>
+                  <a:lumOff val="25000"/>
+                </a:schemeClr>
+              </a:solidFill>
+              <a:effectLst/>
+              <a:uLnTx/>
+              <a:uFillTx/>
+              <a:latin typeface="+mj-lt"/>
+              <a:ea typeface="+mj-ea"/>
+              <a:cs typeface="+mj-cs"/>
+            </a:endParaRPr>
+          </a:p>
+        </p:txBody>
+      </p:sp>
     </p:spTree>
+    <p:extLst>
+      <p:ext uri="{BB962C8B-B14F-4D97-AF65-F5344CB8AC3E}">
+        <p14:creationId xmlns:p14="http://schemas.microsoft.com/office/powerpoint/2010/main" xmlns="" val="4103309497"/>
+      </p:ext>
+    </p:extLst>
   </p:cSld>
   <p:clrMapOvr>
     <a:masterClrMapping/>
   </p:clrMapOvr>
+  <p:timing>
+    <p:tnLst>
+      <p:par>
+        <p:cTn id="1" dur="indefinite" restart="never" nodeType="tmRoot"/>
+      </p:par>
+    </p:tnLst>
+  </p:timing>
 </p:sld>
 </file>
 
 <file path=ppt/slides/slide15.xml><?xml version="1.0" encoding="utf-8"?>
 <p:sld xmlns:a="http://schemas.openxmlformats.org/drawingml/2006/main" xmlns:r="http://schemas.openxmlformats.org/officeDocument/2006/relationships" xmlns:p="http://schemas.openxmlformats.org/presentationml/2006/main">
   <p:cSld>
-    <p:bg>
-      <p:bgPr>
-        <a:blipFill dpi="0" rotWithShape="1">
-          <a:blip r:embed="rId2">
-            <a:lum/>
-          </a:blip>
-          <a:srcRect/>
-          <a:stretch>
-            <a:fillRect/>
-          </a:stretch>
-        </a:blipFill>
-        <a:effectLst/>
-      </p:bgPr>
-    </p:bg>
     <p:spTree>
       <p:nvGrpSpPr>
         <p:cNvPr id="1" name=""/>
@@ -4098,21 +4975,81 @@
             <p:ph type="title"/>
           </p:nvPr>
         </p:nvSpPr>
-        <p:spPr>
-          <a:xfrm>
-            <a:off x="1984250" y="1443835"/>
-            <a:ext cx="7016195" cy="610820"/>
-          </a:xfrm>
-        </p:spPr>
+        <p:spPr/>
         <p:txBody>
           <a:bodyPr>
             <a:normAutofit fontScale="90000"/>
           </a:bodyPr>
           <a:lstStyle/>
           <a:p>
-            <a:r>
-              <a:rPr lang="en-US" dirty="0" smtClean="0"/>
-              <a:t>Slide Title</a:t>
+            <a:endParaRPr lang="en-US"/>
+          </a:p>
+        </p:txBody>
+      </p:sp>
+      <p:pic>
+        <p:nvPicPr>
+          <p:cNvPr id="6" name="Content Placeholder 5" descr="organization.png"/>
+          <p:cNvPicPr>
+            <a:picLocks noGrp="1"/>
+          </p:cNvPicPr>
+          <p:nvPr>
+            <p:ph idx="1"/>
+          </p:nvPr>
+        </p:nvPicPr>
+        <p:blipFill>
+          <a:blip r:embed="rId2"/>
+          <a:stretch>
+            <a:fillRect/>
+          </a:stretch>
+        </p:blipFill>
+        <p:spPr>
+          <a:xfrm>
+            <a:off x="1819656" y="1066800"/>
+            <a:ext cx="7324344" cy="5029200"/>
+          </a:xfrm>
+        </p:spPr>
+      </p:pic>
+      <p:sp>
+        <p:nvSpPr>
+          <p:cNvPr id="5" name="Title 1"/>
+          <p:cNvSpPr>
+            <a:spLocks noGrp="1"/>
+          </p:cNvSpPr>
+          <p:nvPr/>
+        </p:nvSpPr>
+        <p:spPr>
+          <a:xfrm>
+            <a:off x="1828800" y="304800"/>
+            <a:ext cx="7092090" cy="532180"/>
+          </a:xfrm>
+          <a:prstGeom prst="rect">
+            <a:avLst/>
+          </a:prstGeom>
+        </p:spPr>
+        <p:txBody>
+          <a:bodyPr vert="horz" lIns="91440" tIns="45720" rIns="91440" bIns="45720" rtlCol="0" anchor="ctr">
+            <a:normAutofit fontScale="90000" lnSpcReduction="10000"/>
+          </a:bodyPr>
+          <a:lstStyle>
+            <a:lvl1pPr algn="l" defTabSz="914400" rtl="0" eaLnBrk="1" latinLnBrk="0" hangingPunct="1">
+              <a:spcBef>
+                <a:spcPct val="0"/>
+              </a:spcBef>
+              <a:buNone/>
+              <a:defRPr sz="3600" kern="1200">
+                <a:solidFill>
+                  <a:srgbClr val="FFFF00"/>
+                </a:solidFill>
+                <a:latin typeface="+mj-lt"/>
+                <a:ea typeface="+mj-ea"/>
+                <a:cs typeface="+mj-cs"/>
+              </a:defRPr>
+            </a:lvl1pPr>
+          </a:lstStyle>
+          <a:p>
+            <a:r>
+              <a:rPr lang="en-US" dirty="0" smtClean="0"/>
+              <a:t>Replication on Organization</a:t>
             </a:r>
             <a:endParaRPr lang="en-US" dirty="0"/>
           </a:p>
@@ -4120,54 +5057,90 @@
       </p:sp>
       <p:sp>
         <p:nvSpPr>
-          <p:cNvPr id="5" name="Content Placeholder 4"/>
-          <p:cNvSpPr>
-            <a:spLocks noGrp="1"/>
-          </p:cNvSpPr>
-          <p:nvPr>
-            <p:ph idx="1"/>
-          </p:nvPr>
-        </p:nvSpPr>
-        <p:spPr/>
-        <p:txBody>
-          <a:bodyPr/>
-          <a:lstStyle/>
-          <a:p>
-            <a:r>
-              <a:rPr lang="en-US" dirty="0" smtClean="0"/>
-              <a:t>Make Effective Presentations</a:t>
-            </a:r>
-          </a:p>
-          <a:p>
-            <a:r>
-              <a:rPr lang="en-US" dirty="0" smtClean="0"/>
-              <a:t>Using Awesome Backgrounds</a:t>
-            </a:r>
-          </a:p>
-          <a:p>
-            <a:r>
-              <a:rPr lang="en-US" dirty="0" smtClean="0"/>
-              <a:t>Engage your Audience</a:t>
-            </a:r>
-          </a:p>
-          <a:p>
-            <a:r>
-              <a:rPr lang="en-US" dirty="0" smtClean="0"/>
-              <a:t>Capture Audience Attention</a:t>
-            </a:r>
+          <p:cNvPr id="7" name="Title 1"/>
+          <p:cNvSpPr txBox="1">
+            <a:spLocks/>
+          </p:cNvSpPr>
+          <p:nvPr/>
+        </p:nvSpPr>
+        <p:spPr>
+          <a:xfrm>
+            <a:off x="1752600" y="6096000"/>
+            <a:ext cx="8077200" cy="566738"/>
+          </a:xfrm>
+          <a:prstGeom prst="rect">
+            <a:avLst/>
+          </a:prstGeom>
+        </p:spPr>
+        <p:txBody>
+          <a:bodyPr vert="horz" lIns="91440" tIns="45720" rIns="91440" bIns="45720" rtlCol="0" anchor="ctr">
+            <a:normAutofit fontScale="55000" lnSpcReduction="20000"/>
+          </a:bodyPr>
+          <a:lstStyle/>
+          <a:p>
+            <a:pPr marL="0" marR="0" lvl="0" indent="0" algn="l" defTabSz="914400" rtl="0" eaLnBrk="1" fontAlgn="auto" latinLnBrk="0" hangingPunct="1">
+              <a:lnSpc>
+                <a:spcPct val="100000"/>
+              </a:lnSpc>
+              <a:spcBef>
+                <a:spcPct val="0"/>
+              </a:spcBef>
+              <a:spcAft>
+                <a:spcPts val="0"/>
+              </a:spcAft>
+              <a:buClrTx/>
+              <a:buSzTx/>
+              <a:buFontTx/>
+              <a:buNone/>
+              <a:tabLst/>
+              <a:defRPr/>
+            </a:pPr>
+            <a:r>
+              <a:rPr kumimoji="0" lang="en-US" sz="3600" b="0" i="0" u="none" strike="noStrike" kern="1200" cap="none" spc="0" normalizeH="0" baseline="0" noProof="0" dirty="0" smtClean="0">
+                <a:ln>
+                  <a:noFill/>
+                </a:ln>
+                <a:solidFill>
+                  <a:srgbClr val="FF0000"/>
+                </a:solidFill>
+                <a:effectLst/>
+                <a:uLnTx/>
+                <a:uFillTx/>
+                <a:latin typeface="+mj-lt"/>
+                <a:ea typeface="+mj-ea"/>
+                <a:cs typeface="+mj-cs"/>
+              </a:rPr>
+              <a:t> Replication is one of  the important role on organization development</a:t>
+            </a:r>
+            <a:endParaRPr kumimoji="0" lang="en-US" sz="3600" b="0" i="0" u="none" strike="noStrike" kern="1200" cap="none" spc="0" normalizeH="0" baseline="0" noProof="0" dirty="0">
+              <a:ln>
+                <a:noFill/>
+              </a:ln>
+              <a:solidFill>
+                <a:srgbClr val="FF0000"/>
+              </a:solidFill>
+              <a:effectLst/>
+              <a:uLnTx/>
+              <a:uFillTx/>
+              <a:latin typeface="+mj-lt"/>
+              <a:ea typeface="+mj-ea"/>
+              <a:cs typeface="+mj-cs"/>
+            </a:endParaRPr>
           </a:p>
         </p:txBody>
       </p:sp>
     </p:spTree>
-    <p:extLst>
-      <p:ext uri="{BB962C8B-B14F-4D97-AF65-F5344CB8AC3E}">
-        <p14:creationId xmlns:p14="http://schemas.microsoft.com/office/powerpoint/2010/main" val="1101633878"/>
-      </p:ext>
-    </p:extLst>
   </p:cSld>
   <p:clrMapOvr>
     <a:masterClrMapping/>
   </p:clrMapOvr>
+  <p:timing>
+    <p:tnLst>
+      <p:par>
+        <p:cTn id="1" dur="indefinite" restart="never" nodeType="tmRoot"/>
+      </p:par>
+    </p:tnLst>
+  </p:timing>
 </p:sld>
 </file>
 
@@ -4212,7 +5185,7 @@
           <a:p>
             <a:r>
               <a:rPr lang="en-US" dirty="0" smtClean="0"/>
-              <a:t>Slide Title</a:t>
+              <a:t>Basic on Replication</a:t>
             </a:r>
             <a:endParaRPr lang="en-US" dirty="0"/>
           </a:p>
@@ -4228,16 +5201,22 @@
             <p:ph type="body" idx="1"/>
           </p:nvPr>
         </p:nvSpPr>
-        <p:spPr/>
+        <p:spPr>
+          <a:xfrm>
+            <a:off x="1828800" y="1901950"/>
+            <a:ext cx="2748268" cy="639762"/>
+          </a:xfrm>
+        </p:spPr>
         <p:txBody>
           <a:bodyPr/>
           <a:lstStyle/>
           <a:p>
-            <a:r>
-              <a:rPr lang="en-US" smtClean="0"/>
-              <a:t>Product A</a:t>
-            </a:r>
-            <a:endParaRPr lang="en-US"/>
+            <a:pPr algn="ctr"/>
+            <a:r>
+              <a:rPr lang="en-US" dirty="0" smtClean="0"/>
+              <a:t>Visualization</a:t>
+            </a:r>
+            <a:endParaRPr lang="en-US" dirty="0"/>
           </a:p>
         </p:txBody>
       </p:sp>
@@ -4255,7 +5234,7 @@
           <a:blip r:embed="rId2" cstate="print">
             <a:extLst>
               <a:ext uri="{28A0092B-C50C-407E-A947-70E740481C1C}">
-                <a14:useLocalDpi xmlns:a14="http://schemas.microsoft.com/office/drawing/2010/main" val="0"/>
+                <a14:useLocalDpi xmlns:a14="http://schemas.microsoft.com/office/drawing/2010/main" xmlns="" val="0"/>
               </a:ext>
             </a:extLst>
           </a:blip>
@@ -4265,8 +5244,8 @@
         </p:blipFill>
         <p:spPr>
           <a:xfrm>
-            <a:off x="539496" y="2532888"/>
-            <a:ext cx="4041648" cy="3035808"/>
+            <a:off x="1905000" y="2895600"/>
+            <a:ext cx="2667000" cy="2743200"/>
           </a:xfrm>
         </p:spPr>
       </p:pic>
@@ -4285,17 +5264,109 @@
           <a:bodyPr/>
           <a:lstStyle/>
           <a:p>
-            <a:r>
-              <a:rPr lang="en-US" smtClean="0"/>
-              <a:t>Product B</a:t>
-            </a:r>
-            <a:endParaRPr lang="en-US"/>
+            <a:pPr algn="ctr"/>
+            <a:r>
+              <a:rPr lang="en-US" dirty="0" smtClean="0"/>
+              <a:t>Process</a:t>
+            </a:r>
+            <a:endParaRPr lang="en-US" dirty="0"/>
+          </a:p>
+        </p:txBody>
+      </p:sp>
+      <p:sp>
+        <p:nvSpPr>
+          <p:cNvPr id="8" name="Title 1"/>
+          <p:cNvSpPr txBox="1">
+            <a:spLocks/>
+          </p:cNvSpPr>
+          <p:nvPr/>
+        </p:nvSpPr>
+        <p:spPr>
+          <a:xfrm>
+            <a:off x="1752600" y="5943600"/>
+            <a:ext cx="7696200" cy="533400"/>
+          </a:xfrm>
+          <a:prstGeom prst="rect">
+            <a:avLst/>
+          </a:prstGeom>
+        </p:spPr>
+        <p:txBody>
+          <a:bodyPr vert="horz" lIns="91440" tIns="45720" rIns="91440" bIns="45720" rtlCol="0" anchor="ctr">
+            <a:noAutofit/>
+          </a:bodyPr>
+          <a:lstStyle/>
+          <a:p>
+            <a:pPr marL="0" marR="0" lvl="0" indent="0" algn="l" defTabSz="914400" rtl="0" eaLnBrk="1" fontAlgn="auto" latinLnBrk="0" hangingPunct="1">
+              <a:lnSpc>
+                <a:spcPct val="100000"/>
+              </a:lnSpc>
+              <a:spcBef>
+                <a:spcPct val="0"/>
+              </a:spcBef>
+              <a:spcAft>
+                <a:spcPts val="0"/>
+              </a:spcAft>
+              <a:buClrTx/>
+              <a:buSzTx/>
+              <a:buFontTx/>
+              <a:buNone/>
+              <a:tabLst/>
+              <a:defRPr/>
+            </a:pPr>
+            <a:r>
+              <a:rPr kumimoji="0" lang="en-US" sz="2400" b="1" i="0" u="none" strike="noStrike" kern="1200" cap="none" spc="0" normalizeH="0" baseline="0" noProof="0" dirty="0" smtClean="0">
+                <a:ln>
+                  <a:noFill/>
+                </a:ln>
+                <a:solidFill>
+                  <a:srgbClr val="FFFF00"/>
+                </a:solidFill>
+                <a:effectLst/>
+                <a:uLnTx/>
+                <a:uFillTx/>
+                <a:latin typeface="+mj-lt"/>
+                <a:ea typeface="+mj-ea"/>
+                <a:cs typeface="+mj-cs"/>
+              </a:rPr>
+              <a:t> </a:t>
+            </a:r>
+            <a:r>
+              <a:rPr kumimoji="0" lang="en-US" sz="2400" b="1" i="0" u="none" strike="noStrike" kern="1200" cap="none" spc="0" normalizeH="0" baseline="0" noProof="0" dirty="0" smtClean="0">
+                <a:ln>
+                  <a:noFill/>
+                </a:ln>
+                <a:solidFill>
+                  <a:srgbClr val="FF0000"/>
+                </a:solidFill>
+                <a:effectLst/>
+                <a:uLnTx/>
+                <a:uFillTx/>
+                <a:latin typeface="+mj-lt"/>
+                <a:ea typeface="+mj-ea"/>
+                <a:cs typeface="+mj-cs"/>
+              </a:rPr>
+              <a:t>Replication is happen till a smallest thing - a cell</a:t>
+            </a:r>
+            <a:endParaRPr kumimoji="0" lang="en-US" sz="2400" b="1" i="0" u="none" strike="noStrike" kern="1200" cap="none" spc="0" normalizeH="0" baseline="0" noProof="0" dirty="0">
+              <a:ln>
+                <a:noFill/>
+              </a:ln>
+              <a:solidFill>
+                <a:srgbClr val="1160FF"/>
+              </a:solidFill>
+              <a:effectLst/>
+              <a:uLnTx/>
+              <a:uFillTx/>
+              <a:latin typeface="+mj-lt"/>
+              <a:ea typeface="+mj-ea"/>
+              <a:cs typeface="+mj-cs"/>
+            </a:endParaRPr>
           </a:p>
         </p:txBody>
       </p:sp>
       <p:pic>
         <p:nvPicPr>
-          <p:cNvPr id="9" name="Content Placeholder 8" descr="bases.png"/>
+          <p:cNvPr id="11" name="Content Placeholder 9"/>
           <p:cNvPicPr>
             <a:picLocks noGrp="1"/>
           </p:cNvPicPr>
@@ -4304,28 +5375,41 @@
           </p:nvPr>
         </p:nvPicPr>
         <p:blipFill>
-          <a:blip r:embed="rId3"/>
+          <a:blip r:embed="rId3" cstate="print">
+            <a:extLst>
+              <a:ext uri="{28A0092B-C50C-407E-A947-70E740481C1C}">
+                <a14:useLocalDpi xmlns:a14="http://schemas.microsoft.com/office/drawing/2010/main" xmlns="" val="0"/>
+              </a:ext>
+            </a:extLst>
+          </a:blip>
           <a:stretch>
             <a:fillRect/>
           </a:stretch>
         </p:blipFill>
         <p:spPr>
           <a:xfrm>
-            <a:off x="4727448" y="2532888"/>
-            <a:ext cx="4041648" cy="3035808"/>
+            <a:off x="5334000" y="2819400"/>
+            <a:ext cx="3124200" cy="2743200"/>
           </a:xfrm>
         </p:spPr>
       </p:pic>
     </p:spTree>
     <p:extLst>
       <p:ext uri="{BB962C8B-B14F-4D97-AF65-F5344CB8AC3E}">
-        <p14:creationId xmlns:p14="http://schemas.microsoft.com/office/powerpoint/2010/main" val="4170783713"/>
+        <p14:creationId xmlns:p14="http://schemas.microsoft.com/office/powerpoint/2010/main" xmlns="" val="4170783713"/>
       </p:ext>
     </p:extLst>
   </p:cSld>
   <p:clrMapOvr>
     <a:masterClrMapping/>
   </p:clrMapOvr>
+  <p:timing>
+    <p:tnLst>
+      <p:par>
+        <p:cTn id="1" dur="indefinite" restart="never" nodeType="tmRoot"/>
+      </p:par>
+    </p:tnLst>
+  </p:timing>
 </p:sld>
 </file>
 
@@ -4348,7 +5432,7 @@
       </p:grpSpPr>
       <p:sp>
         <p:nvSpPr>
-          <p:cNvPr id="2" name="Title 1"/>
+          <p:cNvPr id="4" name="Title 3"/>
           <p:cNvSpPr>
             <a:spLocks noGrp="1"/>
           </p:cNvSpPr>
@@ -4356,16 +5440,79 @@
             <p:ph type="title"/>
           </p:nvPr>
         </p:nvSpPr>
-        <p:spPr/>
+        <p:spPr>
+          <a:xfrm>
+            <a:off x="1823310" y="374900"/>
+            <a:ext cx="7177135" cy="532180"/>
+          </a:xfrm>
+        </p:spPr>
         <p:txBody>
           <a:bodyPr>
-            <a:normAutofit/>
+            <a:normAutofit fontScale="90000"/>
           </a:bodyPr>
           <a:lstStyle/>
           <a:p>
             <a:r>
               <a:rPr lang="en-US" dirty="0" smtClean="0"/>
-              <a:t>Slide Title</a:t>
+              <a:t>Basic on Replication</a:t>
+            </a:r>
+            <a:endParaRPr lang="en-US" dirty="0"/>
+          </a:p>
+        </p:txBody>
+      </p:sp>
+      <p:sp>
+        <p:nvSpPr>
+          <p:cNvPr id="5" name="Text Placeholder 4"/>
+          <p:cNvSpPr>
+            <a:spLocks noGrp="1"/>
+          </p:cNvSpPr>
+          <p:nvPr>
+            <p:ph type="body" idx="1"/>
+          </p:nvPr>
+        </p:nvSpPr>
+        <p:spPr>
+          <a:xfrm>
+            <a:off x="1828800" y="1901950"/>
+            <a:ext cx="2748268" cy="639762"/>
+          </a:xfrm>
+        </p:spPr>
+        <p:txBody>
+          <a:bodyPr/>
+          <a:lstStyle/>
+          <a:p>
+            <a:pPr algn="ctr"/>
+            <a:r>
+              <a:rPr lang="en-US" dirty="0" smtClean="0"/>
+              <a:t>Visualization</a:t>
+            </a:r>
+            <a:endParaRPr lang="en-US" dirty="0"/>
+          </a:p>
+        </p:txBody>
+      </p:sp>
+      <p:sp>
+        <p:nvSpPr>
+          <p:cNvPr id="7" name="Text Placeholder 6"/>
+          <p:cNvSpPr>
+            <a:spLocks noGrp="1"/>
+          </p:cNvSpPr>
+          <p:nvPr>
+            <p:ph type="body" sz="quarter" idx="3"/>
+          </p:nvPr>
+        </p:nvSpPr>
+        <p:spPr>
+          <a:xfrm>
+            <a:off x="6172200" y="1901950"/>
+            <a:ext cx="2594280" cy="639762"/>
+          </a:xfrm>
+        </p:spPr>
+        <p:txBody>
+          <a:bodyPr/>
+          <a:lstStyle/>
+          <a:p>
+            <a:pPr algn="ctr"/>
+            <a:r>
+              <a:rPr lang="en-US" dirty="0" smtClean="0"/>
+              <a:t>Structure</a:t>
             </a:r>
             <a:endParaRPr lang="en-US" dirty="0"/>
           </a:p>
@@ -4373,60 +5520,236 @@
       </p:sp>
       <p:pic>
         <p:nvPicPr>
-          <p:cNvPr id="6" name="Picture Placeholder 5" descr="definition.jpg"/>
+          <p:cNvPr id="9" name="Content Placeholder 8" descr="bases.png"/>
           <p:cNvPicPr>
-            <a:picLocks noGrp="1" noChangeAspect="1"/>
+            <a:picLocks noGrp="1"/>
           </p:cNvPicPr>
           <p:nvPr>
-            <p:ph type="pic" idx="1"/>
+            <p:ph sz="quarter" idx="4"/>
           </p:nvPr>
         </p:nvPicPr>
         <p:blipFill>
           <a:blip r:embed="rId2"/>
-          <a:srcRect t="8820" b="8820"/>
           <a:stretch>
             <a:fillRect/>
           </a:stretch>
         </p:blipFill>
         <p:spPr>
           <a:xfrm>
-            <a:off x="1828800" y="1371600"/>
-            <a:ext cx="6705600" cy="4343400"/>
+            <a:off x="5940552" y="2743200"/>
+            <a:ext cx="3203448" cy="3035808"/>
           </a:xfrm>
         </p:spPr>
       </p:pic>
       <p:sp>
         <p:nvSpPr>
-          <p:cNvPr id="3" name="Content Placeholder 2"/>
-          <p:cNvSpPr>
-            <a:spLocks noGrp="1"/>
-          </p:cNvSpPr>
-          <p:nvPr>
-            <p:ph type="body" sz="half" idx="2"/>
-          </p:nvPr>
-        </p:nvSpPr>
-        <p:spPr/>
-        <p:txBody>
-          <a:bodyPr/>
-          <a:lstStyle/>
-          <a:p>
-            <a:endParaRPr lang="en-US" dirty="0" smtClean="0"/>
-          </a:p>
-          <a:p>
-            <a:endParaRPr lang="en-US" dirty="0"/>
-          </a:p>
-        </p:txBody>
-      </p:sp>
+          <p:cNvPr id="8" name="Title 1"/>
+          <p:cNvSpPr txBox="1">
+            <a:spLocks/>
+          </p:cNvSpPr>
+          <p:nvPr/>
+        </p:nvSpPr>
+        <p:spPr>
+          <a:xfrm>
+            <a:off x="2209800" y="6019800"/>
+            <a:ext cx="6477000" cy="533400"/>
+          </a:xfrm>
+          <a:prstGeom prst="rect">
+            <a:avLst/>
+          </a:prstGeom>
+        </p:spPr>
+        <p:txBody>
+          <a:bodyPr vert="horz" lIns="91440" tIns="45720" rIns="91440" bIns="45720" rtlCol="0" anchor="ctr">
+            <a:noAutofit/>
+          </a:bodyPr>
+          <a:lstStyle/>
+          <a:p>
+            <a:pPr marL="0" marR="0" lvl="0" indent="0" algn="l" defTabSz="914400" rtl="0" eaLnBrk="1" fontAlgn="auto" latinLnBrk="0" hangingPunct="1">
+              <a:lnSpc>
+                <a:spcPct val="100000"/>
+              </a:lnSpc>
+              <a:spcBef>
+                <a:spcPct val="0"/>
+              </a:spcBef>
+              <a:spcAft>
+                <a:spcPts val="0"/>
+              </a:spcAft>
+              <a:buClrTx/>
+              <a:buSzTx/>
+              <a:buFontTx/>
+              <a:buNone/>
+              <a:tabLst/>
+              <a:defRPr/>
+            </a:pPr>
+            <a:r>
+              <a:rPr kumimoji="0" lang="en-US" sz="2400" b="1" i="0" u="none" strike="noStrike" kern="1200" cap="none" spc="0" normalizeH="0" baseline="0" noProof="0" dirty="0" smtClean="0">
+                <a:ln>
+                  <a:noFill/>
+                </a:ln>
+                <a:solidFill>
+                  <a:srgbClr val="FFFF00"/>
+                </a:solidFill>
+                <a:effectLst/>
+                <a:uLnTx/>
+                <a:uFillTx/>
+                <a:latin typeface="+mj-lt"/>
+                <a:ea typeface="+mj-ea"/>
+                <a:cs typeface="+mj-cs"/>
+              </a:rPr>
+              <a:t> </a:t>
+            </a:r>
+            <a:r>
+              <a:rPr kumimoji="0" lang="en-US" sz="2400" b="1" i="0" u="none" strike="noStrike" kern="1200" cap="none" spc="0" normalizeH="0" baseline="0" noProof="0" dirty="0" smtClean="0">
+                <a:ln>
+                  <a:noFill/>
+                </a:ln>
+                <a:solidFill>
+                  <a:srgbClr val="FF0000"/>
+                </a:solidFill>
+                <a:effectLst/>
+                <a:uLnTx/>
+                <a:uFillTx/>
+                <a:latin typeface="+mj-lt"/>
+                <a:ea typeface="+mj-ea"/>
+                <a:cs typeface="+mj-cs"/>
+              </a:rPr>
+              <a:t>There are </a:t>
+            </a:r>
+            <a:r>
+              <a:rPr kumimoji="0" lang="en-US" sz="2400" b="1" i="0" u="none" strike="noStrike" kern="1200" cap="none" spc="0" normalizeH="0" baseline="0" noProof="0" dirty="0" smtClean="0">
+                <a:ln>
+                  <a:noFill/>
+                </a:ln>
+                <a:solidFill>
+                  <a:schemeClr val="tx1">
+                    <a:lumMod val="95000"/>
+                    <a:lumOff val="5000"/>
+                  </a:schemeClr>
+                </a:solidFill>
+                <a:effectLst/>
+                <a:uLnTx/>
+                <a:uFillTx/>
+                <a:latin typeface="+mj-lt"/>
+                <a:ea typeface="+mj-ea"/>
+                <a:cs typeface="+mj-cs"/>
+              </a:rPr>
+              <a:t>3 (three) </a:t>
+            </a:r>
+            <a:r>
+              <a:rPr kumimoji="0" lang="en-US" sz="2400" b="1" i="0" u="none" strike="noStrike" kern="1200" cap="none" spc="0" normalizeH="0" baseline="0" noProof="0" dirty="0" smtClean="0">
+                <a:ln>
+                  <a:noFill/>
+                </a:ln>
+                <a:solidFill>
+                  <a:srgbClr val="FF0000"/>
+                </a:solidFill>
+                <a:effectLst/>
+                <a:uLnTx/>
+                <a:uFillTx/>
+                <a:latin typeface="+mj-lt"/>
+                <a:ea typeface="+mj-ea"/>
+                <a:cs typeface="+mj-cs"/>
+              </a:rPr>
+              <a:t>basic</a:t>
+            </a:r>
+            <a:r>
+              <a:rPr kumimoji="0" lang="en-US" sz="2400" b="1" i="0" u="none" strike="noStrike" kern="1200" cap="none" spc="0" normalizeH="0" noProof="0" dirty="0" smtClean="0">
+                <a:ln>
+                  <a:noFill/>
+                </a:ln>
+                <a:solidFill>
+                  <a:srgbClr val="FF0000"/>
+                </a:solidFill>
+                <a:effectLst/>
+                <a:uLnTx/>
+                <a:uFillTx/>
+                <a:latin typeface="+mj-lt"/>
+                <a:ea typeface="+mj-ea"/>
+                <a:cs typeface="+mj-cs"/>
+              </a:rPr>
+              <a:t> process on </a:t>
+            </a:r>
+            <a:r>
+              <a:rPr kumimoji="0" lang="en-US" sz="2400" b="1" i="0" u="none" strike="noStrike" kern="1200" cap="none" spc="0" normalizeH="0" noProof="0" dirty="0" smtClean="0">
+                <a:ln>
+                  <a:noFill/>
+                </a:ln>
+                <a:solidFill>
+                  <a:srgbClr val="1160FF"/>
+                </a:solidFill>
+                <a:effectLst/>
+                <a:uLnTx/>
+                <a:uFillTx/>
+                <a:latin typeface="+mj-lt"/>
+                <a:ea typeface="+mj-ea"/>
+                <a:cs typeface="+mj-cs"/>
+              </a:rPr>
+              <a:t>replication</a:t>
+            </a:r>
+            <a:endParaRPr kumimoji="0" lang="en-US" sz="2400" b="1" i="0" u="none" strike="noStrike" kern="1200" cap="none" spc="0" normalizeH="0" baseline="0" noProof="0" dirty="0">
+              <a:ln>
+                <a:noFill/>
+              </a:ln>
+              <a:solidFill>
+                <a:srgbClr val="1160FF"/>
+              </a:solidFill>
+              <a:effectLst/>
+              <a:uLnTx/>
+              <a:uFillTx/>
+              <a:latin typeface="+mj-lt"/>
+              <a:ea typeface="+mj-ea"/>
+              <a:cs typeface="+mj-cs"/>
+            </a:endParaRPr>
+          </a:p>
+        </p:txBody>
+      </p:sp>
+      <p:pic>
+        <p:nvPicPr>
+          <p:cNvPr id="10" name="Content Placeholder 8"/>
+          <p:cNvPicPr>
+            <a:picLocks/>
+          </p:cNvPicPr>
+          <p:nvPr/>
+        </p:nvPicPr>
+        <p:blipFill>
+          <a:blip r:embed="rId3">
+            <a:extLst>
+              <a:ext uri="{28A0092B-C50C-407E-A947-70E740481C1C}">
+                <a14:useLocalDpi xmlns:a14="http://schemas.microsoft.com/office/drawing/2010/main" xmlns="" val="0"/>
+              </a:ext>
+            </a:extLst>
+          </a:blip>
+          <a:stretch>
+            <a:fillRect/>
+          </a:stretch>
+        </p:blipFill>
+        <p:spPr>
+          <a:xfrm>
+            <a:off x="1828800" y="2819400"/>
+            <a:ext cx="4038600" cy="3035808"/>
+          </a:xfrm>
+          <a:prstGeom prst="rect">
+            <a:avLst/>
+          </a:prstGeom>
+        </p:spPr>
+      </p:pic>
     </p:spTree>
     <p:extLst>
       <p:ext uri="{BB962C8B-B14F-4D97-AF65-F5344CB8AC3E}">
-        <p14:creationId xmlns:p14="http://schemas.microsoft.com/office/powerpoint/2010/main" val="4103309497"/>
+        <p14:creationId xmlns:p14="http://schemas.microsoft.com/office/powerpoint/2010/main" xmlns="" val="4170783713"/>
       </p:ext>
     </p:extLst>
   </p:cSld>
   <p:clrMapOvr>
     <a:masterClrMapping/>
   </p:clrMapOvr>
+  <p:timing>
+    <p:tnLst>
+      <p:par>
+        <p:cTn id="1" dur="indefinite" restart="never" nodeType="tmRoot"/>
+      </p:par>
+    </p:tnLst>
+  </p:timing>
 </p:sld>
 </file>
 
@@ -4447,150 +5770,110 @@
           <a:chExt cx="0" cy="0"/>
         </a:xfrm>
       </p:grpSpPr>
-      <p:sp>
-        <p:nvSpPr>
-          <p:cNvPr id="4" name="Title 3"/>
-          <p:cNvSpPr>
-            <a:spLocks noGrp="1"/>
-          </p:cNvSpPr>
-          <p:nvPr>
-            <p:ph type="title"/>
-          </p:nvPr>
-        </p:nvSpPr>
-        <p:spPr>
-          <a:xfrm>
-            <a:off x="1823310" y="374900"/>
-            <a:ext cx="7177135" cy="532180"/>
-          </a:xfrm>
-        </p:spPr>
-        <p:txBody>
-          <a:bodyPr>
-            <a:normAutofit fontScale="90000"/>
-          </a:bodyPr>
-          <a:lstStyle/>
-          <a:p>
-            <a:r>
-              <a:rPr lang="en-US" dirty="0" smtClean="0"/>
-              <a:t>Slide Title</a:t>
-            </a:r>
-            <a:endParaRPr lang="en-US" dirty="0"/>
-          </a:p>
-        </p:txBody>
-      </p:sp>
-      <p:sp>
-        <p:nvSpPr>
-          <p:cNvPr id="5" name="Text Placeholder 4"/>
-          <p:cNvSpPr>
-            <a:spLocks noGrp="1"/>
-          </p:cNvSpPr>
-          <p:nvPr>
-            <p:ph type="body" idx="1"/>
-          </p:nvPr>
-        </p:nvSpPr>
-        <p:spPr/>
-        <p:txBody>
-          <a:bodyPr/>
-          <a:lstStyle/>
-          <a:p>
-            <a:r>
-              <a:rPr lang="en-US" smtClean="0"/>
-              <a:t>Product A</a:t>
-            </a:r>
-            <a:endParaRPr lang="en-US"/>
-          </a:p>
-        </p:txBody>
-      </p:sp>
       <p:pic>
         <p:nvPicPr>
-          <p:cNvPr id="9" name="Content Placeholder 8"/>
+          <p:cNvPr id="1026" name="Picture 2" descr="http://images.slideplayer.com/25/8068889/slides/slide_2.jpg"/>
           <p:cNvPicPr>
-            <a:picLocks noGrp="1"/>
+            <a:picLocks noChangeAspect="1" noChangeArrowheads="1"/>
           </p:cNvPicPr>
-          <p:nvPr>
-            <p:ph sz="half" idx="2"/>
-          </p:nvPr>
+          <p:nvPr/>
         </p:nvPicPr>
         <p:blipFill>
           <a:blip r:embed="rId2">
             <a:extLst>
               <a:ext uri="{28A0092B-C50C-407E-A947-70E740481C1C}">
-                <a14:useLocalDpi xmlns:a14="http://schemas.microsoft.com/office/drawing/2010/main" val="0"/>
+                <a14:useLocalDpi xmlns:a14="http://schemas.microsoft.com/office/drawing/2010/main" xmlns="" val="0"/>
               </a:ext>
             </a:extLst>
           </a:blip>
+          <a:srcRect/>
           <a:stretch>
             <a:fillRect/>
           </a:stretch>
         </p:blipFill>
-        <p:spPr>
-          <a:xfrm>
-            <a:off x="536575" y="2532888"/>
-            <a:ext cx="4040188" cy="3035808"/>
-          </a:xfrm>
+        <p:spPr bwMode="auto">
+          <a:xfrm>
+            <a:off x="1752600" y="1066801"/>
+            <a:ext cx="7391400" cy="5791200"/>
+          </a:xfrm>
+          <a:prstGeom prst="rect">
+            <a:avLst/>
+          </a:prstGeom>
+          <a:noFill/>
+          <a:extLst>
+            <a:ext uri="{909E8E84-426E-40DD-AFC4-6F175D3DCCD1}">
+              <a14:hiddenFill xmlns:a14="http://schemas.microsoft.com/office/drawing/2010/main" xmlns="">
+                <a:solidFill>
+                  <a:srgbClr val="FFFFFF"/>
+                </a:solidFill>
+              </a14:hiddenFill>
+            </a:ext>
+          </a:extLst>
         </p:spPr>
       </p:pic>
       <p:sp>
         <p:nvSpPr>
-          <p:cNvPr id="7" name="Text Placeholder 6"/>
-          <p:cNvSpPr>
-            <a:spLocks noGrp="1"/>
-          </p:cNvSpPr>
-          <p:nvPr>
-            <p:ph type="body" sz="quarter" idx="3"/>
-          </p:nvPr>
-        </p:nvSpPr>
-        <p:spPr/>
-        <p:txBody>
-          <a:bodyPr/>
-          <a:lstStyle/>
-          <a:p>
-            <a:r>
-              <a:rPr lang="en-US" smtClean="0"/>
-              <a:t>Product B</a:t>
-            </a:r>
-            <a:endParaRPr lang="en-US"/>
-          </a:p>
-        </p:txBody>
-      </p:sp>
-      <p:pic>
-        <p:nvPicPr>
-          <p:cNvPr id="10" name="Content Placeholder 9"/>
-          <p:cNvPicPr>
-            <a:picLocks noGrp="1"/>
-          </p:cNvPicPr>
-          <p:nvPr>
-            <p:ph sz="quarter" idx="4"/>
-          </p:nvPr>
-        </p:nvPicPr>
-        <p:blipFill>
-          <a:blip r:embed="rId3" cstate="print">
-            <a:extLst>
-              <a:ext uri="{28A0092B-C50C-407E-A947-70E740481C1C}">
-                <a14:useLocalDpi xmlns:a14="http://schemas.microsoft.com/office/drawing/2010/main" val="0"/>
-              </a:ext>
-            </a:extLst>
-          </a:blip>
-          <a:stretch>
-            <a:fillRect/>
-          </a:stretch>
-        </p:blipFill>
-        <p:spPr>
-          <a:xfrm>
-            <a:off x="4727448" y="2532888"/>
-            <a:ext cx="4041648" cy="3035808"/>
-          </a:xfrm>
-        </p:spPr>
-      </p:pic>
+          <p:cNvPr id="3" name="Title 1"/>
+          <p:cNvSpPr>
+            <a:spLocks noGrp="1"/>
+          </p:cNvSpPr>
+          <p:nvPr/>
+        </p:nvSpPr>
+        <p:spPr>
+          <a:xfrm>
+            <a:off x="1828800" y="304800"/>
+            <a:ext cx="7092090" cy="532180"/>
+          </a:xfrm>
+          <a:prstGeom prst="rect">
+            <a:avLst/>
+          </a:prstGeom>
+        </p:spPr>
+        <p:txBody>
+          <a:bodyPr vert="horz" lIns="91440" tIns="45720" rIns="91440" bIns="45720" rtlCol="0" anchor="ctr">
+            <a:normAutofit fontScale="90000" lnSpcReduction="10000"/>
+          </a:bodyPr>
+          <a:lstStyle>
+            <a:lvl1pPr algn="l" defTabSz="914400" rtl="0" eaLnBrk="1" latinLnBrk="0" hangingPunct="1">
+              <a:spcBef>
+                <a:spcPct val="0"/>
+              </a:spcBef>
+              <a:buNone/>
+              <a:defRPr sz="3600" kern="1200">
+                <a:solidFill>
+                  <a:srgbClr val="FFFF00"/>
+                </a:solidFill>
+                <a:latin typeface="+mj-lt"/>
+                <a:ea typeface="+mj-ea"/>
+                <a:cs typeface="+mj-cs"/>
+              </a:defRPr>
+            </a:lvl1pPr>
+          </a:lstStyle>
+          <a:p>
+            <a:r>
+              <a:rPr lang="en-US" dirty="0" smtClean="0"/>
+              <a:t>General Case</a:t>
+            </a:r>
+            <a:endParaRPr lang="en-US" dirty="0"/>
+          </a:p>
+        </p:txBody>
+      </p:sp>
     </p:spTree>
     <p:extLst>
       <p:ext uri="{BB962C8B-B14F-4D97-AF65-F5344CB8AC3E}">
-        <p14:creationId xmlns:p14="http://schemas.microsoft.com/office/powerpoint/2010/main" val="4170783713"/>
+        <p14:creationId xmlns:p14="http://schemas.microsoft.com/office/powerpoint/2010/main" xmlns="" val="3606199004"/>
       </p:ext>
     </p:extLst>
   </p:cSld>
   <p:clrMapOvr>
     <a:masterClrMapping/>
   </p:clrMapOvr>
+  <p:timing>
+    <p:tnLst>
+      <p:par>
+        <p:cTn id="1" dur="indefinite" restart="never" nodeType="tmRoot"/>
+      </p:par>
+    </p:tnLst>
+  </p:timing>
 </p:sld>
 </file>
 
@@ -4613,7 +5896,7 @@
       </p:grpSpPr>
       <p:sp>
         <p:nvSpPr>
-          <p:cNvPr id="4" name="Title 3"/>
+          <p:cNvPr id="2" name="Title 1"/>
           <p:cNvSpPr>
             <a:spLocks noGrp="1"/>
           </p:cNvSpPr>
@@ -4623,128 +5906,140 @@
         </p:nvSpPr>
         <p:spPr>
           <a:xfrm>
-            <a:off x="1823310" y="374900"/>
-            <a:ext cx="7177135" cy="532180"/>
+            <a:off x="2895600" y="5867400"/>
+            <a:ext cx="4210050" cy="566738"/>
           </a:xfrm>
         </p:spPr>
         <p:txBody>
           <a:bodyPr>
-            <a:normAutofit fontScale="90000"/>
+            <a:normAutofit/>
           </a:bodyPr>
           <a:lstStyle/>
           <a:p>
             <a:r>
               <a:rPr lang="en-US" dirty="0" smtClean="0"/>
-              <a:t>Slide Title</a:t>
-            </a:r>
-            <a:endParaRPr lang="en-US" dirty="0"/>
-          </a:p>
-        </p:txBody>
-      </p:sp>
-      <p:sp>
-        <p:nvSpPr>
-          <p:cNvPr id="5" name="Text Placeholder 4"/>
-          <p:cNvSpPr>
-            <a:spLocks noGrp="1"/>
-          </p:cNvSpPr>
-          <p:nvPr>
-            <p:ph type="body" idx="1"/>
-          </p:nvPr>
-        </p:nvSpPr>
-        <p:spPr/>
-        <p:txBody>
-          <a:bodyPr/>
-          <a:lstStyle/>
-          <a:p>
-            <a:r>
-              <a:rPr lang="en-US" smtClean="0"/>
-              <a:t>Product A</a:t>
-            </a:r>
-            <a:endParaRPr lang="en-US"/>
+              <a:t> </a:t>
+            </a:r>
+            <a:r>
+              <a:rPr lang="en-US" dirty="0" smtClean="0">
+                <a:solidFill>
+                  <a:srgbClr val="00B050"/>
+                </a:solidFill>
+              </a:rPr>
+              <a:t>The 4 bases are identical by 2 in pair</a:t>
+            </a:r>
+            <a:endParaRPr lang="en-US" dirty="0">
+              <a:solidFill>
+                <a:srgbClr val="00B050"/>
+              </a:solidFill>
+            </a:endParaRPr>
           </a:p>
         </p:txBody>
       </p:sp>
       <p:pic>
         <p:nvPicPr>
-          <p:cNvPr id="9" name="Content Placeholder 8"/>
+          <p:cNvPr id="2050" name="Picture 2" descr="http://www.councilforresponsiblegenetics.org/geneticprivacy/images/c16x6base-pairs.png"/>
           <p:cNvPicPr>
-            <a:picLocks noGrp="1"/>
+            <a:picLocks noChangeAspect="1" noChangeArrowheads="1"/>
           </p:cNvPicPr>
-          <p:nvPr>
-            <p:ph sz="half" idx="2"/>
-          </p:nvPr>
+          <p:nvPr/>
         </p:nvPicPr>
         <p:blipFill>
           <a:blip r:embed="rId2">
             <a:extLst>
               <a:ext uri="{28A0092B-C50C-407E-A947-70E740481C1C}">
-                <a14:useLocalDpi xmlns:a14="http://schemas.microsoft.com/office/drawing/2010/main" val="0"/>
+                <a14:useLocalDpi xmlns:a14="http://schemas.microsoft.com/office/drawing/2010/main" xmlns="" val="0"/>
               </a:ext>
             </a:extLst>
           </a:blip>
+          <a:srcRect/>
           <a:stretch>
             <a:fillRect/>
           </a:stretch>
         </p:blipFill>
-        <p:spPr>
-          <a:xfrm>
-            <a:off x="536575" y="2532888"/>
-            <a:ext cx="4040188" cy="3035808"/>
-          </a:xfrm>
+        <p:spPr bwMode="auto">
+          <a:xfrm>
+            <a:off x="3581400" y="1524000"/>
+            <a:ext cx="2838450" cy="3933826"/>
+          </a:xfrm>
+          <a:prstGeom prst="rect">
+            <a:avLst/>
+          </a:prstGeom>
+          <a:noFill/>
+          <a:extLst>
+            <a:ext uri="{909E8E84-426E-40DD-AFC4-6F175D3DCCD1}">
+              <a14:hiddenFill xmlns:a14="http://schemas.microsoft.com/office/drawing/2010/main" xmlns="">
+                <a:solidFill>
+                  <a:srgbClr val="FFFFFF"/>
+                </a:solidFill>
+              </a14:hiddenFill>
+            </a:ext>
+          </a:extLst>
         </p:spPr>
       </p:pic>
       <p:sp>
         <p:nvSpPr>
-          <p:cNvPr id="7" name="Text Placeholder 6"/>
-          <p:cNvSpPr>
-            <a:spLocks noGrp="1"/>
-          </p:cNvSpPr>
-          <p:nvPr>
-            <p:ph type="body" sz="quarter" idx="3"/>
-          </p:nvPr>
-        </p:nvSpPr>
-        <p:spPr/>
-        <p:txBody>
-          <a:bodyPr/>
-          <a:lstStyle/>
-          <a:p>
-            <a:r>
-              <a:rPr lang="en-US" smtClean="0"/>
-              <a:t>Product B</a:t>
-            </a:r>
-            <a:endParaRPr lang="en-US"/>
-          </a:p>
-        </p:txBody>
-      </p:sp>
-      <p:sp>
-        <p:nvSpPr>
-          <p:cNvPr id="2" name="Content Placeholder 1"/>
-          <p:cNvSpPr>
-            <a:spLocks noGrp="1"/>
-          </p:cNvSpPr>
-          <p:nvPr>
-            <p:ph sz="quarter" idx="4"/>
-          </p:nvPr>
-        </p:nvSpPr>
-        <p:spPr/>
-        <p:txBody>
-          <a:bodyPr/>
-          <a:lstStyle/>
-          <a:p>
-            <a:endParaRPr lang="en-US"/>
+          <p:cNvPr id="5" name="Title 1"/>
+          <p:cNvSpPr>
+            <a:spLocks noGrp="1"/>
+          </p:cNvSpPr>
+          <p:nvPr/>
+        </p:nvSpPr>
+        <p:spPr>
+          <a:xfrm>
+            <a:off x="1828800" y="304800"/>
+            <a:ext cx="7092090" cy="532180"/>
+          </a:xfrm>
+          <a:prstGeom prst="rect">
+            <a:avLst/>
+          </a:prstGeom>
+        </p:spPr>
+        <p:txBody>
+          <a:bodyPr vert="horz" lIns="91440" tIns="45720" rIns="91440" bIns="45720" rtlCol="0" anchor="ctr">
+            <a:normAutofit fontScale="90000" lnSpcReduction="10000"/>
+          </a:bodyPr>
+          <a:lstStyle>
+            <a:lvl1pPr algn="l" defTabSz="914400" rtl="0" eaLnBrk="1" latinLnBrk="0" hangingPunct="1">
+              <a:spcBef>
+                <a:spcPct val="0"/>
+              </a:spcBef>
+              <a:buNone/>
+              <a:defRPr sz="3600" kern="1200">
+                <a:solidFill>
+                  <a:srgbClr val="FFFF00"/>
+                </a:solidFill>
+                <a:latin typeface="+mj-lt"/>
+                <a:ea typeface="+mj-ea"/>
+                <a:cs typeface="+mj-cs"/>
+              </a:defRPr>
+            </a:lvl1pPr>
+          </a:lstStyle>
+          <a:p>
+            <a:r>
+              <a:rPr lang="en-US" dirty="0" smtClean="0"/>
+              <a:t>General Case</a:t>
+            </a:r>
+            <a:endParaRPr lang="en-US" dirty="0"/>
           </a:p>
         </p:txBody>
       </p:sp>
     </p:spTree>
     <p:extLst>
       <p:ext uri="{BB962C8B-B14F-4D97-AF65-F5344CB8AC3E}">
-        <p14:creationId xmlns:p14="http://schemas.microsoft.com/office/powerpoint/2010/main" val="2517763434"/>
+        <p14:creationId xmlns:p14="http://schemas.microsoft.com/office/powerpoint/2010/main" xmlns="" val="4078963133"/>
       </p:ext>
     </p:extLst>
   </p:cSld>
   <p:clrMapOvr>
     <a:masterClrMapping/>
   </p:clrMapOvr>
+  <p:timing>
+    <p:tnLst>
+      <p:par>
+        <p:cTn id="1" dur="indefinite" restart="never" nodeType="tmRoot"/>
+      </p:par>
+    </p:tnLst>
+  </p:timing>
 </p:sld>
 </file>
 
@@ -4777,101 +6072,103 @@
         </p:nvSpPr>
         <p:spPr>
           <a:xfrm>
-            <a:off x="1823310" y="374900"/>
+            <a:off x="3048000" y="6019800"/>
+            <a:ext cx="4800600" cy="533400"/>
+          </a:xfrm>
+        </p:spPr>
+        <p:txBody>
+          <a:bodyPr>
+            <a:noAutofit/>
+          </a:bodyPr>
+          <a:lstStyle/>
+          <a:p>
+            <a:pPr algn="ctr"/>
+            <a:r>
+              <a:rPr lang="en-US" sz="3200" dirty="0" smtClean="0">
+                <a:solidFill>
+                  <a:srgbClr val="D68B1C"/>
+                </a:solidFill>
+                <a:latin typeface="Calibri" pitchFamily="34" charset="0"/>
+                <a:ea typeface="Roboto Light" panose="02000000000000000000" pitchFamily="2" charset="0"/>
+              </a:rPr>
+              <a:t>Definition ranges of idea</a:t>
+            </a:r>
+            <a:endParaRPr lang="en-US" sz="3200" dirty="0">
+              <a:solidFill>
+                <a:srgbClr val="D68B1C"/>
+              </a:solidFill>
+              <a:latin typeface="Calibri" pitchFamily="34" charset="0"/>
+              <a:ea typeface="Roboto Light" panose="02000000000000000000" pitchFamily="2" charset="0"/>
+            </a:endParaRPr>
+          </a:p>
+        </p:txBody>
+      </p:sp>
+      <p:pic>
+        <p:nvPicPr>
+          <p:cNvPr id="7" name="Picture Placeholder 6" descr="idea.png"/>
+          <p:cNvPicPr>
+            <a:picLocks noGrp="1" noChangeAspect="1"/>
+          </p:cNvPicPr>
+          <p:nvPr>
+            <p:ph type="pic" idx="1"/>
+          </p:nvPr>
+        </p:nvPicPr>
+        <p:blipFill>
+          <a:blip r:embed="rId2"/>
+          <a:srcRect l="64" r="64"/>
+          <a:stretch>
+            <a:fillRect/>
+          </a:stretch>
+        </p:blipFill>
+        <p:spPr>
+          <a:xfrm>
+            <a:off x="1755140" y="1066800"/>
+            <a:ext cx="7388860" cy="4876800"/>
+          </a:xfrm>
+        </p:spPr>
+      </p:pic>
+      <p:sp>
+        <p:nvSpPr>
+          <p:cNvPr id="12" name="Title 1"/>
+          <p:cNvSpPr>
+            <a:spLocks noGrp="1"/>
+          </p:cNvSpPr>
+          <p:nvPr/>
+        </p:nvSpPr>
+        <p:spPr>
+          <a:xfrm>
+            <a:off x="1828800" y="304800"/>
             <a:ext cx="7092090" cy="532180"/>
           </a:xfrm>
-        </p:spPr>
-        <p:txBody>
-          <a:bodyPr>
-            <a:normAutofit fontScale="90000"/>
+          <a:prstGeom prst="rect">
+            <a:avLst/>
+          </a:prstGeom>
+        </p:spPr>
+        <p:txBody>
+          <a:bodyPr vert="horz" lIns="91440" tIns="45720" rIns="91440" bIns="45720" rtlCol="0" anchor="ctr">
+            <a:normAutofit fontScale="90000" lnSpcReduction="10000"/>
           </a:bodyPr>
-          <a:lstStyle/>
-          <a:p>
-            <a:r>
-              <a:rPr lang="en-US" dirty="0" smtClean="0"/>
-              <a:t>Definition on Wikipedia</a:t>
-            </a:r>
-            <a:endParaRPr lang="en-US" dirty="0"/>
-          </a:p>
-        </p:txBody>
-      </p:sp>
-      <p:sp>
-        <p:nvSpPr>
-          <p:cNvPr id="3" name="Content Placeholder 2"/>
-          <p:cNvSpPr>
-            <a:spLocks noGrp="1"/>
-          </p:cNvSpPr>
-          <p:nvPr>
-            <p:ph idx="1"/>
-          </p:nvPr>
-        </p:nvSpPr>
-        <p:spPr/>
-        <p:txBody>
-          <a:bodyPr/>
-          <a:lstStyle/>
-          <a:p>
-            <a:r>
-              <a:rPr lang="en-US" dirty="0" smtClean="0"/>
-              <a:t>A </a:t>
-            </a:r>
-            <a:r>
-              <a:rPr lang="en-US" dirty="0"/>
-              <a:t>concept map or conceptual diagram is a diagram that depicts suggested relationships between </a:t>
-            </a:r>
-            <a:r>
-              <a:rPr lang="en-US" dirty="0" smtClean="0"/>
-              <a:t>concepts. It is a graphical tool that instructional designers, engineers, technical writers, and others use </a:t>
-            </a:r>
-            <a:r>
-              <a:rPr lang="en-US" dirty="0"/>
-              <a:t>“</a:t>
-            </a:r>
-            <a:r>
-              <a:rPr lang="en-US" dirty="0" smtClean="0"/>
-              <a:t>to organize and structure knowledge”.</a:t>
-            </a:r>
-            <a:endParaRPr lang="en-US" dirty="0" smtClean="0"/>
-          </a:p>
-          <a:p>
-            <a:r>
-              <a:rPr lang="en-US" dirty="0"/>
-              <a:t>Mind mapping is one of the best ways to capture your thoughts and bring them to life in visual </a:t>
-            </a:r>
-            <a:r>
-              <a:rPr lang="en-US" dirty="0" smtClean="0"/>
-              <a:t>form</a:t>
-            </a:r>
-            <a:r>
-              <a:rPr lang="en-US" dirty="0"/>
-              <a:t> </a:t>
-            </a:r>
-            <a:r>
-              <a:rPr lang="en-US" dirty="0" smtClean="0"/>
-              <a:t>(“maps out”).</a:t>
-            </a:r>
-          </a:p>
-          <a:p>
-            <a:r>
-              <a:rPr lang="en-US" dirty="0" smtClean="0"/>
-              <a:t>Definition </a:t>
-            </a:r>
-            <a:r>
-              <a:rPr lang="en-US" dirty="0"/>
-              <a:t>of our Mapping </a:t>
-            </a:r>
-            <a:r>
-              <a:rPr lang="en-US" dirty="0" smtClean="0"/>
-              <a:t>Ideas </a:t>
-            </a:r>
-            <a:r>
-              <a:rPr lang="en-US" dirty="0"/>
-              <a:t>is closer to Concept Map rather than Mind Mapping</a:t>
-            </a:r>
-          </a:p>
-          <a:p>
-            <a:endParaRPr lang="en-US" dirty="0" smtClean="0"/>
-          </a:p>
-          <a:p>
+          <a:lstStyle>
+            <a:lvl1pPr algn="l" defTabSz="914400" rtl="0" eaLnBrk="1" latinLnBrk="0" hangingPunct="1">
+              <a:spcBef>
+                <a:spcPct val="0"/>
+              </a:spcBef>
+              <a:buNone/>
+              <a:defRPr sz="3600" kern="1200">
+                <a:solidFill>
+                  <a:srgbClr val="FFFF00"/>
+                </a:solidFill>
+                <a:latin typeface="+mj-lt"/>
+                <a:ea typeface="+mj-ea"/>
+                <a:cs typeface="+mj-cs"/>
+              </a:defRPr>
+            </a:lvl1pPr>
+          </a:lstStyle>
+          <a:p>
+            <a:r>
+              <a:rPr lang="en-US" dirty="0" smtClean="0"/>
+              <a:t>What is idea..?</a:t>
+            </a:r>
             <a:endParaRPr lang="en-US" dirty="0"/>
           </a:p>
         </p:txBody>
@@ -4879,7 +6176,7 @@
     </p:spTree>
     <p:extLst>
       <p:ext uri="{BB962C8B-B14F-4D97-AF65-F5344CB8AC3E}">
-        <p14:creationId xmlns:p14="http://schemas.microsoft.com/office/powerpoint/2010/main" val="4103309497"/>
+        <p14:creationId xmlns:p14="http://schemas.microsoft.com/office/powerpoint/2010/main" xmlns="" val="4103309497"/>
       </p:ext>
     </p:extLst>
   </p:cSld>
@@ -4915,7 +6212,7 @@
       </p:grpSpPr>
       <p:sp>
         <p:nvSpPr>
-          <p:cNvPr id="4" name="Title 3"/>
+          <p:cNvPr id="2" name="Title 1"/>
           <p:cNvSpPr>
             <a:spLocks noGrp="1"/>
           </p:cNvSpPr>
@@ -4925,42 +6222,19 @@
         </p:nvSpPr>
         <p:spPr>
           <a:xfrm>
-            <a:off x="1823310" y="374900"/>
-            <a:ext cx="7177135" cy="532180"/>
+            <a:off x="2209800" y="5791200"/>
+            <a:ext cx="6400800" cy="566738"/>
           </a:xfrm>
         </p:spPr>
         <p:txBody>
           <a:bodyPr>
-            <a:normAutofit fontScale="90000"/>
+            <a:normAutofit/>
           </a:bodyPr>
           <a:lstStyle/>
           <a:p>
             <a:r>
               <a:rPr lang="en-US" dirty="0" smtClean="0"/>
-              <a:t>Slide Title</a:t>
-            </a:r>
-            <a:endParaRPr lang="en-US" dirty="0"/>
-          </a:p>
-        </p:txBody>
-      </p:sp>
-      <p:sp>
-        <p:nvSpPr>
-          <p:cNvPr id="5" name="Text Placeholder 4"/>
-          <p:cNvSpPr>
-            <a:spLocks noGrp="1"/>
-          </p:cNvSpPr>
-          <p:nvPr>
-            <p:ph type="body" idx="1"/>
-          </p:nvPr>
-        </p:nvSpPr>
-        <p:spPr/>
-        <p:txBody>
-          <a:bodyPr/>
-          <a:lstStyle/>
-          <a:p>
-            <a:r>
-              <a:rPr lang="en-US" dirty="0" smtClean="0"/>
-              <a:t>Product A</a:t>
+              <a:t> The 4 bases are in between 3’ to 5’ and 5’ to 3’ by 2 in pair</a:t>
             </a:r>
             <a:endParaRPr lang="en-US" dirty="0"/>
           </a:p>
@@ -4968,19 +6242,17 @@
       </p:sp>
       <p:pic>
         <p:nvPicPr>
-          <p:cNvPr id="2" name="Content Placeholder 1"/>
+          <p:cNvPr id="3" name="Picture 2"/>
           <p:cNvPicPr>
-            <a:picLocks noGrp="1"/>
+            <a:picLocks noChangeAspect="1"/>
           </p:cNvPicPr>
-          <p:nvPr>
-            <p:ph sz="half" idx="2"/>
-          </p:nvPr>
+          <p:nvPr/>
         </p:nvPicPr>
         <p:blipFill>
           <a:blip r:embed="rId2">
             <a:extLst>
               <a:ext uri="{28A0092B-C50C-407E-A947-70E740481C1C}">
-                <a14:useLocalDpi xmlns:a14="http://schemas.microsoft.com/office/drawing/2010/main" val="0"/>
+                <a14:useLocalDpi xmlns:a14="http://schemas.microsoft.com/office/drawing/2010/main" xmlns="" val="0"/>
               </a:ext>
             </a:extLst>
           </a:blip>
@@ -4990,73 +6262,31 @@
         </p:blipFill>
         <p:spPr>
           <a:xfrm>
-            <a:off x="539496" y="2532888"/>
-            <a:ext cx="4041648" cy="3035808"/>
-          </a:xfrm>
-        </p:spPr>
-      </p:pic>
-      <p:sp>
-        <p:nvSpPr>
-          <p:cNvPr id="7" name="Text Placeholder 6"/>
-          <p:cNvSpPr>
-            <a:spLocks noGrp="1"/>
-          </p:cNvSpPr>
-          <p:nvPr>
-            <p:ph type="body" sz="quarter" idx="3"/>
-          </p:nvPr>
-        </p:nvSpPr>
-        <p:spPr/>
-        <p:txBody>
-          <a:bodyPr/>
-          <a:lstStyle/>
-          <a:p>
-            <a:r>
-              <a:rPr lang="en-US" smtClean="0"/>
-              <a:t>Product B</a:t>
-            </a:r>
-            <a:endParaRPr lang="en-US"/>
-          </a:p>
-        </p:txBody>
-      </p:sp>
-      <p:pic>
-        <p:nvPicPr>
-          <p:cNvPr id="9" name="Content Placeholder 8"/>
-          <p:cNvPicPr>
-            <a:picLocks noGrp="1" noChangeAspect="1"/>
-          </p:cNvPicPr>
-          <p:nvPr>
-            <p:ph sz="quarter" idx="4"/>
-          </p:nvPr>
-        </p:nvPicPr>
-        <p:blipFill>
-          <a:blip r:embed="rId3">
-            <a:extLst>
-              <a:ext uri="{28A0092B-C50C-407E-A947-70E740481C1C}">
-                <a14:useLocalDpi xmlns:a14="http://schemas.microsoft.com/office/drawing/2010/main" val="0"/>
-              </a:ext>
-            </a:extLst>
-          </a:blip>
-          <a:stretch>
-            <a:fillRect/>
-          </a:stretch>
-        </p:blipFill>
-        <p:spPr>
-          <a:xfrm>
-            <a:off x="4800600" y="2971800"/>
-            <a:ext cx="1860000" cy="2000000"/>
-          </a:xfrm>
+            <a:off x="2057400" y="1600200"/>
+            <a:ext cx="6705600" cy="3909060"/>
+          </a:xfrm>
+          <a:prstGeom prst="rect">
+            <a:avLst/>
+          </a:prstGeom>
         </p:spPr>
       </p:pic>
     </p:spTree>
     <p:extLst>
       <p:ext uri="{BB962C8B-B14F-4D97-AF65-F5344CB8AC3E}">
-        <p14:creationId xmlns:p14="http://schemas.microsoft.com/office/powerpoint/2010/main" val="3716113921"/>
+        <p14:creationId xmlns:p14="http://schemas.microsoft.com/office/powerpoint/2010/main" xmlns="" val="92091338"/>
       </p:ext>
     </p:extLst>
   </p:cSld>
   <p:clrMapOvr>
     <a:masterClrMapping/>
   </p:clrMapOvr>
+  <p:timing>
+    <p:tnLst>
+      <p:par>
+        <p:cTn id="1" dur="indefinite" restart="never" nodeType="tmRoot"/>
+      </p:par>
+    </p:tnLst>
+  </p:timing>
 </p:sld>
 </file>
 
@@ -5077,63 +6307,211 @@
           <a:chExt cx="0" cy="0"/>
         </a:xfrm>
       </p:grpSpPr>
-      <p:pic>
-        <p:nvPicPr>
-          <p:cNvPr id="1026" name="Picture 2" descr="http://images.slideplayer.com/25/8068889/slides/slide_2.jpg"/>
-          <p:cNvPicPr>
-            <a:picLocks noChangeAspect="1" noChangeArrowheads="1"/>
-          </p:cNvPicPr>
-          <p:nvPr/>
-        </p:nvPicPr>
-        <p:blipFill>
-          <a:blip r:embed="rId2">
-            <a:extLst>
-              <a:ext uri="{28A0092B-C50C-407E-A947-70E740481C1C}">
-                <a14:useLocalDpi xmlns:a14="http://schemas.microsoft.com/office/drawing/2010/main" val="0"/>
-              </a:ext>
-            </a:extLst>
-          </a:blip>
-          <a:srcRect/>
-          <a:stretch>
-            <a:fillRect/>
-          </a:stretch>
-        </p:blipFill>
-        <p:spPr bwMode="auto">
-          <a:xfrm>
-            <a:off x="1828800" y="914400"/>
-            <a:ext cx="7239000" cy="5638801"/>
-          </a:xfrm>
-          <a:prstGeom prst="rect">
-            <a:avLst/>
-          </a:prstGeom>
-          <a:noFill/>
-          <a:extLst>
-            <a:ext uri="{909E8E84-426E-40DD-AFC4-6F175D3DCCD1}">
-              <a14:hiddenFill xmlns:a14="http://schemas.microsoft.com/office/drawing/2010/main">
-                <a:solidFill>
-                  <a:srgbClr val="FFFFFF"/>
-                </a:solidFill>
-              </a14:hiddenFill>
-            </a:ext>
-          </a:extLst>
-        </p:spPr>
-      </p:pic>
+      <p:sp>
+        <p:nvSpPr>
+          <p:cNvPr id="4" name="Title 3"/>
+          <p:cNvSpPr>
+            <a:spLocks noGrp="1"/>
+          </p:cNvSpPr>
+          <p:nvPr>
+            <p:ph type="title"/>
+          </p:nvPr>
+        </p:nvSpPr>
+        <p:spPr>
+          <a:xfrm>
+            <a:off x="1823310" y="374900"/>
+            <a:ext cx="7177135" cy="532180"/>
+          </a:xfrm>
+        </p:spPr>
+        <p:txBody>
+          <a:bodyPr>
+            <a:normAutofit fontScale="90000"/>
+          </a:bodyPr>
+          <a:lstStyle/>
+          <a:p>
+            <a:r>
+              <a:rPr lang="en-US" dirty="0" smtClean="0"/>
+              <a:t>Overview</a:t>
+            </a:r>
+            <a:endParaRPr lang="en-US" dirty="0"/>
+          </a:p>
+        </p:txBody>
+      </p:sp>
+      <p:sp>
+        <p:nvSpPr>
+          <p:cNvPr id="5" name="Text Placeholder 4"/>
+          <p:cNvSpPr>
+            <a:spLocks noGrp="1"/>
+          </p:cNvSpPr>
+          <p:nvPr>
+            <p:ph type="body" idx="1"/>
+          </p:nvPr>
+        </p:nvSpPr>
+        <p:spPr/>
+        <p:txBody>
+          <a:bodyPr/>
+          <a:lstStyle/>
+          <a:p>
+            <a:r>
+              <a:rPr lang="en-US" dirty="0" smtClean="0"/>
+              <a:t>Our Concept on Ideas</a:t>
+            </a:r>
+            <a:endParaRPr lang="en-US" dirty="0"/>
+          </a:p>
+        </p:txBody>
+      </p:sp>
+      <p:sp>
+        <p:nvSpPr>
+          <p:cNvPr id="6" name="Content Placeholder 5"/>
+          <p:cNvSpPr>
+            <a:spLocks noGrp="1"/>
+          </p:cNvSpPr>
+          <p:nvPr>
+            <p:ph sz="half" idx="2"/>
+          </p:nvPr>
+        </p:nvSpPr>
+        <p:spPr/>
+        <p:txBody>
+          <a:bodyPr/>
+          <a:lstStyle/>
+          <a:p>
+            <a:r>
+              <a:rPr lang="en-US" dirty="0" smtClean="0"/>
+              <a:t>Objective to Solutions</a:t>
+            </a:r>
+            <a:endParaRPr lang="en-US" dirty="0" smtClean="0"/>
+          </a:p>
+          <a:p>
+            <a:r>
+              <a:rPr lang="en-US" dirty="0" smtClean="0"/>
+              <a:t>Maintain the Best</a:t>
+            </a:r>
+          </a:p>
+          <a:p>
+            <a:r>
+              <a:rPr lang="en-US" dirty="0" smtClean="0"/>
+              <a:t>Easiest to Replicate</a:t>
+            </a:r>
+          </a:p>
+          <a:p>
+            <a:r>
+              <a:rPr lang="en-US" dirty="0" smtClean="0"/>
+              <a:t>Adopt the </a:t>
+            </a:r>
+            <a:r>
+              <a:rPr lang="en-US" dirty="0" smtClean="0"/>
+              <a:t>Nature</a:t>
+            </a:r>
+            <a:endParaRPr lang="en-US" dirty="0" smtClean="0"/>
+          </a:p>
+        </p:txBody>
+      </p:sp>
+      <p:sp>
+        <p:nvSpPr>
+          <p:cNvPr id="7" name="Text Placeholder 6"/>
+          <p:cNvSpPr>
+            <a:spLocks noGrp="1"/>
+          </p:cNvSpPr>
+          <p:nvPr>
+            <p:ph type="body" sz="quarter" idx="3"/>
+          </p:nvPr>
+        </p:nvSpPr>
+        <p:spPr/>
+        <p:txBody>
+          <a:bodyPr/>
+          <a:lstStyle/>
+          <a:p>
+            <a:r>
+              <a:rPr lang="en-US" dirty="0" smtClean="0"/>
+              <a:t>Our Mapping Ideas</a:t>
+            </a:r>
+            <a:endParaRPr lang="en-US" dirty="0"/>
+          </a:p>
+        </p:txBody>
+      </p:sp>
+      <p:sp>
+        <p:nvSpPr>
+          <p:cNvPr id="8" name="Content Placeholder 7"/>
+          <p:cNvSpPr>
+            <a:spLocks noGrp="1"/>
+          </p:cNvSpPr>
+          <p:nvPr>
+            <p:ph sz="quarter" idx="4"/>
+          </p:nvPr>
+        </p:nvSpPr>
+        <p:spPr/>
+        <p:txBody>
+          <a:bodyPr/>
+          <a:lstStyle/>
+          <a:p>
+            <a:r>
+              <a:rPr lang="en-US" dirty="0" smtClean="0"/>
+              <a:t>2 (two) pairs</a:t>
+            </a:r>
+            <a:endParaRPr lang="en-US" dirty="0" smtClean="0"/>
+          </a:p>
+          <a:p>
+            <a:r>
+              <a:rPr lang="en-US" dirty="0" smtClean="0"/>
+              <a:t>3 (three) steps</a:t>
+            </a:r>
+          </a:p>
+          <a:p>
+            <a:r>
+              <a:rPr lang="en-US" dirty="0" smtClean="0"/>
+              <a:t>4 (four) bases</a:t>
+            </a:r>
+          </a:p>
+          <a:p>
+            <a:r>
+              <a:rPr lang="en-US" dirty="0" smtClean="0"/>
+              <a:t>5 (five) </a:t>
+            </a:r>
+            <a:r>
+              <a:rPr lang="en-US" dirty="0" smtClean="0"/>
+              <a:t>frames</a:t>
+            </a:r>
+            <a:endParaRPr lang="en-US" dirty="0" smtClean="0"/>
+          </a:p>
+        </p:txBody>
+      </p:sp>
     </p:spTree>
     <p:extLst>
       <p:ext uri="{BB962C8B-B14F-4D97-AF65-F5344CB8AC3E}">
-        <p14:creationId xmlns:p14="http://schemas.microsoft.com/office/powerpoint/2010/main" val="3606199004"/>
+        <p14:creationId xmlns:p14="http://schemas.microsoft.com/office/powerpoint/2010/main" xmlns="" val="1791936940"/>
       </p:ext>
     </p:extLst>
   </p:cSld>
   <p:clrMapOvr>
     <a:masterClrMapping/>
   </p:clrMapOvr>
+  <p:timing>
+    <p:tnLst>
+      <p:par>
+        <p:cTn id="1" dur="indefinite" restart="never" nodeType="tmRoot"/>
+      </p:par>
+    </p:tnLst>
+  </p:timing>
 </p:sld>
 </file>
 
 <file path=ppt/slides/slide22.xml><?xml version="1.0" encoding="utf-8"?>
 <p:sld xmlns:a="http://schemas.openxmlformats.org/drawingml/2006/main" xmlns:r="http://schemas.openxmlformats.org/officeDocument/2006/relationships" xmlns:p="http://schemas.openxmlformats.org/presentationml/2006/main">
   <p:cSld>
+    <p:bg>
+      <p:bgPr>
+        <a:blipFill dpi="0" rotWithShape="1">
+          <a:blip r:embed="rId2">
+            <a:lum/>
+          </a:blip>
+          <a:srcRect/>
+          <a:stretch>
+            <a:fillRect/>
+          </a:stretch>
+        </a:blipFill>
+        <a:effectLst/>
+      </p:bgPr>
+    </p:bg>
     <p:spTree>
       <p:nvGrpSpPr>
         <p:cNvPr id="1" name=""/>
@@ -5150,7 +6528,7 @@
       </p:grpSpPr>
       <p:sp>
         <p:nvSpPr>
-          <p:cNvPr id="2" name="Title 1"/>
+          <p:cNvPr id="4" name="Title 3"/>
           <p:cNvSpPr>
             <a:spLocks noGrp="1"/>
           </p:cNvSpPr>
@@ -5160,94 +6538,197 @@
         </p:nvSpPr>
         <p:spPr>
           <a:xfrm>
-            <a:off x="2209800" y="5791200"/>
-            <a:ext cx="6400800" cy="566738"/>
+            <a:off x="1984250" y="1443835"/>
+            <a:ext cx="7016195" cy="610820"/>
           </a:xfrm>
         </p:spPr>
         <p:txBody>
           <a:bodyPr>
-            <a:normAutofit/>
+            <a:normAutofit fontScale="90000"/>
           </a:bodyPr>
           <a:lstStyle/>
           <a:p>
             <a:r>
               <a:rPr lang="en-US" dirty="0" smtClean="0"/>
-              <a:t> </a:t>
-            </a:r>
-            <a:r>
-              <a:rPr lang="en-US" dirty="0" smtClean="0"/>
-              <a:t>The 4 bases are in between 3’ to 5’ and 5’ to 3’ by 2 in pair</a:t>
+              <a:t>Our Mapping </a:t>
+            </a:r>
+            <a:r>
+              <a:rPr lang="en-US" dirty="0" smtClean="0"/>
+              <a:t>R</a:t>
+            </a:r>
+            <a:r>
+              <a:rPr lang="en-US" dirty="0" smtClean="0"/>
+              <a:t>anges</a:t>
             </a:r>
             <a:endParaRPr lang="en-US" dirty="0"/>
           </a:p>
         </p:txBody>
       </p:sp>
-      <p:pic>
-        <p:nvPicPr>
-          <p:cNvPr id="31746" name="Picture 2" descr="Image result for mapping ideas"/>
-          <p:cNvPicPr>
-            <a:picLocks noChangeAspect="1" noChangeArrowheads="1"/>
-          </p:cNvPicPr>
-          <p:nvPr/>
-        </p:nvPicPr>
-        <p:blipFill>
-          <a:blip r:embed="rId2"/>
-          <a:srcRect/>
-          <a:stretch>
-            <a:fillRect/>
-          </a:stretch>
-        </p:blipFill>
-        <p:spPr bwMode="auto">
-          <a:xfrm>
-            <a:off x="155575" y="-876300"/>
-            <a:ext cx="2505075" cy="1828800"/>
-          </a:xfrm>
-          <a:prstGeom prst="rect">
-            <a:avLst/>
-          </a:prstGeom>
-          <a:noFill/>
-        </p:spPr>
-      </p:pic>
-      <p:pic>
-        <p:nvPicPr>
-          <p:cNvPr id="3" name="Picture 2"/>
-          <p:cNvPicPr>
-            <a:picLocks noChangeAspect="1"/>
-          </p:cNvPicPr>
-          <p:nvPr/>
-        </p:nvPicPr>
-        <p:blipFill>
-          <a:blip r:embed="rId3">
-            <a:extLst>
-              <a:ext uri="{28A0092B-C50C-407E-A947-70E740481C1C}">
-                <a14:useLocalDpi xmlns:a14="http://schemas.microsoft.com/office/drawing/2010/main" val="0"/>
-              </a:ext>
-            </a:extLst>
-          </a:blip>
-          <a:stretch>
-            <a:fillRect/>
-          </a:stretch>
-        </p:blipFill>
-        <p:spPr>
-          <a:xfrm>
-            <a:off x="2057400" y="1600200"/>
-            <a:ext cx="6705600" cy="3909060"/>
-          </a:xfrm>
-          <a:prstGeom prst="rect">
-            <a:avLst/>
-          </a:prstGeom>
-        </p:spPr>
-      </p:pic>
+      <p:sp>
+        <p:nvSpPr>
+          <p:cNvPr id="5" name="Content Placeholder 4"/>
+          <p:cNvSpPr>
+            <a:spLocks noGrp="1"/>
+          </p:cNvSpPr>
+          <p:nvPr>
+            <p:ph idx="1"/>
+          </p:nvPr>
+        </p:nvSpPr>
+        <p:spPr/>
+        <p:txBody>
+          <a:bodyPr>
+            <a:normAutofit lnSpcReduction="10000"/>
+          </a:bodyPr>
+          <a:lstStyle/>
+          <a:p>
+            <a:r>
+              <a:rPr lang="en-US" dirty="0" smtClean="0"/>
+              <a:t>Mapping </a:t>
+            </a:r>
+            <a:r>
+              <a:rPr lang="en-US" b="1" dirty="0" smtClean="0">
+                <a:solidFill>
+                  <a:srgbClr val="FF0000"/>
+                </a:solidFill>
+              </a:rPr>
+              <a:t>I</a:t>
+            </a:r>
+            <a:r>
+              <a:rPr lang="en-US" dirty="0" smtClean="0"/>
+              <a:t>deas</a:t>
+            </a:r>
+            <a:endParaRPr lang="en-US" dirty="0" smtClean="0"/>
+          </a:p>
+          <a:p>
+            <a:r>
+              <a:rPr lang="en-US" dirty="0" smtClean="0"/>
+              <a:t>Mapping </a:t>
+            </a:r>
+            <a:r>
+              <a:rPr lang="en-US" b="1" dirty="0" smtClean="0">
+                <a:solidFill>
+                  <a:srgbClr val="FF0000"/>
+                </a:solidFill>
+              </a:rPr>
+              <a:t>S</a:t>
+            </a:r>
+            <a:r>
+              <a:rPr lang="en-US" dirty="0" smtClean="0"/>
+              <a:t>olutions</a:t>
+            </a:r>
+            <a:endParaRPr lang="en-US" dirty="0" smtClean="0"/>
+          </a:p>
+          <a:p>
+            <a:r>
+              <a:rPr lang="en-US" dirty="0" smtClean="0"/>
+              <a:t>Mapping </a:t>
+            </a:r>
+            <a:r>
+              <a:rPr lang="en-US" b="1" dirty="0" smtClean="0">
+                <a:solidFill>
+                  <a:srgbClr val="FF0000"/>
+                </a:solidFill>
+              </a:rPr>
+              <a:t>O</a:t>
+            </a:r>
+            <a:r>
+              <a:rPr lang="en-US" dirty="0" smtClean="0"/>
+              <a:t>ut</a:t>
+            </a:r>
+            <a:endParaRPr lang="en-US" dirty="0" smtClean="0"/>
+          </a:p>
+          <a:p>
+            <a:r>
+              <a:rPr lang="en-US" dirty="0" smtClean="0"/>
+              <a:t>Mapping </a:t>
+            </a:r>
+            <a:r>
+              <a:rPr lang="en-US" b="1" dirty="0" smtClean="0">
+                <a:solidFill>
+                  <a:srgbClr val="FF0000"/>
+                </a:solidFill>
+              </a:rPr>
+              <a:t>G</a:t>
+            </a:r>
+            <a:r>
+              <a:rPr lang="en-US" dirty="0" smtClean="0"/>
+              <a:t>roup</a:t>
+            </a:r>
+          </a:p>
+          <a:p>
+            <a:r>
+              <a:rPr lang="en-US" dirty="0" smtClean="0"/>
+              <a:t>Mapping </a:t>
+            </a:r>
+            <a:r>
+              <a:rPr lang="en-US" b="1" dirty="0" smtClean="0">
+                <a:solidFill>
+                  <a:srgbClr val="FF0000"/>
+                </a:solidFill>
+              </a:rPr>
+              <a:t>R</a:t>
+            </a:r>
+            <a:r>
+              <a:rPr lang="en-US" dirty="0" smtClean="0"/>
+              <a:t>elations</a:t>
+            </a:r>
+          </a:p>
+          <a:p>
+            <a:r>
+              <a:rPr lang="en-US" dirty="0" smtClean="0"/>
+              <a:t>Mapping </a:t>
+            </a:r>
+            <a:r>
+              <a:rPr lang="en-US" b="1" dirty="0" smtClean="0">
+                <a:solidFill>
+                  <a:srgbClr val="FF0000"/>
+                </a:solidFill>
+              </a:rPr>
+              <a:t>A</a:t>
+            </a:r>
+            <a:r>
+              <a:rPr lang="en-US" dirty="0" smtClean="0"/>
+              <a:t>ctivities</a:t>
+            </a:r>
+          </a:p>
+          <a:p>
+            <a:r>
+              <a:rPr lang="en-US" dirty="0" smtClean="0"/>
+              <a:t>Mapping </a:t>
+            </a:r>
+            <a:r>
+              <a:rPr lang="en-US" b="1" dirty="0" smtClean="0">
+                <a:solidFill>
+                  <a:srgbClr val="FF0000"/>
+                </a:solidFill>
+              </a:rPr>
+              <a:t>M</a:t>
+            </a:r>
+            <a:r>
+              <a:rPr lang="en-US" dirty="0" smtClean="0"/>
+              <a:t>aps </a:t>
+            </a:r>
+            <a:endParaRPr lang="en-US" dirty="0" smtClean="0"/>
+          </a:p>
+        </p:txBody>
+      </p:sp>
     </p:spTree>
     <p:extLst>
       <p:ext uri="{BB962C8B-B14F-4D97-AF65-F5344CB8AC3E}">
-        <p14:creationId xmlns:p14="http://schemas.microsoft.com/office/powerpoint/2010/main" val="92091338"/>
+        <p14:creationId xmlns:p14="http://schemas.microsoft.com/office/powerpoint/2010/main" xmlns="" val="1101633878"/>
       </p:ext>
     </p:extLst>
   </p:cSld>
   <p:clrMapOvr>
     <a:masterClrMapping/>
   </p:clrMapOvr>
+  <p:timing>
+    <p:tnLst>
+      <p:par>
+        <p:cTn id="1" dur="indefinite" restart="never" nodeType="tmRoot"/>
+      </p:par>
+    </p:tnLst>
+  </p:timing>
 </p:sld>
 </file>
 
@@ -5270,137 +6751,6 @@
       </p:grpSpPr>
       <p:sp>
         <p:nvSpPr>
-          <p:cNvPr id="2" name="Title 1"/>
-          <p:cNvSpPr>
-            <a:spLocks noGrp="1"/>
-          </p:cNvSpPr>
-          <p:nvPr>
-            <p:ph type="title"/>
-          </p:nvPr>
-        </p:nvSpPr>
-        <p:spPr>
-          <a:xfrm>
-            <a:off x="2895600" y="5867400"/>
-            <a:ext cx="4210050" cy="566738"/>
-          </a:xfrm>
-        </p:spPr>
-        <p:txBody>
-          <a:bodyPr>
-            <a:normAutofit/>
-          </a:bodyPr>
-          <a:lstStyle/>
-          <a:p>
-            <a:r>
-              <a:rPr lang="en-US" dirty="0" smtClean="0"/>
-              <a:t> </a:t>
-            </a:r>
-            <a:r>
-              <a:rPr lang="en-US" dirty="0" smtClean="0"/>
-              <a:t>The 4 bases are identical by 2 in pair</a:t>
-            </a:r>
-            <a:endParaRPr lang="en-US" dirty="0"/>
-          </a:p>
-        </p:txBody>
-      </p:sp>
-      <p:pic>
-        <p:nvPicPr>
-          <p:cNvPr id="31746" name="Picture 2" descr="Image result for mapping ideas"/>
-          <p:cNvPicPr>
-            <a:picLocks noChangeAspect="1" noChangeArrowheads="1"/>
-          </p:cNvPicPr>
-          <p:nvPr/>
-        </p:nvPicPr>
-        <p:blipFill>
-          <a:blip r:embed="rId2"/>
-          <a:srcRect/>
-          <a:stretch>
-            <a:fillRect/>
-          </a:stretch>
-        </p:blipFill>
-        <p:spPr bwMode="auto">
-          <a:xfrm>
-            <a:off x="155575" y="-876300"/>
-            <a:ext cx="2505075" cy="1828800"/>
-          </a:xfrm>
-          <a:prstGeom prst="rect">
-            <a:avLst/>
-          </a:prstGeom>
-          <a:noFill/>
-        </p:spPr>
-      </p:pic>
-      <p:pic>
-        <p:nvPicPr>
-          <p:cNvPr id="2050" name="Picture 2" descr="http://www.councilforresponsiblegenetics.org/geneticprivacy/images/c16x6base-pairs.png"/>
-          <p:cNvPicPr>
-            <a:picLocks noChangeAspect="1" noChangeArrowheads="1"/>
-          </p:cNvPicPr>
-          <p:nvPr/>
-        </p:nvPicPr>
-        <p:blipFill>
-          <a:blip r:embed="rId3">
-            <a:extLst>
-              <a:ext uri="{28A0092B-C50C-407E-A947-70E740481C1C}">
-                <a14:useLocalDpi xmlns:a14="http://schemas.microsoft.com/office/drawing/2010/main" val="0"/>
-              </a:ext>
-            </a:extLst>
-          </a:blip>
-          <a:srcRect/>
-          <a:stretch>
-            <a:fillRect/>
-          </a:stretch>
-        </p:blipFill>
-        <p:spPr bwMode="auto">
-          <a:xfrm>
-            <a:off x="3581400" y="1524000"/>
-            <a:ext cx="2838450" cy="3933826"/>
-          </a:xfrm>
-          <a:prstGeom prst="rect">
-            <a:avLst/>
-          </a:prstGeom>
-          <a:noFill/>
-          <a:extLst>
-            <a:ext uri="{909E8E84-426E-40DD-AFC4-6F175D3DCCD1}">
-              <a14:hiddenFill xmlns:a14="http://schemas.microsoft.com/office/drawing/2010/main">
-                <a:solidFill>
-                  <a:srgbClr val="FFFFFF"/>
-                </a:solidFill>
-              </a14:hiddenFill>
-            </a:ext>
-          </a:extLst>
-        </p:spPr>
-      </p:pic>
-    </p:spTree>
-    <p:extLst>
-      <p:ext uri="{BB962C8B-B14F-4D97-AF65-F5344CB8AC3E}">
-        <p14:creationId xmlns:p14="http://schemas.microsoft.com/office/powerpoint/2010/main" val="4078963133"/>
-      </p:ext>
-    </p:extLst>
-  </p:cSld>
-  <p:clrMapOvr>
-    <a:masterClrMapping/>
-  </p:clrMapOvr>
-</p:sld>
-</file>
-
-<file path=ppt/slides/slide24.xml><?xml version="1.0" encoding="utf-8"?>
-<p:sld xmlns:a="http://schemas.openxmlformats.org/drawingml/2006/main" xmlns:r="http://schemas.openxmlformats.org/officeDocument/2006/relationships" xmlns:p="http://schemas.openxmlformats.org/presentationml/2006/main">
-  <p:cSld>
-    <p:spTree>
-      <p:nvGrpSpPr>
-        <p:cNvPr id="1" name=""/>
-        <p:cNvGrpSpPr/>
-        <p:nvPr/>
-      </p:nvGrpSpPr>
-      <p:grpSpPr>
-        <a:xfrm>
-          <a:off x="0" y="0"/>
-          <a:ext cx="0" cy="0"/>
-          <a:chOff x="0" y="0"/>
-          <a:chExt cx="0" cy="0"/>
-        </a:xfrm>
-      </p:grpSpPr>
-      <p:sp>
-        <p:nvSpPr>
           <p:cNvPr id="4" name="Title 3"/>
           <p:cNvSpPr>
             <a:spLocks noGrp="1"/>
@@ -5423,7 +6773,7 @@
           <a:p>
             <a:r>
               <a:rPr lang="en-US" dirty="0" smtClean="0"/>
-              <a:t>Slide Title</a:t>
+              <a:t>Our Next Mapping</a:t>
             </a:r>
             <a:endParaRPr lang="en-US" dirty="0"/>
           </a:p>
@@ -5439,14 +6789,19 @@
             <p:ph type="body" idx="1"/>
           </p:nvPr>
         </p:nvSpPr>
-        <p:spPr/>
+        <p:spPr>
+          <a:xfrm>
+            <a:off x="2514600" y="1752600"/>
+            <a:ext cx="2739720" cy="639762"/>
+          </a:xfrm>
+        </p:spPr>
         <p:txBody>
           <a:bodyPr/>
           <a:lstStyle/>
           <a:p>
             <a:r>
               <a:rPr lang="en-US" dirty="0" smtClean="0"/>
-              <a:t>Product A</a:t>
+              <a:t>Mapping Solutions</a:t>
             </a:r>
             <a:endParaRPr lang="en-US" dirty="0"/>
           </a:p>
@@ -5466,7 +6821,7 @@
           <a:blip r:embed="rId2">
             <a:extLst>
               <a:ext uri="{28A0092B-C50C-407E-A947-70E740481C1C}">
-                <a14:useLocalDpi xmlns:a14="http://schemas.microsoft.com/office/drawing/2010/main" val="0"/>
+                <a14:useLocalDpi xmlns:a14="http://schemas.microsoft.com/office/drawing/2010/main" xmlns="" val="0"/>
               </a:ext>
             </a:extLst>
           </a:blip>
@@ -5476,7 +6831,7 @@
         </p:blipFill>
         <p:spPr>
           <a:xfrm>
-            <a:off x="539496" y="2532888"/>
+            <a:off x="2057400" y="2743200"/>
             <a:ext cx="4041648" cy="3035808"/>
           </a:xfrm>
         </p:spPr>
@@ -5491,34 +6846,40 @@
             <p:ph type="body" sz="quarter" idx="3"/>
           </p:nvPr>
         </p:nvSpPr>
-        <p:spPr/>
+        <p:spPr>
+          <a:xfrm>
+            <a:off x="6248400" y="1828800"/>
+            <a:ext cx="2594280" cy="639762"/>
+          </a:xfrm>
+        </p:spPr>
         <p:txBody>
           <a:bodyPr/>
           <a:lstStyle/>
           <a:p>
-            <a:r>
-              <a:rPr lang="en-US" smtClean="0"/>
-              <a:t>Product B</a:t>
-            </a:r>
-            <a:endParaRPr lang="en-US"/>
+            <a:pPr algn="ctr"/>
+            <a:r>
+              <a:rPr lang="en-US" dirty="0" smtClean="0"/>
+              <a:t>Mapping Out</a:t>
+            </a:r>
+            <a:endParaRPr lang="en-US" dirty="0"/>
           </a:p>
         </p:txBody>
       </p:sp>
       <p:pic>
         <p:nvPicPr>
-          <p:cNvPr id="3" name="Content Placeholder 2"/>
+          <p:cNvPr id="9" name="Content Placeholder 8"/>
           <p:cNvPicPr>
-            <a:picLocks noGrp="1"/>
+            <a:picLocks noGrp="1" noChangeAspect="1"/>
           </p:cNvPicPr>
           <p:nvPr>
             <p:ph sz="quarter" idx="4"/>
           </p:nvPr>
         </p:nvPicPr>
         <p:blipFill>
-          <a:blip r:embed="rId3" cstate="print">
+          <a:blip r:embed="rId3">
             <a:extLst>
               <a:ext uri="{28A0092B-C50C-407E-A947-70E740481C1C}">
-                <a14:useLocalDpi xmlns:a14="http://schemas.microsoft.com/office/drawing/2010/main" val="0"/>
+                <a14:useLocalDpi xmlns:a14="http://schemas.microsoft.com/office/drawing/2010/main" xmlns="" val="0"/>
               </a:ext>
             </a:extLst>
           </a:blip>
@@ -5528,197 +6889,108 @@
         </p:blipFill>
         <p:spPr>
           <a:xfrm>
-            <a:off x="4724400" y="2532888"/>
-            <a:ext cx="4041775" cy="3035808"/>
+            <a:off x="6705600" y="2895600"/>
+            <a:ext cx="1860000" cy="2000000"/>
           </a:xfrm>
         </p:spPr>
       </p:pic>
+      <p:sp>
+        <p:nvSpPr>
+          <p:cNvPr id="8" name="Title 1"/>
+          <p:cNvSpPr txBox="1">
+            <a:spLocks/>
+          </p:cNvSpPr>
+          <p:nvPr/>
+        </p:nvSpPr>
+        <p:spPr>
+          <a:xfrm>
+            <a:off x="2133600" y="6019800"/>
+            <a:ext cx="6019800" cy="685800"/>
+          </a:xfrm>
+          <a:prstGeom prst="rect">
+            <a:avLst/>
+          </a:prstGeom>
+        </p:spPr>
+        <p:txBody>
+          <a:bodyPr vert="horz" lIns="91440" tIns="45720" rIns="91440" bIns="45720" rtlCol="0" anchor="ctr">
+            <a:noAutofit/>
+          </a:bodyPr>
+          <a:lstStyle/>
+          <a:p>
+            <a:pPr marL="0" marR="0" lvl="0" indent="0" algn="l" defTabSz="914400" rtl="0" eaLnBrk="1" fontAlgn="auto" latinLnBrk="0" hangingPunct="1">
+              <a:lnSpc>
+                <a:spcPct val="100000"/>
+              </a:lnSpc>
+              <a:spcBef>
+                <a:spcPct val="0"/>
+              </a:spcBef>
+              <a:spcAft>
+                <a:spcPts val="0"/>
+              </a:spcAft>
+              <a:buClrTx/>
+              <a:buSzTx/>
+              <a:buFontTx/>
+              <a:buNone/>
+              <a:tabLst/>
+              <a:defRPr/>
+            </a:pPr>
+            <a:r>
+              <a:rPr kumimoji="0" lang="en-US" sz="3200" b="1" i="0" u="none" strike="noStrike" kern="1200" cap="none" spc="0" normalizeH="0" baseline="0" noProof="0" dirty="0" smtClean="0">
+                <a:ln>
+                  <a:noFill/>
+                </a:ln>
+                <a:solidFill>
+                  <a:schemeClr val="accent1">
+                    <a:lumMod val="60000"/>
+                    <a:lumOff val="40000"/>
+                  </a:schemeClr>
+                </a:solidFill>
+                <a:effectLst/>
+                <a:uLnTx/>
+                <a:uFillTx/>
+                <a:latin typeface="+mj-lt"/>
+                <a:ea typeface="+mj-ea"/>
+                <a:cs typeface="+mj-cs"/>
+              </a:rPr>
+              <a:t>See you on our next mapping.. </a:t>
+            </a:r>
+            <a:endParaRPr kumimoji="0" lang="en-US" sz="3200" b="1" i="0" u="none" strike="noStrike" kern="1200" cap="none" spc="0" normalizeH="0" baseline="0" noProof="0" dirty="0">
+              <a:ln>
+                <a:noFill/>
+              </a:ln>
+              <a:solidFill>
+                <a:schemeClr val="accent1">
+                  <a:lumMod val="60000"/>
+                  <a:lumOff val="40000"/>
+                </a:schemeClr>
+              </a:solidFill>
+              <a:effectLst/>
+              <a:uLnTx/>
+              <a:uFillTx/>
+              <a:latin typeface="+mj-lt"/>
+              <a:ea typeface="+mj-ea"/>
+              <a:cs typeface="+mj-cs"/>
+            </a:endParaRPr>
+          </a:p>
+        </p:txBody>
+      </p:sp>
     </p:spTree>
     <p:extLst>
       <p:ext uri="{BB962C8B-B14F-4D97-AF65-F5344CB8AC3E}">
-        <p14:creationId xmlns:p14="http://schemas.microsoft.com/office/powerpoint/2010/main" val="1679414494"/>
+        <p14:creationId xmlns:p14="http://schemas.microsoft.com/office/powerpoint/2010/main" xmlns="" val="3716113921"/>
       </p:ext>
     </p:extLst>
   </p:cSld>
   <p:clrMapOvr>
     <a:masterClrMapping/>
   </p:clrMapOvr>
-</p:sld>
-</file>
-
-<file path=ppt/slides/slide25.xml><?xml version="1.0" encoding="utf-8"?>
-<p:sld xmlns:a="http://schemas.openxmlformats.org/drawingml/2006/main" xmlns:r="http://schemas.openxmlformats.org/officeDocument/2006/relationships" xmlns:p="http://schemas.openxmlformats.org/presentationml/2006/main">
-  <p:cSld>
-    <p:spTree>
-      <p:nvGrpSpPr>
-        <p:cNvPr id="1" name=""/>
-        <p:cNvGrpSpPr/>
-        <p:nvPr/>
-      </p:nvGrpSpPr>
-      <p:grpSpPr>
-        <a:xfrm>
-          <a:off x="0" y="0"/>
-          <a:ext cx="0" cy="0"/>
-          <a:chOff x="0" y="0"/>
-          <a:chExt cx="0" cy="0"/>
-        </a:xfrm>
-      </p:grpSpPr>
-      <p:sp>
-        <p:nvSpPr>
-          <p:cNvPr id="4" name="Title 3"/>
-          <p:cNvSpPr>
-            <a:spLocks noGrp="1"/>
-          </p:cNvSpPr>
-          <p:nvPr>
-            <p:ph type="title"/>
-          </p:nvPr>
-        </p:nvSpPr>
-        <p:spPr>
-          <a:xfrm>
-            <a:off x="1823310" y="374900"/>
-            <a:ext cx="7177135" cy="532180"/>
-          </a:xfrm>
-        </p:spPr>
-        <p:txBody>
-          <a:bodyPr>
-            <a:normAutofit fontScale="90000"/>
-          </a:bodyPr>
-          <a:lstStyle/>
-          <a:p>
-            <a:r>
-              <a:rPr lang="en-US" dirty="0" smtClean="0"/>
-              <a:t>Slide Title</a:t>
-            </a:r>
-            <a:endParaRPr lang="en-US" dirty="0"/>
-          </a:p>
-        </p:txBody>
-      </p:sp>
-      <p:sp>
-        <p:nvSpPr>
-          <p:cNvPr id="5" name="Text Placeholder 4"/>
-          <p:cNvSpPr>
-            <a:spLocks noGrp="1"/>
-          </p:cNvSpPr>
-          <p:nvPr>
-            <p:ph type="body" idx="1"/>
-          </p:nvPr>
-        </p:nvSpPr>
-        <p:spPr/>
-        <p:txBody>
-          <a:bodyPr/>
-          <a:lstStyle/>
-          <a:p>
-            <a:r>
-              <a:rPr lang="en-US" smtClean="0"/>
-              <a:t>Product A</a:t>
-            </a:r>
-            <a:endParaRPr lang="en-US"/>
-          </a:p>
-        </p:txBody>
-      </p:sp>
-      <p:sp>
-        <p:nvSpPr>
-          <p:cNvPr id="6" name="Content Placeholder 5"/>
-          <p:cNvSpPr>
-            <a:spLocks noGrp="1"/>
-          </p:cNvSpPr>
-          <p:nvPr>
-            <p:ph sz="half" idx="2"/>
-          </p:nvPr>
-        </p:nvSpPr>
-        <p:spPr/>
-        <p:txBody>
-          <a:bodyPr/>
-          <a:lstStyle/>
-          <a:p>
-            <a:r>
-              <a:rPr lang="en-US" dirty="0" smtClean="0"/>
-              <a:t>Feature 1</a:t>
-            </a:r>
-          </a:p>
-          <a:p>
-            <a:r>
-              <a:rPr lang="en-US" dirty="0" smtClean="0"/>
-              <a:t>Feature 2</a:t>
-            </a:r>
-          </a:p>
-          <a:p>
-            <a:r>
-              <a:rPr lang="en-US" dirty="0" smtClean="0"/>
-              <a:t>Feature 3</a:t>
-            </a:r>
-            <a:endParaRPr lang="en-US" dirty="0"/>
-          </a:p>
-        </p:txBody>
-      </p:sp>
-      <p:sp>
-        <p:nvSpPr>
-          <p:cNvPr id="7" name="Text Placeholder 6"/>
-          <p:cNvSpPr>
-            <a:spLocks noGrp="1"/>
-          </p:cNvSpPr>
-          <p:nvPr>
-            <p:ph type="body" sz="quarter" idx="3"/>
-          </p:nvPr>
-        </p:nvSpPr>
-        <p:spPr/>
-        <p:txBody>
-          <a:bodyPr/>
-          <a:lstStyle/>
-          <a:p>
-            <a:r>
-              <a:rPr lang="en-US" smtClean="0"/>
-              <a:t>Product B</a:t>
-            </a:r>
-            <a:endParaRPr lang="en-US"/>
-          </a:p>
-        </p:txBody>
-      </p:sp>
-      <p:sp>
-        <p:nvSpPr>
-          <p:cNvPr id="8" name="Content Placeholder 7"/>
-          <p:cNvSpPr>
-            <a:spLocks noGrp="1"/>
-          </p:cNvSpPr>
-          <p:nvPr>
-            <p:ph sz="quarter" idx="4"/>
-          </p:nvPr>
-        </p:nvSpPr>
-        <p:spPr/>
-        <p:txBody>
-          <a:bodyPr/>
-          <a:lstStyle/>
-          <a:p>
-            <a:r>
-              <a:rPr lang="en-US" dirty="0" smtClean="0"/>
-              <a:t>Feature 1</a:t>
-            </a:r>
-          </a:p>
-          <a:p>
-            <a:r>
-              <a:rPr lang="en-US" dirty="0" smtClean="0"/>
-              <a:t>Feature 2</a:t>
-            </a:r>
-          </a:p>
-          <a:p>
-            <a:r>
-              <a:rPr lang="en-US" dirty="0" smtClean="0"/>
-              <a:t>Feature 3</a:t>
-            </a:r>
-            <a:endParaRPr lang="en-US" dirty="0"/>
-          </a:p>
-        </p:txBody>
-      </p:sp>
-    </p:spTree>
-    <p:extLst>
-      <p:ext uri="{BB962C8B-B14F-4D97-AF65-F5344CB8AC3E}">
-        <p14:creationId xmlns:p14="http://schemas.microsoft.com/office/powerpoint/2010/main" val="1791936940"/>
-      </p:ext>
-    </p:extLst>
-  </p:cSld>
-  <p:clrMapOvr>
-    <a:masterClrMapping/>
-  </p:clrMapOvr>
+  <p:timing>
+    <p:tnLst>
+      <p:par>
+        <p:cTn id="1" dur="indefinite" restart="never" nodeType="tmRoot"/>
+      </p:par>
+    </p:tnLst>
+  </p:timing>
 </p:sld>
 </file>
 
@@ -5751,126 +7023,100 @@
         </p:nvSpPr>
         <p:spPr>
           <a:xfrm>
-            <a:off x="3505200" y="5943600"/>
-            <a:ext cx="3733800" cy="533400"/>
+            <a:off x="1823310" y="374900"/>
+            <a:ext cx="7092090" cy="532180"/>
           </a:xfrm>
         </p:spPr>
         <p:txBody>
           <a:bodyPr>
-            <a:normAutofit/>
+            <a:normAutofit fontScale="90000"/>
           </a:bodyPr>
           <a:lstStyle/>
           <a:p>
             <a:r>
-              <a:rPr lang="en-US" sz="2400" dirty="0" smtClean="0">
-                <a:solidFill>
-                  <a:srgbClr val="D68B1C"/>
-                </a:solidFill>
-                <a:latin typeface="Roboto Light" panose="02000000000000000000" pitchFamily="2" charset="0"/>
-                <a:ea typeface="Roboto Light" panose="02000000000000000000" pitchFamily="2" charset="0"/>
-              </a:rPr>
+              <a:rPr lang="en-US" dirty="0" smtClean="0"/>
+              <a:t>Definition on Wikipedia</a:t>
+            </a:r>
+            <a:endParaRPr lang="en-US" dirty="0"/>
+          </a:p>
+        </p:txBody>
+      </p:sp>
+      <p:sp>
+        <p:nvSpPr>
+          <p:cNvPr id="3" name="Content Placeholder 2"/>
+          <p:cNvSpPr>
+            <a:spLocks noGrp="1"/>
+          </p:cNvSpPr>
+          <p:nvPr>
+            <p:ph idx="1"/>
+          </p:nvPr>
+        </p:nvSpPr>
+        <p:spPr/>
+        <p:txBody>
+          <a:bodyPr/>
+          <a:lstStyle/>
+          <a:p>
+            <a:r>
+              <a:rPr lang="en-US" dirty="0" smtClean="0"/>
+              <a:t>A </a:t>
+            </a:r>
+            <a:r>
+              <a:rPr lang="en-US" dirty="0"/>
+              <a:t>concept map or conceptual diagram is a diagram that depicts suggested relationships between </a:t>
+            </a:r>
+            <a:r>
+              <a:rPr lang="en-US" dirty="0" smtClean="0"/>
+              <a:t>concepts. It is a graphical tool that instructional designers, engineers, technical writers, and others use </a:t>
+            </a:r>
+            <a:r>
+              <a:rPr lang="en-US" dirty="0"/>
+              <a:t>“</a:t>
+            </a:r>
+            <a:r>
+              <a:rPr lang="en-US" dirty="0" smtClean="0"/>
+              <a:t>to organize and structure knowledge”.</a:t>
+            </a:r>
+          </a:p>
+          <a:p>
+            <a:r>
+              <a:rPr lang="en-US" dirty="0"/>
+              <a:t>Mind mapping is one of the best ways to capture your thoughts and bring them to life in visual </a:t>
+            </a:r>
+            <a:r>
+              <a:rPr lang="en-US" dirty="0" smtClean="0"/>
+              <a:t>form</a:t>
+            </a:r>
+            <a:r>
+              <a:rPr lang="en-US" dirty="0"/>
+              <a:t> </a:t>
+            </a:r>
+            <a:r>
+              <a:rPr lang="en-US" dirty="0" smtClean="0"/>
+              <a:t>(“maps out”).</a:t>
+            </a:r>
+          </a:p>
+          <a:p>
+            <a:r>
+              <a:rPr lang="en-US" dirty="0" smtClean="0"/>
               <a:t>Definition </a:t>
             </a:r>
             <a:r>
-              <a:rPr lang="en-US" sz="2400" dirty="0" smtClean="0">
-                <a:solidFill>
-                  <a:srgbClr val="D68B1C"/>
-                </a:solidFill>
-                <a:latin typeface="Roboto Light" panose="02000000000000000000" pitchFamily="2" charset="0"/>
-                <a:ea typeface="Roboto Light" panose="02000000000000000000" pitchFamily="2" charset="0"/>
-              </a:rPr>
-              <a:t>range of </a:t>
-            </a:r>
-            <a:r>
-              <a:rPr lang="en-US" sz="2400" dirty="0" smtClean="0">
-                <a:solidFill>
-                  <a:srgbClr val="D68B1C"/>
-                </a:solidFill>
-                <a:latin typeface="Roboto Light" panose="02000000000000000000" pitchFamily="2" charset="0"/>
-                <a:ea typeface="Roboto Light" panose="02000000000000000000" pitchFamily="2" charset="0"/>
-              </a:rPr>
-              <a:t>ideas</a:t>
-            </a:r>
-            <a:endParaRPr lang="en-US" sz="2400" dirty="0">
-              <a:solidFill>
-                <a:srgbClr val="D68B1C"/>
-              </a:solidFill>
-              <a:latin typeface="Roboto Light" panose="02000000000000000000" pitchFamily="2" charset="0"/>
-              <a:ea typeface="Roboto Light" panose="02000000000000000000" pitchFamily="2" charset="0"/>
-            </a:endParaRPr>
-          </a:p>
-        </p:txBody>
-      </p:sp>
-      <p:pic>
-        <p:nvPicPr>
-          <p:cNvPr id="7" name="Picture Placeholder 6" descr="idea.png"/>
-          <p:cNvPicPr>
-            <a:picLocks noGrp="1" noChangeAspect="1"/>
-          </p:cNvPicPr>
-          <p:nvPr>
-            <p:ph type="pic" idx="1"/>
-          </p:nvPr>
-        </p:nvPicPr>
-        <p:blipFill>
-          <a:blip r:embed="rId2"/>
-          <a:srcRect l="64" r="64"/>
-          <a:stretch>
-            <a:fillRect/>
-          </a:stretch>
-        </p:blipFill>
-        <p:spPr>
-          <a:xfrm>
-            <a:off x="2057400" y="1447800"/>
-            <a:ext cx="6781800" cy="4572000"/>
-          </a:xfrm>
-        </p:spPr>
-      </p:pic>
-      <p:sp>
-        <p:nvSpPr>
-          <p:cNvPr id="12" name="Title 1"/>
-          <p:cNvSpPr>
-            <a:spLocks noGrp="1"/>
-          </p:cNvSpPr>
-          <p:nvPr/>
-        </p:nvSpPr>
-        <p:spPr>
-          <a:xfrm>
-            <a:off x="1828800" y="304800"/>
-            <a:ext cx="7092090" cy="532180"/>
-          </a:xfrm>
-          <a:prstGeom prst="rect">
-            <a:avLst/>
-          </a:prstGeom>
-        </p:spPr>
-        <p:txBody>
-          <a:bodyPr vert="horz" lIns="91440" tIns="45720" rIns="91440" bIns="45720" rtlCol="0" anchor="ctr">
-            <a:normAutofit fontScale="90000" lnSpcReduction="10000"/>
-          </a:bodyPr>
-          <a:lstStyle>
-            <a:lvl1pPr algn="l" defTabSz="914400" rtl="0" eaLnBrk="1" latinLnBrk="0" hangingPunct="1">
-              <a:spcBef>
-                <a:spcPct val="0"/>
-              </a:spcBef>
-              <a:buNone/>
-              <a:defRPr sz="3600" kern="1200">
-                <a:solidFill>
-                  <a:srgbClr val="FFFF00"/>
-                </a:solidFill>
-                <a:latin typeface="+mj-lt"/>
-                <a:ea typeface="+mj-ea"/>
-                <a:cs typeface="+mj-cs"/>
-              </a:defRPr>
-            </a:lvl1pPr>
-          </a:lstStyle>
-          <a:p>
-            <a:r>
-              <a:rPr lang="en-US" dirty="0" smtClean="0"/>
-              <a:t>Definition </a:t>
-            </a:r>
-            <a:r>
-              <a:rPr lang="en-US" dirty="0" smtClean="0"/>
-              <a:t>in General</a:t>
-            </a:r>
+              <a:rPr lang="en-US" dirty="0"/>
+              <a:t>of our Mapping </a:t>
+            </a:r>
+            <a:r>
+              <a:rPr lang="en-US" dirty="0" smtClean="0"/>
+              <a:t>Ideas </a:t>
+            </a:r>
+            <a:r>
+              <a:rPr lang="en-US" dirty="0"/>
+              <a:t>is closer to Concept Map rather than Mind Mapping</a:t>
+            </a:r>
+          </a:p>
+          <a:p>
+            <a:endParaRPr lang="en-US" dirty="0" smtClean="0"/>
+          </a:p>
+          <a:p>
             <a:endParaRPr lang="en-US" dirty="0"/>
           </a:p>
         </p:txBody>
@@ -5878,7 +7124,7 @@
     </p:spTree>
     <p:extLst>
       <p:ext uri="{BB962C8B-B14F-4D97-AF65-F5344CB8AC3E}">
-        <p14:creationId xmlns:p14="http://schemas.microsoft.com/office/powerpoint/2010/main" val="4103309497"/>
+        <p14:creationId xmlns:p14="http://schemas.microsoft.com/office/powerpoint/2010/main" xmlns="" val="4103309497"/>
       </p:ext>
     </p:extLst>
   </p:cSld>
@@ -5924,55 +7170,39 @@
         </p:nvSpPr>
         <p:spPr>
           <a:xfrm>
-            <a:off x="2133600" y="6019800"/>
-            <a:ext cx="6629400" cy="566738"/>
+            <a:off x="1676400" y="6096000"/>
+            <a:ext cx="8305800" cy="566738"/>
           </a:xfrm>
         </p:spPr>
         <p:txBody>
           <a:bodyPr>
-            <a:normAutofit/>
+            <a:noAutofit/>
           </a:bodyPr>
           <a:lstStyle/>
           <a:p>
             <a:r>
-              <a:rPr lang="en-US" dirty="0" smtClean="0"/>
-              <a:t>Ideas has many sub-idea. From where you should start?</a:t>
-            </a:r>
-            <a:endParaRPr lang="en-US" dirty="0"/>
-          </a:p>
-        </p:txBody>
-      </p:sp>
-      <p:sp>
-        <p:nvSpPr>
-          <p:cNvPr id="3" name="Content Placeholder 2"/>
-          <p:cNvSpPr>
-            <a:spLocks noGrp="1"/>
-          </p:cNvSpPr>
-          <p:nvPr>
-            <p:ph type="body" sz="half" idx="2"/>
-          </p:nvPr>
-        </p:nvSpPr>
-        <p:spPr/>
-        <p:txBody>
-          <a:bodyPr/>
-          <a:lstStyle/>
-          <a:p>
-            <a:endParaRPr lang="en-US" dirty="0" smtClean="0"/>
-          </a:p>
-          <a:p>
-            <a:endParaRPr lang="en-US" dirty="0"/>
+              <a:rPr lang="en-US" sz="3200" dirty="0" smtClean="0">
+                <a:solidFill>
+                  <a:srgbClr val="705532"/>
+                </a:solidFill>
+              </a:rPr>
+              <a:t>The objective of an idea is to get a solution</a:t>
+            </a:r>
+            <a:endParaRPr lang="en-US" sz="3200" dirty="0">
+              <a:solidFill>
+                <a:srgbClr val="705532"/>
+              </a:solidFill>
+            </a:endParaRPr>
           </a:p>
         </p:txBody>
       </p:sp>
       <p:pic>
         <p:nvPicPr>
-          <p:cNvPr id="27652" name="Picture 4" descr="http://www.matchware.com/images/special/mind-map-620.jpg"/>
+          <p:cNvPr id="34818" name="Picture 2" descr="Image result for mapping ideas"/>
           <p:cNvPicPr>
-            <a:picLocks noGrp="1" noChangeAspect="1" noChangeArrowheads="1"/>
+            <a:picLocks noChangeAspect="1" noChangeArrowheads="1"/>
           </p:cNvPicPr>
-          <p:nvPr>
-            <p:ph type="pic" idx="1"/>
-          </p:nvPr>
+          <p:nvPr/>
         </p:nvPicPr>
         <p:blipFill>
           <a:blip r:embed="rId2"/>
@@ -5983,8 +7213,8 @@
         </p:blipFill>
         <p:spPr bwMode="auto">
           <a:xfrm>
-            <a:off x="2057400" y="1524000"/>
-            <a:ext cx="6553200" cy="4343400"/>
+            <a:off x="1752600" y="1066800"/>
+            <a:ext cx="7391400" cy="5029200"/>
           </a:xfrm>
           <a:prstGeom prst="rect">
             <a:avLst/>
@@ -5994,7 +7224,7 @@
       </p:pic>
       <p:sp>
         <p:nvSpPr>
-          <p:cNvPr id="6" name="Title 1"/>
+          <p:cNvPr id="4" name="Title 1"/>
           <p:cNvSpPr>
             <a:spLocks noGrp="1"/>
           </p:cNvSpPr>
@@ -6032,7 +7262,7 @@
           <a:p>
             <a:r>
               <a:rPr lang="en-US" dirty="0" smtClean="0"/>
-              <a:t>General Case</a:t>
+              <a:t>General Objective</a:t>
             </a:r>
             <a:endParaRPr lang="en-US" dirty="0"/>
           </a:p>
@@ -6041,7 +7271,7 @@
     </p:spTree>
     <p:extLst>
       <p:ext uri="{BB962C8B-B14F-4D97-AF65-F5344CB8AC3E}">
-        <p14:creationId xmlns:p14="http://schemas.microsoft.com/office/powerpoint/2010/main" val="4103309497"/>
+        <p14:creationId xmlns:p14="http://schemas.microsoft.com/office/powerpoint/2010/main" xmlns="" val="4103309497"/>
       </p:ext>
     </p:extLst>
   </p:cSld>
@@ -6087,108 +7317,145 @@
         </p:nvSpPr>
         <p:spPr>
           <a:xfrm>
-            <a:off x="1676400" y="5715000"/>
-            <a:ext cx="7162800" cy="655638"/>
+            <a:off x="1905000" y="5867400"/>
+            <a:ext cx="7772400" cy="566738"/>
           </a:xfrm>
         </p:spPr>
         <p:txBody>
           <a:bodyPr>
-            <a:normAutofit/>
+            <a:noAutofit/>
           </a:bodyPr>
           <a:lstStyle/>
           <a:p>
             <a:r>
-              <a:rPr lang="en-US" sz="2400" dirty="0" smtClean="0"/>
-              <a:t>Different people has their own </a:t>
-            </a:r>
-            <a:r>
-              <a:rPr lang="en-US" sz="2400" dirty="0" smtClean="0"/>
-              <a:t>idea. Which one correct?</a:t>
-            </a:r>
-            <a:endParaRPr lang="en-US" sz="2400" dirty="0"/>
-          </a:p>
-        </p:txBody>
-      </p:sp>
-      <p:sp>
-        <p:nvSpPr>
-          <p:cNvPr id="3" name="Content Placeholder 2"/>
-          <p:cNvSpPr>
-            <a:spLocks noGrp="1"/>
-          </p:cNvSpPr>
-          <p:nvPr>
-            <p:ph sz="half" idx="2"/>
-          </p:nvPr>
-        </p:nvSpPr>
-        <p:spPr>
-          <a:xfrm>
-            <a:off x="4648200" y="1828801"/>
-            <a:ext cx="4038600" cy="3657600"/>
-          </a:xfrm>
-        </p:spPr>
-        <p:txBody>
-          <a:bodyPr/>
-          <a:lstStyle/>
-          <a:p>
-            <a:endParaRPr lang="en-US" dirty="0" smtClean="0"/>
-          </a:p>
-          <a:p>
-            <a:endParaRPr lang="en-US" dirty="0"/>
+              <a:rPr lang="en-US" sz="2800" dirty="0" smtClean="0">
+                <a:solidFill>
+                  <a:schemeClr val="tx1">
+                    <a:lumMod val="65000"/>
+                    <a:lumOff val="35000"/>
+                  </a:schemeClr>
+                </a:solidFill>
+              </a:rPr>
+              <a:t>W</a:t>
+            </a:r>
+            <a:r>
+              <a:rPr lang="en-US" sz="2800" dirty="0" smtClean="0">
+                <a:solidFill>
+                  <a:schemeClr val="tx1">
+                    <a:lumMod val="65000"/>
+                    <a:lumOff val="35000"/>
+                  </a:schemeClr>
+                </a:solidFill>
+              </a:rPr>
+              <a:t>ithout a concept </a:t>
+            </a:r>
+            <a:r>
+              <a:rPr lang="en-US" sz="2800" dirty="0" smtClean="0">
+                <a:solidFill>
+                  <a:schemeClr val="tx1">
+                    <a:lumMod val="65000"/>
+                    <a:lumOff val="35000"/>
+                  </a:schemeClr>
+                </a:solidFill>
+              </a:rPr>
+              <a:t>can lead to wrong </a:t>
+            </a:r>
+            <a:r>
+              <a:rPr lang="en-US" sz="2800" dirty="0" smtClean="0">
+                <a:solidFill>
+                  <a:schemeClr val="tx1">
+                    <a:lumMod val="65000"/>
+                    <a:lumOff val="35000"/>
+                  </a:schemeClr>
+                </a:solidFill>
+              </a:rPr>
+              <a:t>solution..</a:t>
+            </a:r>
+            <a:endParaRPr lang="en-US" sz="2800" dirty="0">
+              <a:solidFill>
+                <a:schemeClr val="tx1">
+                  <a:lumMod val="65000"/>
+                  <a:lumOff val="35000"/>
+                </a:schemeClr>
+              </a:solidFill>
+            </a:endParaRPr>
           </a:p>
         </p:txBody>
       </p:sp>
       <p:pic>
         <p:nvPicPr>
-          <p:cNvPr id="6" name="Content Placeholder 5" descr="images.jpg"/>
+          <p:cNvPr id="7" name="Picture Placeholder 6" descr="mind_map.jpg"/>
           <p:cNvPicPr>
-            <a:picLocks noGrp="1" noChangeAspect="1"/>
+            <a:picLocks noGrp="1"/>
           </p:cNvPicPr>
           <p:nvPr>
-            <p:ph sz="half" idx="1"/>
+            <p:ph type="pic" idx="1"/>
           </p:nvPr>
         </p:nvPicPr>
         <p:blipFill>
           <a:blip r:embed="rId2"/>
-          <a:stretch>
-            <a:fillRect/>
-          </a:stretch>
-        </p:blipFill>
-        <p:spPr>
-          <a:xfrm>
-            <a:off x="5791200" y="2209800"/>
-            <a:ext cx="3048000" cy="3200400"/>
-          </a:xfrm>
-        </p:spPr>
-      </p:pic>
-      <p:pic>
-        <p:nvPicPr>
-          <p:cNvPr id="32770" name="Picture 2" descr="https://wazisoft.files.wordpress.com/2013/10/process.jpg"/>
-          <p:cNvPicPr>
-            <a:picLocks noChangeAspect="1" noChangeArrowheads="1"/>
-          </p:cNvPicPr>
-          <p:nvPr/>
-        </p:nvPicPr>
-        <p:blipFill>
-          <a:blip r:embed="rId3"/>
           <a:srcRect/>
           <a:stretch>
             <a:fillRect/>
           </a:stretch>
         </p:blipFill>
-        <p:spPr bwMode="auto">
-          <a:xfrm>
-            <a:off x="2286000" y="2209800"/>
-            <a:ext cx="3048000" cy="3200400"/>
+        <p:spPr>
+          <a:xfrm>
+            <a:off x="1752600" y="1066800"/>
+            <a:ext cx="7391400" cy="4876800"/>
+          </a:xfrm>
+        </p:spPr>
+      </p:pic>
+      <p:sp>
+        <p:nvSpPr>
+          <p:cNvPr id="4" name="Title 1"/>
+          <p:cNvSpPr>
+            <a:spLocks noGrp="1"/>
+          </p:cNvSpPr>
+          <p:nvPr/>
+        </p:nvSpPr>
+        <p:spPr>
+          <a:xfrm>
+            <a:off x="1828800" y="304800"/>
+            <a:ext cx="7092090" cy="532180"/>
           </a:xfrm>
           <a:prstGeom prst="rect">
             <a:avLst/>
           </a:prstGeom>
-          <a:noFill/>
-        </p:spPr>
-      </p:pic>
+        </p:spPr>
+        <p:txBody>
+          <a:bodyPr vert="horz" lIns="91440" tIns="45720" rIns="91440" bIns="45720" rtlCol="0" anchor="ctr">
+            <a:normAutofit fontScale="90000" lnSpcReduction="10000"/>
+          </a:bodyPr>
+          <a:lstStyle>
+            <a:lvl1pPr algn="l" defTabSz="914400" rtl="0" eaLnBrk="1" latinLnBrk="0" hangingPunct="1">
+              <a:spcBef>
+                <a:spcPct val="0"/>
+              </a:spcBef>
+              <a:buNone/>
+              <a:defRPr sz="3600" kern="1200">
+                <a:solidFill>
+                  <a:srgbClr val="FFFF00"/>
+                </a:solidFill>
+                <a:latin typeface="+mj-lt"/>
+                <a:ea typeface="+mj-ea"/>
+                <a:cs typeface="+mj-cs"/>
+              </a:defRPr>
+            </a:lvl1pPr>
+          </a:lstStyle>
+          <a:p>
+            <a:r>
+              <a:rPr lang="en-US" dirty="0" smtClean="0"/>
+              <a:t>Concept requirement</a:t>
+            </a:r>
+            <a:endParaRPr lang="en-US" dirty="0"/>
+          </a:p>
+        </p:txBody>
+      </p:sp>
     </p:spTree>
     <p:extLst>
       <p:ext uri="{BB962C8B-B14F-4D97-AF65-F5344CB8AC3E}">
-        <p14:creationId xmlns:p14="http://schemas.microsoft.com/office/powerpoint/2010/main" val="4103309497"/>
+        <p14:creationId xmlns:p14="http://schemas.microsoft.com/office/powerpoint/2010/main" xmlns="" val="4103309497"/>
       </p:ext>
     </p:extLst>
   </p:cSld>
@@ -6234,55 +7501,47 @@
         </p:nvSpPr>
         <p:spPr>
           <a:xfrm>
-            <a:off x="2133600" y="6019800"/>
-            <a:ext cx="6629400" cy="566738"/>
+            <a:off x="2438400" y="6019800"/>
+            <a:ext cx="6477000" cy="566738"/>
           </a:xfrm>
         </p:spPr>
         <p:txBody>
           <a:bodyPr>
-            <a:normAutofit/>
+            <a:noAutofit/>
           </a:bodyPr>
           <a:lstStyle/>
           <a:p>
             <a:r>
-              <a:rPr lang="en-US" dirty="0" smtClean="0"/>
-              <a:t>Ideas has many choice. Which one you should take?</a:t>
-            </a:r>
-            <a:endParaRPr lang="en-US" dirty="0"/>
-          </a:p>
-        </p:txBody>
-      </p:sp>
-      <p:sp>
-        <p:nvSpPr>
-          <p:cNvPr id="3" name="Content Placeholder 2"/>
-          <p:cNvSpPr>
-            <a:spLocks noGrp="1"/>
-          </p:cNvSpPr>
-          <p:nvPr>
-            <p:ph type="body" sz="half" idx="2"/>
-          </p:nvPr>
-        </p:nvSpPr>
-        <p:spPr/>
-        <p:txBody>
-          <a:bodyPr/>
-          <a:lstStyle/>
-          <a:p>
-            <a:endParaRPr lang="en-US" dirty="0" smtClean="0"/>
-          </a:p>
-          <a:p>
-            <a:endParaRPr lang="en-US" dirty="0"/>
+              <a:rPr lang="en-US" sz="3200" dirty="0" smtClean="0">
+                <a:solidFill>
+                  <a:srgbClr val="1160FF"/>
+                </a:solidFill>
+              </a:rPr>
+              <a:t>An objective may create </a:t>
+            </a:r>
+            <a:r>
+              <a:rPr lang="en-US" sz="3200" dirty="0" smtClean="0">
+                <a:solidFill>
+                  <a:srgbClr val="1160FF"/>
+                </a:solidFill>
+              </a:rPr>
+              <a:t>many ideas</a:t>
+            </a:r>
+            <a:endParaRPr lang="en-US" sz="3200" dirty="0">
+              <a:solidFill>
+                <a:srgbClr val="1160FF"/>
+              </a:solidFill>
+            </a:endParaRPr>
           </a:p>
         </p:txBody>
       </p:sp>
       <p:pic>
         <p:nvPicPr>
-          <p:cNvPr id="29698" name="Picture 2" descr="http://s3.amazonaws.com/digitaltrends-uploads-prod/2014/05/header.jpg"/>
+          <p:cNvPr id="3074" name="Picture 2" descr="http://prcoach.co.uk/wp-content/uploads/2012/12/DSC_0228-mind-mapping.jpg"/>
           <p:cNvPicPr>
-            <a:picLocks noGrp="1" noChangeAspect="1" noChangeArrowheads="1"/>
+            <a:picLocks noChangeAspect="1" noChangeArrowheads="1"/>
           </p:cNvPicPr>
-          <p:nvPr>
-            <p:ph type="pic" idx="1"/>
-          </p:nvPr>
+          <p:nvPr/>
         </p:nvPicPr>
         <p:blipFill>
           <a:blip r:embed="rId2"/>
@@ -6293,8 +7552,8 @@
         </p:blipFill>
         <p:spPr bwMode="auto">
           <a:xfrm>
-            <a:off x="2057400" y="1507943"/>
-            <a:ext cx="6553200" cy="4375514"/>
+            <a:off x="1752600" y="1066800"/>
+            <a:ext cx="7391400" cy="4876800"/>
           </a:xfrm>
           <a:prstGeom prst="rect">
             <a:avLst/>
@@ -6302,10 +7561,56 @@
           <a:noFill/>
         </p:spPr>
       </p:pic>
+      <p:sp>
+        <p:nvSpPr>
+          <p:cNvPr id="4" name="Title 1"/>
+          <p:cNvSpPr>
+            <a:spLocks noGrp="1"/>
+          </p:cNvSpPr>
+          <p:nvPr/>
+        </p:nvSpPr>
+        <p:spPr>
+          <a:xfrm>
+            <a:off x="1828800" y="304800"/>
+            <a:ext cx="7092090" cy="532180"/>
+          </a:xfrm>
+          <a:prstGeom prst="rect">
+            <a:avLst/>
+          </a:prstGeom>
+        </p:spPr>
+        <p:txBody>
+          <a:bodyPr vert="horz" lIns="91440" tIns="45720" rIns="91440" bIns="45720" rtlCol="0" anchor="ctr">
+            <a:normAutofit fontScale="90000" lnSpcReduction="10000"/>
+          </a:bodyPr>
+          <a:lstStyle>
+            <a:lvl1pPr algn="l" defTabSz="914400" rtl="0" eaLnBrk="1" latinLnBrk="0" hangingPunct="1">
+              <a:spcBef>
+                <a:spcPct val="0"/>
+              </a:spcBef>
+              <a:buNone/>
+              <a:defRPr sz="3600" kern="1200">
+                <a:solidFill>
+                  <a:srgbClr val="FFFF00"/>
+                </a:solidFill>
+                <a:latin typeface="+mj-lt"/>
+                <a:ea typeface="+mj-ea"/>
+                <a:cs typeface="+mj-cs"/>
+              </a:defRPr>
+            </a:lvl1pPr>
+          </a:lstStyle>
+          <a:p>
+            <a:r>
+              <a:rPr lang="en-US" dirty="0" smtClean="0"/>
+              <a:t>How to deal with ideas?</a:t>
+            </a:r>
+            <a:endParaRPr lang="en-US" dirty="0"/>
+          </a:p>
+        </p:txBody>
+      </p:sp>
     </p:spTree>
     <p:extLst>
       <p:ext uri="{BB962C8B-B14F-4D97-AF65-F5344CB8AC3E}">
-        <p14:creationId xmlns:p14="http://schemas.microsoft.com/office/powerpoint/2010/main" val="4103309497"/>
+        <p14:creationId xmlns:p14="http://schemas.microsoft.com/office/powerpoint/2010/main" xmlns="" val="4103309497"/>
       </p:ext>
     </p:extLst>
   </p:cSld>
@@ -6351,21 +7656,73 @@
         </p:nvSpPr>
         <p:spPr>
           <a:xfrm>
-            <a:off x="2133600" y="6019800"/>
-            <a:ext cx="6629400" cy="566738"/>
+            <a:off x="1676400" y="5715000"/>
+            <a:ext cx="7162800" cy="655638"/>
           </a:xfrm>
         </p:spPr>
         <p:txBody>
           <a:bodyPr>
-            <a:normAutofit/>
+            <a:noAutofit/>
           </a:bodyPr>
           <a:lstStyle/>
           <a:p>
             <a:r>
-              <a:rPr lang="en-US" dirty="0" smtClean="0"/>
-              <a:t>Ideas has many parameters. From where you should start?</a:t>
-            </a:r>
-            <a:endParaRPr lang="en-US" dirty="0"/>
+              <a:rPr lang="en-US" sz="2400" b="1" dirty="0" smtClean="0">
+                <a:solidFill>
+                  <a:schemeClr val="accent2">
+                    <a:lumMod val="75000"/>
+                  </a:schemeClr>
+                </a:solidFill>
+              </a:rPr>
+              <a:t>People has </a:t>
+            </a:r>
+            <a:r>
+              <a:rPr lang="en-US" sz="2400" b="1" dirty="0" smtClean="0">
+                <a:solidFill>
+                  <a:schemeClr val="accent2">
+                    <a:lumMod val="75000"/>
+                  </a:schemeClr>
+                </a:solidFill>
+              </a:rPr>
+              <a:t>their own </a:t>
+            </a:r>
+            <a:r>
+              <a:rPr lang="en-US" sz="2400" b="1" dirty="0" smtClean="0">
+                <a:solidFill>
+                  <a:schemeClr val="accent2">
+                    <a:lumMod val="75000"/>
+                  </a:schemeClr>
+                </a:solidFill>
+              </a:rPr>
+              <a:t>concept. </a:t>
+            </a:r>
+            <a:r>
+              <a:rPr lang="en-US" sz="2400" b="1" dirty="0" smtClean="0">
+                <a:solidFill>
+                  <a:schemeClr val="accent2">
+                    <a:lumMod val="75000"/>
+                  </a:schemeClr>
+                </a:solidFill>
+              </a:rPr>
+              <a:t>Which one </a:t>
+            </a:r>
+            <a:r>
+              <a:rPr lang="en-US" sz="2400" b="1" dirty="0" smtClean="0">
+                <a:solidFill>
+                  <a:schemeClr val="accent2">
+                    <a:lumMod val="75000"/>
+                  </a:schemeClr>
+                </a:solidFill>
+              </a:rPr>
+              <a:t>better?</a:t>
+            </a:r>
+            <a:endParaRPr lang="en-US" sz="2400" b="1" dirty="0">
+              <a:solidFill>
+                <a:schemeClr val="accent2">
+                  <a:lumMod val="75000"/>
+                </a:schemeClr>
+              </a:solidFill>
+            </a:endParaRPr>
           </a:p>
         </p:txBody>
       </p:sp>
@@ -6376,10 +7733,15 @@
             <a:spLocks noGrp="1"/>
           </p:cNvSpPr>
           <p:nvPr>
-            <p:ph type="body" sz="half" idx="2"/>
-          </p:nvPr>
-        </p:nvSpPr>
-        <p:spPr/>
+            <p:ph sz="half" idx="2"/>
+          </p:nvPr>
+        </p:nvSpPr>
+        <p:spPr>
+          <a:xfrm>
+            <a:off x="4648200" y="1828801"/>
+            <a:ext cx="4038600" cy="3657600"/>
+          </a:xfrm>
+        </p:spPr>
         <p:txBody>
           <a:bodyPr/>
           <a:lstStyle/>
@@ -6393,16 +7755,37 @@
       </p:sp>
       <p:pic>
         <p:nvPicPr>
-          <p:cNvPr id="27650" name="Picture 2" descr="http://www.damianholmes.com/blog/wp-content/uploads/2010/05/ideas_diagram_sketch.jpg"/>
+          <p:cNvPr id="6" name="Content Placeholder 5" descr="images.jpg"/>
           <p:cNvPicPr>
-            <a:picLocks noGrp="1" noChangeAspect="1" noChangeArrowheads="1"/>
+            <a:picLocks noGrp="1" noChangeAspect="1"/>
           </p:cNvPicPr>
           <p:nvPr>
-            <p:ph type="pic" idx="1"/>
+            <p:ph sz="half" idx="1"/>
           </p:nvPr>
         </p:nvPicPr>
         <p:blipFill>
           <a:blip r:embed="rId2"/>
+          <a:stretch>
+            <a:fillRect/>
+          </a:stretch>
+        </p:blipFill>
+        <p:spPr>
+          <a:xfrm>
+            <a:off x="5791200" y="2209800"/>
+            <a:ext cx="3048000" cy="3200400"/>
+          </a:xfrm>
+        </p:spPr>
+      </p:pic>
+      <p:pic>
+        <p:nvPicPr>
+          <p:cNvPr id="32770" name="Picture 2" descr="https://wazisoft.files.wordpress.com/2013/10/process.jpg"/>
+          <p:cNvPicPr>
+            <a:picLocks noChangeAspect="1" noChangeArrowheads="1"/>
+          </p:cNvPicPr>
+          <p:nvPr/>
+        </p:nvPicPr>
+        <p:blipFill>
+          <a:blip r:embed="rId3"/>
           <a:srcRect/>
           <a:stretch>
             <a:fillRect/>
@@ -6410,8 +7793,8 @@
         </p:blipFill>
         <p:spPr bwMode="auto">
           <a:xfrm>
-            <a:off x="2133600" y="1524000"/>
-            <a:ext cx="6705600" cy="4343400"/>
+            <a:off x="2286000" y="2209800"/>
+            <a:ext cx="3048000" cy="3200400"/>
           </a:xfrm>
           <a:prstGeom prst="rect">
             <a:avLst/>
@@ -6419,16 +7802,69 @@
           <a:noFill/>
         </p:spPr>
       </p:pic>
+      <p:sp>
+        <p:nvSpPr>
+          <p:cNvPr id="7" name="Title 1"/>
+          <p:cNvSpPr>
+            <a:spLocks noGrp="1"/>
+          </p:cNvSpPr>
+          <p:nvPr/>
+        </p:nvSpPr>
+        <p:spPr>
+          <a:xfrm>
+            <a:off x="1828800" y="304800"/>
+            <a:ext cx="7092090" cy="532180"/>
+          </a:xfrm>
+          <a:prstGeom prst="rect">
+            <a:avLst/>
+          </a:prstGeom>
+        </p:spPr>
+        <p:txBody>
+          <a:bodyPr vert="horz" lIns="91440" tIns="45720" rIns="91440" bIns="45720" rtlCol="0" anchor="ctr">
+            <a:normAutofit fontScale="90000" lnSpcReduction="10000"/>
+          </a:bodyPr>
+          <a:lstStyle>
+            <a:lvl1pPr algn="l" defTabSz="914400" rtl="0" eaLnBrk="1" latinLnBrk="0" hangingPunct="1">
+              <a:spcBef>
+                <a:spcPct val="0"/>
+              </a:spcBef>
+              <a:buNone/>
+              <a:defRPr sz="3600" kern="1200">
+                <a:solidFill>
+                  <a:srgbClr val="FFFF00"/>
+                </a:solidFill>
+                <a:latin typeface="+mj-lt"/>
+                <a:ea typeface="+mj-ea"/>
+                <a:cs typeface="+mj-cs"/>
+              </a:defRPr>
+            </a:lvl1pPr>
+          </a:lstStyle>
+          <a:p>
+            <a:r>
+              <a:rPr lang="en-US" dirty="0" smtClean="0"/>
+              <a:t>Concept of the idea</a:t>
+            </a:r>
+            <a:endParaRPr lang="en-US" dirty="0"/>
+          </a:p>
+        </p:txBody>
+      </p:sp>
     </p:spTree>
     <p:extLst>
       <p:ext uri="{BB962C8B-B14F-4D97-AF65-F5344CB8AC3E}">
-        <p14:creationId xmlns:p14="http://schemas.microsoft.com/office/powerpoint/2010/main" val="4103309497"/>
+        <p14:creationId xmlns:p14="http://schemas.microsoft.com/office/powerpoint/2010/main" xmlns="" val="4103309497"/>
       </p:ext>
     </p:extLst>
   </p:cSld>
   <p:clrMapOvr>
     <a:masterClrMapping/>
   </p:clrMapOvr>
+  <p:timing>
+    <p:tnLst>
+      <p:par>
+        <p:cTn id="1" dur="indefinite" restart="never" nodeType="tmRoot"/>
+      </p:par>
+    </p:tnLst>
+  </p:timing>
 </p:sld>
 </file>
 
@@ -6461,29 +7897,83 @@
         </p:nvSpPr>
         <p:spPr>
           <a:xfrm>
-            <a:off x="2209800" y="5867400"/>
-            <a:ext cx="6172200" cy="566738"/>
+            <a:off x="1828800" y="5791200"/>
+            <a:ext cx="7315200" cy="566738"/>
           </a:xfrm>
         </p:spPr>
         <p:txBody>
           <a:bodyPr>
-            <a:normAutofit fontScale="90000"/>
+            <a:noAutofit/>
           </a:bodyPr>
           <a:lstStyle/>
           <a:p>
             <a:r>
-              <a:rPr lang="en-US" dirty="0" smtClean="0"/>
-              <a:t>Mind your idea without concept can lead to wrong concept..</a:t>
-            </a:r>
+              <a:rPr lang="en-US" sz="2400" dirty="0" smtClean="0">
+                <a:solidFill>
+                  <a:schemeClr val="accent3">
+                    <a:lumMod val="75000"/>
+                  </a:schemeClr>
+                </a:solidFill>
+              </a:rPr>
+              <a:t>Innovation creates sub-ideas. </a:t>
+            </a:r>
+            <a:r>
+              <a:rPr lang="en-US" sz="2400" dirty="0" smtClean="0">
+                <a:solidFill>
+                  <a:schemeClr val="accent3">
+                    <a:lumMod val="75000"/>
+                  </a:schemeClr>
+                </a:solidFill>
+              </a:rPr>
+              <a:t>Shall we look them all</a:t>
+            </a:r>
+            <a:r>
+              <a:rPr lang="en-US" sz="2400" dirty="0" smtClean="0">
+                <a:solidFill>
+                  <a:schemeClr val="accent3">
+                    <a:lumMod val="75000"/>
+                  </a:schemeClr>
+                </a:solidFill>
+              </a:rPr>
+              <a:t>?</a:t>
+            </a:r>
+            <a:endParaRPr lang="en-US" sz="2400" dirty="0">
+              <a:solidFill>
+                <a:schemeClr val="accent3">
+                  <a:lumMod val="75000"/>
+                </a:schemeClr>
+              </a:solidFill>
+            </a:endParaRPr>
+          </a:p>
+        </p:txBody>
+      </p:sp>
+      <p:sp>
+        <p:nvSpPr>
+          <p:cNvPr id="3" name="Content Placeholder 2"/>
+          <p:cNvSpPr>
+            <a:spLocks noGrp="1"/>
+          </p:cNvSpPr>
+          <p:nvPr>
+            <p:ph type="body" sz="half" idx="2"/>
+          </p:nvPr>
+        </p:nvSpPr>
+        <p:spPr/>
+        <p:txBody>
+          <a:bodyPr/>
+          <a:lstStyle/>
+          <a:p>
+            <a:endParaRPr lang="en-US" dirty="0" smtClean="0"/>
+          </a:p>
+          <a:p>
             <a:endParaRPr lang="en-US" dirty="0"/>
           </a:p>
         </p:txBody>
       </p:sp>
       <p:pic>
         <p:nvPicPr>
-          <p:cNvPr id="7" name="Picture Placeholder 6" descr="mind_map.jpg"/>
+          <p:cNvPr id="27652" name="Picture 4" descr="http://www.matchware.com/images/special/mind-map-620.jpg"/>
           <p:cNvPicPr>
-            <a:picLocks noGrp="1"/>
+            <a:picLocks noGrp="1" noChangeAspect="1" noChangeArrowheads="1"/>
           </p:cNvPicPr>
           <p:nvPr>
             <p:ph type="pic" idx="1"/>
@@ -6496,23 +7986,80 @@
             <a:fillRect/>
           </a:stretch>
         </p:blipFill>
-        <p:spPr>
-          <a:xfrm>
-            <a:off x="1981200" y="2057400"/>
-            <a:ext cx="6350001" cy="3708400"/>
-          </a:xfrm>
+        <p:spPr bwMode="auto">
+          <a:xfrm>
+            <a:off x="2057400" y="1524000"/>
+            <a:ext cx="6553200" cy="4343400"/>
+          </a:xfrm>
+          <a:prstGeom prst="rect">
+            <a:avLst/>
+          </a:prstGeom>
+          <a:noFill/>
         </p:spPr>
       </p:pic>
+      <p:sp>
+        <p:nvSpPr>
+          <p:cNvPr id="6" name="Title 1"/>
+          <p:cNvSpPr>
+            <a:spLocks noGrp="1"/>
+          </p:cNvSpPr>
+          <p:nvPr/>
+        </p:nvSpPr>
+        <p:spPr>
+          <a:xfrm>
+            <a:off x="1828800" y="304800"/>
+            <a:ext cx="7092090" cy="532180"/>
+          </a:xfrm>
+          <a:prstGeom prst="rect">
+            <a:avLst/>
+          </a:prstGeom>
+        </p:spPr>
+        <p:txBody>
+          <a:bodyPr vert="horz" lIns="91440" tIns="45720" rIns="91440" bIns="45720" rtlCol="0" anchor="ctr">
+            <a:normAutofit fontScale="90000" lnSpcReduction="10000"/>
+          </a:bodyPr>
+          <a:lstStyle>
+            <a:lvl1pPr algn="l" defTabSz="914400" rtl="0" eaLnBrk="1" latinLnBrk="0" hangingPunct="1">
+              <a:spcBef>
+                <a:spcPct val="0"/>
+              </a:spcBef>
+              <a:buNone/>
+              <a:defRPr sz="3600" kern="1200">
+                <a:solidFill>
+                  <a:srgbClr val="FFFF00"/>
+                </a:solidFill>
+                <a:latin typeface="+mj-lt"/>
+                <a:ea typeface="+mj-ea"/>
+                <a:cs typeface="+mj-cs"/>
+              </a:defRPr>
+            </a:lvl1pPr>
+          </a:lstStyle>
+          <a:p>
+            <a:r>
+              <a:rPr lang="en-US" dirty="0" smtClean="0"/>
+              <a:t>Sub Ideas</a:t>
+            </a:r>
+            <a:endParaRPr lang="en-US" dirty="0"/>
+          </a:p>
+        </p:txBody>
+      </p:sp>
     </p:spTree>
     <p:extLst>
       <p:ext uri="{BB962C8B-B14F-4D97-AF65-F5344CB8AC3E}">
-        <p14:creationId xmlns:p14="http://schemas.microsoft.com/office/powerpoint/2010/main" val="4103309497"/>
+        <p14:creationId xmlns:p14="http://schemas.microsoft.com/office/powerpoint/2010/main" xmlns="" val="4103309497"/>
       </p:ext>
     </p:extLst>
   </p:cSld>
   <p:clrMapOvr>
     <a:masterClrMapping/>
   </p:clrMapOvr>
+  <p:timing>
+    <p:tnLst>
+      <p:par>
+        <p:cTn id="1" dur="indefinite" restart="never" nodeType="tmRoot"/>
+      </p:par>
+    </p:tnLst>
+  </p:timing>
 </p:sld>
 </file>
 
@@ -6545,8 +8092,8 @@
         </p:nvSpPr>
         <p:spPr>
           <a:xfrm>
-            <a:off x="4267200" y="5791200"/>
-            <a:ext cx="2209800" cy="566738"/>
+            <a:off x="1981200" y="6096000"/>
+            <a:ext cx="8610600" cy="566738"/>
           </a:xfrm>
         </p:spPr>
         <p:txBody>
@@ -6556,18 +8103,87 @@
           <a:lstStyle/>
           <a:p>
             <a:r>
-              <a:rPr lang="en-US" dirty="0" smtClean="0"/>
-              <a:t>How to map then?</a:t>
-            </a:r>
+              <a:rPr lang="en-US" sz="2400" dirty="0" smtClean="0">
+                <a:solidFill>
+                  <a:schemeClr val="tx1">
+                    <a:lumMod val="65000"/>
+                    <a:lumOff val="35000"/>
+                  </a:schemeClr>
+                </a:solidFill>
+              </a:rPr>
+              <a:t>In case of many </a:t>
+            </a:r>
+            <a:r>
+              <a:rPr lang="en-US" sz="2400" dirty="0" smtClean="0">
+                <a:solidFill>
+                  <a:schemeClr val="tx1">
+                    <a:lumMod val="65000"/>
+                    <a:lumOff val="35000"/>
+                  </a:schemeClr>
+                </a:solidFill>
+              </a:rPr>
+              <a:t>parameters. </a:t>
+            </a:r>
+            <a:r>
+              <a:rPr lang="en-US" sz="2400" dirty="0" smtClean="0">
+                <a:solidFill>
+                  <a:schemeClr val="tx1">
+                    <a:lumMod val="65000"/>
+                    <a:lumOff val="35000"/>
+                  </a:schemeClr>
+                </a:solidFill>
+              </a:rPr>
+              <a:t>Where you </a:t>
+            </a:r>
+            <a:r>
+              <a:rPr lang="en-US" sz="2400" dirty="0" smtClean="0">
+                <a:solidFill>
+                  <a:schemeClr val="tx1">
+                    <a:lumMod val="65000"/>
+                    <a:lumOff val="35000"/>
+                  </a:schemeClr>
+                </a:solidFill>
+              </a:rPr>
+              <a:t>should start?</a:t>
+            </a:r>
+            <a:endParaRPr lang="en-US" sz="2400" dirty="0">
+              <a:solidFill>
+                <a:schemeClr val="tx1">
+                  <a:lumMod val="65000"/>
+                  <a:lumOff val="35000"/>
+                </a:schemeClr>
+              </a:solidFill>
+            </a:endParaRPr>
+          </a:p>
+        </p:txBody>
+      </p:sp>
+      <p:sp>
+        <p:nvSpPr>
+          <p:cNvPr id="3" name="Content Placeholder 2"/>
+          <p:cNvSpPr>
+            <a:spLocks noGrp="1"/>
+          </p:cNvSpPr>
+          <p:nvPr>
+            <p:ph type="body" sz="half" idx="2"/>
+          </p:nvPr>
+        </p:nvSpPr>
+        <p:spPr/>
+        <p:txBody>
+          <a:bodyPr/>
+          <a:lstStyle/>
+          <a:p>
+            <a:endParaRPr lang="en-US" dirty="0" smtClean="0"/>
+          </a:p>
+          <a:p>
             <a:endParaRPr lang="en-US" dirty="0"/>
           </a:p>
         </p:txBody>
       </p:sp>
       <p:pic>
         <p:nvPicPr>
-          <p:cNvPr id="1026" name="Picture 2" descr="http://www.artremote.com/wp-content/uploads/2011/03/Mind_Map_Template_Mulit_Rnd_small.jpg"/>
+          <p:cNvPr id="27650" name="Picture 2" descr="http://www.damianholmes.com/blog/wp-content/uploads/2010/05/ideas_diagram_sketch.jpg"/>
           <p:cNvPicPr>
-            <a:picLocks noGrp="1" noChangeArrowheads="1"/>
+            <a:picLocks noGrp="1" noChangeAspect="1" noChangeArrowheads="1"/>
           </p:cNvPicPr>
           <p:nvPr>
             <p:ph type="pic" idx="1"/>
@@ -6582,8 +8198,8 @@
         </p:blipFill>
         <p:spPr bwMode="auto">
           <a:xfrm>
-            <a:off x="2057400" y="1295400"/>
-            <a:ext cx="6553200" cy="4362999"/>
+            <a:off x="1780674" y="1143000"/>
+            <a:ext cx="7363326" cy="5029200"/>
           </a:xfrm>
           <a:prstGeom prst="rect">
             <a:avLst/>
@@ -6591,16 +8207,69 @@
           <a:noFill/>
         </p:spPr>
       </p:pic>
+      <p:sp>
+        <p:nvSpPr>
+          <p:cNvPr id="5" name="Title 1"/>
+          <p:cNvSpPr>
+            <a:spLocks noGrp="1"/>
+          </p:cNvSpPr>
+          <p:nvPr/>
+        </p:nvSpPr>
+        <p:spPr>
+          <a:xfrm>
+            <a:off x="1828800" y="304800"/>
+            <a:ext cx="7092090" cy="532180"/>
+          </a:xfrm>
+          <a:prstGeom prst="rect">
+            <a:avLst/>
+          </a:prstGeom>
+        </p:spPr>
+        <p:txBody>
+          <a:bodyPr vert="horz" lIns="91440" tIns="45720" rIns="91440" bIns="45720" rtlCol="0" anchor="ctr">
+            <a:normAutofit fontScale="90000" lnSpcReduction="10000"/>
+          </a:bodyPr>
+          <a:lstStyle>
+            <a:lvl1pPr algn="l" defTabSz="914400" rtl="0" eaLnBrk="1" latinLnBrk="0" hangingPunct="1">
+              <a:spcBef>
+                <a:spcPct val="0"/>
+              </a:spcBef>
+              <a:buNone/>
+              <a:defRPr sz="3600" kern="1200">
+                <a:solidFill>
+                  <a:srgbClr val="FFFF00"/>
+                </a:solidFill>
+                <a:latin typeface="+mj-lt"/>
+                <a:ea typeface="+mj-ea"/>
+                <a:cs typeface="+mj-cs"/>
+              </a:defRPr>
+            </a:lvl1pPr>
+          </a:lstStyle>
+          <a:p>
+            <a:r>
+              <a:rPr lang="en-US" dirty="0" smtClean="0"/>
+              <a:t>Parameters</a:t>
+            </a:r>
+            <a:endParaRPr lang="en-US" dirty="0"/>
+          </a:p>
+        </p:txBody>
+      </p:sp>
     </p:spTree>
     <p:extLst>
       <p:ext uri="{BB962C8B-B14F-4D97-AF65-F5344CB8AC3E}">
-        <p14:creationId xmlns:p14="http://schemas.microsoft.com/office/powerpoint/2010/main" val="4103309497"/>
+        <p14:creationId xmlns:p14="http://schemas.microsoft.com/office/powerpoint/2010/main" xmlns="" val="4103309497"/>
       </p:ext>
     </p:extLst>
   </p:cSld>
   <p:clrMapOvr>
     <a:masterClrMapping/>
   </p:clrMapOvr>
+  <p:timing>
+    <p:tnLst>
+      <p:par>
+        <p:cTn id="1" dur="indefinite" restart="never" nodeType="tmRoot"/>
+      </p:par>
+    </p:tnLst>
+  </p:timing>
 </p:sld>
 </file>
 
@@ -6887,4 +8556,287 @@
   <a:objectDefaults/>
   <a:extraClrSchemeLst/>
 </a:theme>
+</file>
+
+<file path=ppt/theme/theme2.xml><?xml version="1.0" encoding="utf-8"?>
+<a:theme xmlns:a="http://schemas.openxmlformats.org/drawingml/2006/main" name="Office Theme">
+  <a:themeElements>
+    <a:clrScheme name="Office">
+      <a:dk1>
+        <a:sysClr val="windowText" lastClr="000000"/>
+      </a:dk1>
+      <a:lt1>
+        <a:sysClr val="window" lastClr="FFFFFF"/>
+      </a:lt1>
+      <a:dk2>
+        <a:srgbClr val="1F497D"/>
+      </a:dk2>
+      <a:lt2>
+        <a:srgbClr val="EEECE1"/>
+      </a:lt2>
+      <a:accent1>
+        <a:srgbClr val="4F81BD"/>
+      </a:accent1>
+      <a:accent2>
+        <a:srgbClr val="C0504D"/>
+      </a:accent2>
+      <a:accent3>
+        <a:srgbClr val="9BBB59"/>
+      </a:accent3>
+      <a:accent4>
+        <a:srgbClr val="8064A2"/>
+      </a:accent4>
+      <a:accent5>
+        <a:srgbClr val="4BACC6"/>
+      </a:accent5>
+      <a:accent6>
+        <a:srgbClr val="F79646"/>
+      </a:accent6>
+      <a:hlink>
+        <a:srgbClr val="0000FF"/>
+      </a:hlink>
+      <a:folHlink>
+        <a:srgbClr val="800080"/>
+      </a:folHlink>
+    </a:clrScheme>
+    <a:fontScheme name="Office">
+      <a:majorFont>
+        <a:latin typeface="Calibri"/>
+        <a:ea typeface=""/>
+        <a:cs typeface=""/>
+        <a:font script="Jpan" typeface="ＭＳ Ｐゴシック"/>
+        <a:font script="Hang" typeface="맑은 고딕"/>
+        <a:font script="Hans" typeface="宋体"/>
+        <a:font script="Hant" typeface="新細明體"/>
+        <a:font script="Arab" typeface="Times New Roman"/>
+        <a:font script="Hebr" typeface="Times New Roman"/>
+        <a:font script="Thai" typeface="Angsana New"/>
+        <a:font script="Ethi" typeface="Nyala"/>
+        <a:font script="Beng" typeface="Vrinda"/>
+        <a:font script="Gujr" typeface="Shruti"/>
+        <a:font script="Khmr" typeface="MoolBoran"/>
+        <a:font script="Knda" typeface="Tunga"/>
+        <a:font script="Guru" typeface="Raavi"/>
+        <a:font script="Cans" typeface="Euphemia"/>
+        <a:font script="Cher" typeface="Plantagenet Cherokee"/>
+        <a:font script="Yiii" typeface="Microsoft Yi Baiti"/>
+        <a:font script="Tibt" typeface="Microsoft Himalaya"/>
+        <a:font script="Thaa" typeface="MV Boli"/>
+        <a:font script="Deva" typeface="Mangal"/>
+        <a:font script="Telu" typeface="Gautami"/>
+        <a:font script="Taml" typeface="Latha"/>
+        <a:font script="Syrc" typeface="Estrangelo Edessa"/>
+        <a:font script="Orya" typeface="Kalinga"/>
+        <a:font script="Mlym" typeface="Kartika"/>
+        <a:font script="Laoo" typeface="DokChampa"/>
+        <a:font script="Sinh" typeface="Iskoola Pota"/>
+        <a:font script="Mong" typeface="Mongolian Baiti"/>
+        <a:font script="Viet" typeface="Times New Roman"/>
+        <a:font script="Uigh" typeface="Microsoft Uighur"/>
+      </a:majorFont>
+      <a:minorFont>
+        <a:latin typeface="Calibri"/>
+        <a:ea typeface=""/>
+        <a:cs typeface=""/>
+        <a:font script="Jpan" typeface="ＭＳ Ｐゴシック"/>
+        <a:font script="Hang" typeface="맑은 고딕"/>
+        <a:font script="Hans" typeface="宋体"/>
+        <a:font script="Hant" typeface="新細明體"/>
+        <a:font script="Arab" typeface="Arial"/>
+        <a:font script="Hebr" typeface="Arial"/>
+        <a:font script="Thai" typeface="Cordia New"/>
+        <a:font script="Ethi" typeface="Nyala"/>
+        <a:font script="Beng" typeface="Vrinda"/>
+        <a:font script="Gujr" typeface="Shruti"/>
+        <a:font script="Khmr" typeface="DaunPenh"/>
+        <a:font script="Knda" typeface="Tunga"/>
+        <a:font script="Guru" typeface="Raavi"/>
+        <a:font script="Cans" typeface="Euphemia"/>
+        <a:font script="Cher" typeface="Plantagenet Cherokee"/>
+        <a:font script="Yiii" typeface="Microsoft Yi Baiti"/>
+        <a:font script="Tibt" typeface="Microsoft Himalaya"/>
+        <a:font script="Thaa" typeface="MV Boli"/>
+        <a:font script="Deva" typeface="Mangal"/>
+        <a:font script="Telu" typeface="Gautami"/>
+        <a:font script="Taml" typeface="Latha"/>
+        <a:font script="Syrc" typeface="Estrangelo Edessa"/>
+        <a:font script="Orya" typeface="Kalinga"/>
+        <a:font script="Mlym" typeface="Kartika"/>
+        <a:font script="Laoo" typeface="DokChampa"/>
+        <a:font script="Sinh" typeface="Iskoola Pota"/>
+        <a:font script="Mong" typeface="Mongolian Baiti"/>
+        <a:font script="Viet" typeface="Arial"/>
+        <a:font script="Uigh" typeface="Microsoft Uighur"/>
+      </a:minorFont>
+    </a:fontScheme>
+    <a:fmtScheme name="Office">
+      <a:fillStyleLst>
+        <a:solidFill>
+          <a:schemeClr val="phClr"/>
+        </a:solidFill>
+        <a:gradFill rotWithShape="1">
+          <a:gsLst>
+            <a:gs pos="0">
+              <a:schemeClr val="phClr">
+                <a:tint val="50000"/>
+                <a:satMod val="300000"/>
+              </a:schemeClr>
+            </a:gs>
+            <a:gs pos="35000">
+              <a:schemeClr val="phClr">
+                <a:tint val="37000"/>
+                <a:satMod val="300000"/>
+              </a:schemeClr>
+            </a:gs>
+            <a:gs pos="100000">
+              <a:schemeClr val="phClr">
+                <a:tint val="15000"/>
+                <a:satMod val="350000"/>
+              </a:schemeClr>
+            </a:gs>
+          </a:gsLst>
+          <a:lin ang="16200000" scaled="1"/>
+        </a:gradFill>
+        <a:gradFill rotWithShape="1">
+          <a:gsLst>
+            <a:gs pos="0">
+              <a:schemeClr val="phClr">
+                <a:shade val="51000"/>
+                <a:satMod val="130000"/>
+              </a:schemeClr>
+            </a:gs>
+            <a:gs pos="80000">
+              <a:schemeClr val="phClr">
+                <a:shade val="93000"/>
+                <a:satMod val="130000"/>
+              </a:schemeClr>
+            </a:gs>
+            <a:gs pos="100000">
+              <a:schemeClr val="phClr">
+                <a:shade val="94000"/>
+                <a:satMod val="135000"/>
+              </a:schemeClr>
+            </a:gs>
+          </a:gsLst>
+          <a:lin ang="16200000" scaled="0"/>
+        </a:gradFill>
+      </a:fillStyleLst>
+      <a:lnStyleLst>
+        <a:ln w="9525" cap="flat" cmpd="sng" algn="ctr">
+          <a:solidFill>
+            <a:schemeClr val="phClr">
+              <a:shade val="95000"/>
+              <a:satMod val="105000"/>
+            </a:schemeClr>
+          </a:solidFill>
+          <a:prstDash val="solid"/>
+        </a:ln>
+        <a:ln w="25400" cap="flat" cmpd="sng" algn="ctr">
+          <a:solidFill>
+            <a:schemeClr val="phClr"/>
+          </a:solidFill>
+          <a:prstDash val="solid"/>
+        </a:ln>
+        <a:ln w="38100" cap="flat" cmpd="sng" algn="ctr">
+          <a:solidFill>
+            <a:schemeClr val="phClr"/>
+          </a:solidFill>
+          <a:prstDash val="solid"/>
+        </a:ln>
+      </a:lnStyleLst>
+      <a:effectStyleLst>
+        <a:effectStyle>
+          <a:effectLst>
+            <a:outerShdw blurRad="40000" dist="20000" dir="5400000" rotWithShape="0">
+              <a:srgbClr val="000000">
+                <a:alpha val="38000"/>
+              </a:srgbClr>
+            </a:outerShdw>
+          </a:effectLst>
+        </a:effectStyle>
+        <a:effectStyle>
+          <a:effectLst>
+            <a:outerShdw blurRad="40000" dist="23000" dir="5400000" rotWithShape="0">
+              <a:srgbClr val="000000">
+                <a:alpha val="35000"/>
+              </a:srgbClr>
+            </a:outerShdw>
+          </a:effectLst>
+        </a:effectStyle>
+        <a:effectStyle>
+          <a:effectLst>
+            <a:outerShdw blurRad="40000" dist="23000" dir="5400000" rotWithShape="0">
+              <a:srgbClr val="000000">
+                <a:alpha val="35000"/>
+              </a:srgbClr>
+            </a:outerShdw>
+          </a:effectLst>
+          <a:scene3d>
+            <a:camera prst="orthographicFront">
+              <a:rot lat="0" lon="0" rev="0"/>
+            </a:camera>
+            <a:lightRig rig="threePt" dir="t">
+              <a:rot lat="0" lon="0" rev="1200000"/>
+            </a:lightRig>
+          </a:scene3d>
+          <a:sp3d>
+            <a:bevelT w="63500" h="25400"/>
+          </a:sp3d>
+        </a:effectStyle>
+      </a:effectStyleLst>
+      <a:bgFillStyleLst>
+        <a:solidFill>
+          <a:schemeClr val="phClr"/>
+        </a:solidFill>
+        <a:gradFill rotWithShape="1">
+          <a:gsLst>
+            <a:gs pos="0">
+              <a:schemeClr val="phClr">
+                <a:tint val="40000"/>
+                <a:satMod val="350000"/>
+              </a:schemeClr>
+            </a:gs>
+            <a:gs pos="40000">
+              <a:schemeClr val="phClr">
+                <a:tint val="45000"/>
+                <a:shade val="99000"/>
+                <a:satMod val="350000"/>
+              </a:schemeClr>
+            </a:gs>
+            <a:gs pos="100000">
+              <a:schemeClr val="phClr">
+                <a:shade val="20000"/>
+                <a:satMod val="255000"/>
+              </a:schemeClr>
+            </a:gs>
+          </a:gsLst>
+          <a:path path="circle">
+            <a:fillToRect l="50000" t="-80000" r="50000" b="180000"/>
+          </a:path>
+        </a:gradFill>
+        <a:gradFill rotWithShape="1">
+          <a:gsLst>
+            <a:gs pos="0">
+              <a:schemeClr val="phClr">
+                <a:tint val="80000"/>
+                <a:satMod val="300000"/>
+              </a:schemeClr>
+            </a:gs>
+            <a:gs pos="100000">
+              <a:schemeClr val="phClr">
+                <a:shade val="30000"/>
+                <a:satMod val="200000"/>
+              </a:schemeClr>
+            </a:gs>
+          </a:gsLst>
+          <a:path path="circle">
+            <a:fillToRect l="50000" t="50000" r="50000" b="50000"/>
+          </a:path>
+        </a:gradFill>
+      </a:bgFillStyleLst>
+    </a:fmtScheme>
+  </a:themeElements>
+  <a:objectDefaults/>
+  <a:extraClrSchemeLst/>
+</a:theme>
 </file>